--- a/TerraformOnboardingPresentation_V1.0.pptx
+++ b/TerraformOnboardingPresentation_V1.0.pptx
@@ -1,22 +1,22 @@
 
 <file path=ppt/presentation.xml><?xml version="1.0" encoding="utf-8"?>
-<p:presentation xmlns:a="http://schemas.openxmlformats.org/drawingml/2006/main" xmlns:r="http://schemas.openxmlformats.org/officeDocument/2006/relationships" xmlns:p="http://schemas.openxmlformats.org/presentationml/2006/main" xmlns:m="http://schemas.openxmlformats.org/officeDocument/2006/math" xmlns:a14="http://schemas.microsoft.com/office/drawing/2010/main">
+<p:presentation xmlns:a="http://schemas.openxmlformats.org/drawingml/2006/main" xmlns:r="http://schemas.openxmlformats.org/officeDocument/2006/relationships" xmlns:p="http://schemas.openxmlformats.org/presentationml/2006/main">
   <p:sldMasterIdLst>
-    <p:sldMasterId id="2147483648" r:id="rId5"/>
+    <p:sldMasterId id="2147483648" r:id="rId1"/>
   </p:sldMasterIdLst>
   <p:notesMasterIdLst>
-    <p:notesMasterId r:id="rId7"/>
+    <p:notesMasterId r:id="rId11"/>
   </p:notesMasterIdLst>
   <p:sldIdLst>
-    <p:sldId id="256" r:id="rId8"/>
-    <p:sldId id="257" r:id="rId9"/>
-    <p:sldId id="258" r:id="rId10"/>
-    <p:sldId id="259" r:id="rId11"/>
-    <p:sldId id="260" r:id="rId12"/>
-    <p:sldId id="261" r:id="rId13"/>
-    <p:sldId id="262" r:id="rId14"/>
-    <p:sldId id="263" r:id="rId15"/>
-    <p:sldId id="264" r:id="rId16"/>
+    <p:sldId id="256" r:id="rId2"/>
+    <p:sldId id="257" r:id="rId3"/>
+    <p:sldId id="258" r:id="rId4"/>
+    <p:sldId id="259" r:id="rId5"/>
+    <p:sldId id="260" r:id="rId6"/>
+    <p:sldId id="261" r:id="rId7"/>
+    <p:sldId id="262" r:id="rId8"/>
+    <p:sldId id="263" r:id="rId9"/>
+    <p:sldId id="264" r:id="rId10"/>
   </p:sldIdLst>
   <p:sldSz cx="12192000" cy="6858000"/>
   <p:notesSz cx="6858000" cy="9144000"/>
@@ -36,7 +36,7 @@
       <a:buFontTx/>
       <a:buNone/>
       <a:tabLst/>
-      <a:defRPr b="0" baseline="0" cap="none" i="0" spc="0" strike="noStrike" sz="1800" u="none" kumimoji="0" normalizeH="0">
+      <a:defRPr kumimoji="0" sz="1800" b="0" i="0" u="none" strike="noStrike" cap="none" spc="0" normalizeH="0" baseline="0">
         <a:ln>
           <a:noFill/>
         </a:ln>
@@ -62,7 +62,7 @@
       <a:buFontTx/>
       <a:buNone/>
       <a:tabLst/>
-      <a:defRPr b="0" baseline="0" cap="none" i="0" spc="0" strike="noStrike" sz="1800" u="none" kumimoji="0" normalizeH="0">
+      <a:defRPr kumimoji="0" sz="1800" b="0" i="0" u="none" strike="noStrike" cap="none" spc="0" normalizeH="0" baseline="0">
         <a:ln>
           <a:noFill/>
         </a:ln>
@@ -92,7 +92,7 @@
       <a:buFontTx/>
       <a:buNone/>
       <a:tabLst/>
-      <a:defRPr b="0" baseline="0" cap="none" i="0" spc="0" strike="noStrike" sz="1800" u="none" kumimoji="0" normalizeH="0">
+      <a:defRPr kumimoji="0" sz="1800" b="0" i="0" u="none" strike="noStrike" cap="none" spc="0" normalizeH="0" baseline="0">
         <a:ln>
           <a:noFill/>
         </a:ln>
@@ -122,7 +122,7 @@
       <a:buFontTx/>
       <a:buNone/>
       <a:tabLst/>
-      <a:defRPr b="0" baseline="0" cap="none" i="0" spc="0" strike="noStrike" sz="1800" u="none" kumimoji="0" normalizeH="0">
+      <a:defRPr kumimoji="0" sz="1800" b="0" i="0" u="none" strike="noStrike" cap="none" spc="0" normalizeH="0" baseline="0">
         <a:ln>
           <a:noFill/>
         </a:ln>
@@ -152,7 +152,7 @@
       <a:buFontTx/>
       <a:buNone/>
       <a:tabLst/>
-      <a:defRPr b="0" baseline="0" cap="none" i="0" spc="0" strike="noStrike" sz="1800" u="none" kumimoji="0" normalizeH="0">
+      <a:defRPr kumimoji="0" sz="1800" b="0" i="0" u="none" strike="noStrike" cap="none" spc="0" normalizeH="0" baseline="0">
         <a:ln>
           <a:noFill/>
         </a:ln>
@@ -182,7 +182,7 @@
       <a:buFontTx/>
       <a:buNone/>
       <a:tabLst/>
-      <a:defRPr b="0" baseline="0" cap="none" i="0" spc="0" strike="noStrike" sz="1800" u="none" kumimoji="0" normalizeH="0">
+      <a:defRPr kumimoji="0" sz="1800" b="0" i="0" u="none" strike="noStrike" cap="none" spc="0" normalizeH="0" baseline="0">
         <a:ln>
           <a:noFill/>
         </a:ln>
@@ -212,7 +212,7 @@
       <a:buFontTx/>
       <a:buNone/>
       <a:tabLst/>
-      <a:defRPr b="0" baseline="0" cap="none" i="0" spc="0" strike="noStrike" sz="1800" u="none" kumimoji="0" normalizeH="0">
+      <a:defRPr kumimoji="0" sz="1800" b="0" i="0" u="none" strike="noStrike" cap="none" spc="0" normalizeH="0" baseline="0">
         <a:ln>
           <a:noFill/>
         </a:ln>
@@ -242,7 +242,7 @@
       <a:buFontTx/>
       <a:buNone/>
       <a:tabLst/>
-      <a:defRPr b="0" baseline="0" cap="none" i="0" spc="0" strike="noStrike" sz="1800" u="none" kumimoji="0" normalizeH="0">
+      <a:defRPr kumimoji="0" sz="1800" b="0" i="0" u="none" strike="noStrike" cap="none" spc="0" normalizeH="0" baseline="0">
         <a:ln>
           <a:noFill/>
         </a:ln>
@@ -272,7 +272,7 @@
       <a:buFontTx/>
       <a:buNone/>
       <a:tabLst/>
-      <a:defRPr b="0" baseline="0" cap="none" i="0" spc="0" strike="noStrike" sz="1800" u="none" kumimoji="0" normalizeH="0">
+      <a:defRPr kumimoji="0" sz="1800" b="0" i="0" u="none" strike="noStrike" cap="none" spc="0" normalizeH="0" baseline="0">
         <a:ln>
           <a:noFill/>
         </a:ln>
@@ -302,7 +302,7 @@
       <a:buFontTx/>
       <a:buNone/>
       <a:tabLst/>
-      <a:defRPr b="0" baseline="0" cap="none" i="0" spc="0" strike="noStrike" sz="1800" u="none" kumimoji="0" normalizeH="0">
+      <a:defRPr kumimoji="0" sz="1800" b="0" i="0" u="none" strike="noStrike" cap="none" spc="0" normalizeH="0" baseline="0">
         <a:ln>
           <a:noFill/>
         </a:ln>
@@ -321,13 +321,14 @@
 </p:presentation>
 </file>
 
-<file path=ppt/commentAuthors.xml><?xml version="1.0" encoding="utf-8"?>
-<p:cmAuthorLst xmlns:a="http://schemas.openxmlformats.org/drawingml/2006/main" xmlns:r="http://schemas.openxmlformats.org/officeDocument/2006/relationships" xmlns:p="http://schemas.openxmlformats.org/presentationml/2006/main" xmlns:m="http://schemas.openxmlformats.org/officeDocument/2006/math" xmlns:a14="http://schemas.microsoft.com/office/drawing/2010/main"/>
-</file>
-
 <file path=ppt/notesMasters/notesMaster1.xml><?xml version="1.0" encoding="utf-8"?>
-<p:notesMaster xmlns:a="http://schemas.openxmlformats.org/drawingml/2006/main" xmlns:r="http://schemas.openxmlformats.org/officeDocument/2006/relationships" xmlns:p="http://schemas.openxmlformats.org/presentationml/2006/main" xmlns:m="http://schemas.openxmlformats.org/officeDocument/2006/math" xmlns:a14="http://schemas.microsoft.com/office/drawing/2010/main">
+<p:notesMaster xmlns:a="http://schemas.openxmlformats.org/drawingml/2006/main" xmlns:r="http://schemas.openxmlformats.org/officeDocument/2006/relationships" xmlns:p="http://schemas.openxmlformats.org/presentationml/2006/main">
   <p:cSld>
+    <p:bg>
+      <p:bgRef idx="1001">
+        <a:schemeClr val="bg1"/>
+      </p:bgRef>
+    </p:bg>
     <p:spTree>
       <p:nvGrpSpPr>
         <p:cNvPr id="1" name=""/>
@@ -345,7 +346,9 @@
       <p:sp>
         <p:nvSpPr>
           <p:cNvPr id="215" name="Shape 215"/>
-          <p:cNvSpPr/>
+          <p:cNvSpPr>
+            <a:spLocks noGrp="1" noRot="1" noChangeAspect="1"/>
+          </p:cNvSpPr>
           <p:nvPr>
             <p:ph type="sldImg"/>
           </p:nvPr>
@@ -363,14 +366,16 @@
           <a:bodyPr/>
           <a:lstStyle/>
           <a:p>
-            <a:pPr/>
+            <a:endParaRPr/>
           </a:p>
         </p:txBody>
       </p:sp>
       <p:sp>
         <p:nvSpPr>
           <p:cNvPr id="216" name="Shape 216"/>
-          <p:cNvSpPr/>
+          <p:cNvSpPr>
+            <a:spLocks noGrp="1"/>
+          </p:cNvSpPr>
           <p:nvPr>
             <p:ph type="body" sz="quarter" idx="1"/>
           </p:nvPr>
@@ -388,7 +393,7 @@
           <a:bodyPr/>
           <a:lstStyle/>
           <a:p>
-            <a:pPr/>
+            <a:endParaRPr/>
           </a:p>
         </p:txBody>
       </p:sp>
@@ -473,7 +478,7 @@
 </file>
 
 <file path=ppt/slideLayouts/slideLayout1.xml><?xml version="1.0" encoding="utf-8"?>
-<p:sldLayout xmlns:a="http://schemas.openxmlformats.org/drawingml/2006/main" xmlns:r="http://schemas.openxmlformats.org/officeDocument/2006/relationships" xmlns:p="http://schemas.openxmlformats.org/presentationml/2006/main" xmlns:m="http://schemas.openxmlformats.org/officeDocument/2006/math" xmlns:a14="http://schemas.microsoft.com/office/drawing/2010/main" type="title" showMasterSp="0" showMasterPhAnim="1">
+<p:sldLayout xmlns:a="http://schemas.openxmlformats.org/drawingml/2006/main" xmlns:r="http://schemas.openxmlformats.org/officeDocument/2006/relationships" xmlns:p="http://schemas.openxmlformats.org/presentationml/2006/main" showMasterSp="0" type="title">
   <p:cSld name="Title Slide">
     <p:spTree>
       <p:nvGrpSpPr>
@@ -492,7 +497,9 @@
       <p:sp>
         <p:nvSpPr>
           <p:cNvPr id="17" name="Title Text"/>
-          <p:cNvSpPr txBox="1"/>
+          <p:cNvSpPr txBox="1">
+            <a:spLocks noGrp="1"/>
+          </p:cNvSpPr>
           <p:nvPr>
             <p:ph type="title"/>
           </p:nvPr>
@@ -514,7 +521,6 @@
             </a:lvl1pPr>
           </a:lstStyle>
           <a:p>
-            <a:pPr/>
             <a:r>
               <a:t>Title Text</a:t>
             </a:r>
@@ -524,7 +530,9 @@
       <p:sp>
         <p:nvSpPr>
           <p:cNvPr id="18" name="Body Level One…"/>
-          <p:cNvSpPr txBox="1"/>
+          <p:cNvSpPr txBox="1">
+            <a:spLocks noGrp="1"/>
+          </p:cNvSpPr>
           <p:nvPr>
             <p:ph type="body" sz="quarter" idx="1"/>
           </p:nvPr>
@@ -558,7 +566,6 @@
             </a:lvl5pPr>
           </a:lstStyle>
           <a:p>
-            <a:pPr/>
             <a:r>
               <a:t>Body Level One</a:t>
             </a:r>
@@ -621,6 +628,7 @@
                 </a:solidFill>
               </a:defRPr>
             </a:pPr>
+            <a:endParaRPr/>
           </a:p>
         </p:txBody>
       </p:sp>
@@ -659,6 +667,7 @@
                 </a:solidFill>
               </a:defRPr>
             </a:pPr>
+            <a:endParaRPr/>
           </a:p>
         </p:txBody>
       </p:sp>
@@ -693,7 +702,7 @@
             </a:cxnLst>
             <a:rect l="0" t="0" r="r" b="b"/>
             <a:pathLst>
-              <a:path w="21600" h="21600" fill="norm" stroke="1" extrusionOk="0">
+              <a:path w="21600" h="21600" extrusionOk="0">
                 <a:moveTo>
                   <a:pt x="0" y="0"/>
                 </a:moveTo>
@@ -730,6 +739,7 @@
                 </a:solidFill>
               </a:defRPr>
             </a:pPr>
+            <a:endParaRPr/>
           </a:p>
         </p:txBody>
       </p:sp>
@@ -764,7 +774,7 @@
             </a:cxnLst>
             <a:rect l="0" t="0" r="r" b="b"/>
             <a:pathLst>
-              <a:path w="21600" h="21600" fill="norm" stroke="1" extrusionOk="0">
+              <a:path w="21600" h="21600" extrusionOk="0">
                 <a:moveTo>
                   <a:pt x="0" y="0"/>
                 </a:moveTo>
@@ -801,6 +811,7 @@
                 </a:solidFill>
               </a:defRPr>
             </a:pPr>
+            <a:endParaRPr/>
           </a:p>
         </p:txBody>
       </p:sp>
@@ -849,7 +860,7 @@
               </a:cxnLst>
               <a:rect l="0" t="0" r="r" b="b"/>
               <a:pathLst>
-                <a:path w="21600" h="21600" fill="norm" stroke="1" extrusionOk="0">
+                <a:path w="21600" h="21600" extrusionOk="0">
                   <a:moveTo>
                     <a:pt x="21600" y="21600"/>
                   </a:moveTo>
@@ -901,6 +912,7 @@
                   </a:solidFill>
                 </a:defRPr>
               </a:pPr>
+              <a:endParaRPr/>
             </a:p>
           </p:txBody>
         </p:sp>
@@ -911,7 +923,7 @@
             <p:nvPr/>
           </p:nvSpPr>
           <p:spPr>
-            <a:xfrm flipH="1" rot="5400000">
+            <a:xfrm rot="5400000" flipH="1">
               <a:off x="-600618" y="600617"/>
               <a:ext cx="3165023" cy="1963788"/>
             </a:xfrm>
@@ -935,7 +947,7 @@
               </a:cxnLst>
               <a:rect l="0" t="0" r="r" b="b"/>
               <a:pathLst>
-                <a:path w="21600" h="21600" fill="norm" stroke="1" extrusionOk="0">
+                <a:path w="21600" h="21600" extrusionOk="0">
                   <a:moveTo>
                     <a:pt x="21600" y="21600"/>
                   </a:moveTo>
@@ -987,6 +999,7 @@
                   </a:solidFill>
                 </a:defRPr>
               </a:pPr>
+              <a:endParaRPr/>
             </a:p>
           </p:txBody>
         </p:sp>
@@ -1022,7 +1035,7 @@
             </a:cxnLst>
             <a:rect l="0" t="0" r="r" b="b"/>
             <a:pathLst>
-              <a:path w="21600" h="21600" fill="norm" stroke="1" extrusionOk="0">
+              <a:path w="21600" h="21600" extrusionOk="0">
                 <a:moveTo>
                   <a:pt x="0" y="0"/>
                 </a:moveTo>
@@ -1059,6 +1072,7 @@
                 </a:solidFill>
               </a:defRPr>
             </a:pPr>
+            <a:endParaRPr/>
           </a:p>
         </p:txBody>
       </p:sp>
@@ -1093,7 +1107,7 @@
             </a:cxnLst>
             <a:rect l="0" t="0" r="r" b="b"/>
             <a:pathLst>
-              <a:path w="21600" h="21600" fill="norm" stroke="1" extrusionOk="0">
+              <a:path w="21600" h="21600" extrusionOk="0">
                 <a:moveTo>
                   <a:pt x="21600" y="0"/>
                 </a:moveTo>
@@ -1139,13 +1153,16 @@
                 </a:solidFill>
               </a:defRPr>
             </a:pPr>
+            <a:endParaRPr/>
           </a:p>
         </p:txBody>
       </p:sp>
       <p:sp>
         <p:nvSpPr>
           <p:cNvPr id="28" name="Slide Number"/>
-          <p:cNvSpPr txBox="1"/>
+          <p:cNvSpPr txBox="1">
+            <a:spLocks noGrp="1"/>
+          </p:cNvSpPr>
           <p:nvPr>
             <p:ph type="sldNum" sz="quarter" idx="2"/>
           </p:nvPr>
@@ -1171,8 +1188,10 @@
             </a:lvl1pPr>
           </a:lstStyle>
           <a:p>
-            <a:pPr/>
-            <a:fld id="{86CB4B4D-7CA3-9044-876B-883B54F8677D}" type="slidenum"/>
+            <a:fld id="{86CB4B4D-7CA3-9044-876B-883B54F8677D}" type="slidenum">
+              <a:t>‹#›</a:t>
+            </a:fld>
+            <a:endParaRPr/>
           </a:p>
         </p:txBody>
       </p:sp>
@@ -1181,18 +1200,19 @@
   <p:clrMapOvr>
     <a:masterClrMapping/>
   </p:clrMapOvr>
-  <p:transition xmlns:p14="http://schemas.microsoft.com/office/powerpoint/2010/main" spd="med" advClick="1"/>
+  <p:transition spd="med"/>
 </p:sldLayout>
 </file>
 
 <file path=ppt/slideLayouts/slideLayout10.xml><?xml version="1.0" encoding="utf-8"?>
-<p:sldLayout xmlns:a="http://schemas.openxmlformats.org/drawingml/2006/main" xmlns:r="http://schemas.openxmlformats.org/officeDocument/2006/relationships" xmlns:p="http://schemas.openxmlformats.org/presentationml/2006/main" xmlns:m="http://schemas.openxmlformats.org/officeDocument/2006/math" xmlns:a14="http://schemas.microsoft.com/office/drawing/2010/main" type="tx" showMasterSp="0" showMasterPhAnim="1">
+<p:sldLayout xmlns:a="http://schemas.openxmlformats.org/drawingml/2006/main" xmlns:r="http://schemas.openxmlformats.org/officeDocument/2006/relationships" xmlns:p="http://schemas.openxmlformats.org/presentationml/2006/main" showMasterSp="0" type="tx">
   <p:cSld name="Timeline">
     <p:bg>
       <p:bgPr>
         <a:solidFill>
           <a:schemeClr val="accent1"/>
         </a:solidFill>
+        <a:effectLst/>
       </p:bgPr>
     </p:bg>
     <p:spTree>
@@ -1240,7 +1260,7 @@
             </a:cxnLst>
             <a:rect l="0" t="0" r="r" b="b"/>
             <a:pathLst>
-              <a:path w="21600" h="21600" fill="norm" stroke="1" extrusionOk="0">
+              <a:path w="21600" h="21600" extrusionOk="0">
                 <a:moveTo>
                   <a:pt x="0" y="0"/>
                 </a:moveTo>
@@ -1277,6 +1297,7 @@
                 </a:solidFill>
               </a:defRPr>
             </a:pPr>
+            <a:endParaRPr/>
           </a:p>
         </p:txBody>
       </p:sp>
@@ -1287,7 +1308,7 @@
           <p:nvPr/>
         </p:nvSpPr>
         <p:spPr>
-          <a:xfrm flipH="1" rot="5400000">
+          <a:xfrm rot="5400000" flipH="1">
             <a:off x="1" y="3246895"/>
             <a:ext cx="3611105" cy="3611105"/>
           </a:xfrm>
@@ -1311,7 +1332,7 @@
             </a:cxnLst>
             <a:rect l="0" t="0" r="r" b="b"/>
             <a:pathLst>
-              <a:path w="21600" h="21600" fill="norm" stroke="1" extrusionOk="0">
+              <a:path w="21600" h="21600" extrusionOk="0">
                 <a:moveTo>
                   <a:pt x="0" y="0"/>
                 </a:moveTo>
@@ -1348,13 +1369,16 @@
                 </a:solidFill>
               </a:defRPr>
             </a:pPr>
+            <a:endParaRPr/>
           </a:p>
         </p:txBody>
       </p:sp>
       <p:sp>
         <p:nvSpPr>
           <p:cNvPr id="168" name="Title Text"/>
-          <p:cNvSpPr txBox="1"/>
+          <p:cNvSpPr txBox="1">
+            <a:spLocks noGrp="1"/>
+          </p:cNvSpPr>
           <p:nvPr>
             <p:ph type="title"/>
           </p:nvPr>
@@ -1376,7 +1400,6 @@
             </a:lvl1pPr>
           </a:lstStyle>
           <a:p>
-            <a:pPr/>
             <a:r>
               <a:t>Title Text</a:t>
             </a:r>
@@ -1386,7 +1409,9 @@
       <p:sp>
         <p:nvSpPr>
           <p:cNvPr id="169" name="Body Level One…"/>
-          <p:cNvSpPr txBox="1"/>
+          <p:cNvSpPr txBox="1">
+            <a:spLocks noGrp="1"/>
+          </p:cNvSpPr>
           <p:nvPr>
             <p:ph type="body" sz="half" idx="1"/>
           </p:nvPr>
@@ -1440,7 +1465,6 @@
             </a:lvl5pPr>
           </a:lstStyle>
           <a:p>
-            <a:pPr/>
             <a:r>
               <a:t>Body Level One</a:t>
             </a:r>
@@ -1474,7 +1498,9 @@
       <p:sp>
         <p:nvSpPr>
           <p:cNvPr id="170" name="Slide Number"/>
-          <p:cNvSpPr txBox="1"/>
+          <p:cNvSpPr txBox="1">
+            <a:spLocks noGrp="1"/>
+          </p:cNvSpPr>
           <p:nvPr>
             <p:ph type="sldNum" sz="quarter" idx="2"/>
           </p:nvPr>
@@ -1488,8 +1514,10 @@
           <a:bodyPr/>
           <a:lstStyle/>
           <a:p>
-            <a:pPr/>
-            <a:fld id="{86CB4B4D-7CA3-9044-876B-883B54F8677D}" type="slidenum"/>
+            <a:fld id="{86CB4B4D-7CA3-9044-876B-883B54F8677D}" type="slidenum">
+              <a:t>‹#›</a:t>
+            </a:fld>
+            <a:endParaRPr/>
           </a:p>
         </p:txBody>
       </p:sp>
@@ -1498,12 +1526,12 @@
   <p:clrMapOvr>
     <a:masterClrMapping/>
   </p:clrMapOvr>
-  <p:transition xmlns:p14="http://schemas.microsoft.com/office/powerpoint/2010/main" spd="med" advClick="1"/>
+  <p:transition spd="med"/>
 </p:sldLayout>
 </file>
 
 <file path=ppt/slideLayouts/slideLayout11.xml><?xml version="1.0" encoding="utf-8"?>
-<p:sldLayout xmlns:a="http://schemas.openxmlformats.org/drawingml/2006/main" xmlns:r="http://schemas.openxmlformats.org/officeDocument/2006/relationships" xmlns:p="http://schemas.openxmlformats.org/presentationml/2006/main" xmlns:m="http://schemas.openxmlformats.org/officeDocument/2006/math" xmlns:a14="http://schemas.microsoft.com/office/drawing/2010/main" type="tx" showMasterSp="1" showMasterPhAnim="1">
+<p:sldLayout xmlns:a="http://schemas.openxmlformats.org/drawingml/2006/main" xmlns:r="http://schemas.openxmlformats.org/officeDocument/2006/relationships" xmlns:p="http://schemas.openxmlformats.org/presentationml/2006/main" type="tx">
   <p:cSld name="2 Title and Content">
     <p:spTree>
       <p:nvGrpSpPr>
@@ -1522,7 +1550,9 @@
       <p:sp>
         <p:nvSpPr>
           <p:cNvPr id="177" name="Title Text"/>
-          <p:cNvSpPr txBox="1"/>
+          <p:cNvSpPr txBox="1">
+            <a:spLocks noGrp="1"/>
+          </p:cNvSpPr>
           <p:nvPr>
             <p:ph type="title"/>
           </p:nvPr>
@@ -1536,7 +1566,6 @@
           <a:bodyPr/>
           <a:lstStyle/>
           <a:p>
-            <a:pPr/>
             <a:r>
               <a:t>Title Text</a:t>
             </a:r>
@@ -1546,7 +1575,9 @@
       <p:sp>
         <p:nvSpPr>
           <p:cNvPr id="178" name="Body Level One…"/>
-          <p:cNvSpPr txBox="1"/>
+          <p:cNvSpPr txBox="1">
+            <a:spLocks noGrp="1"/>
+          </p:cNvSpPr>
           <p:nvPr>
             <p:ph type="body" sz="quarter" idx="1"/>
           </p:nvPr>
@@ -1580,7 +1611,6 @@
             </a:lvl5pPr>
           </a:lstStyle>
           <a:p>
-            <a:pPr/>
             <a:r>
               <a:t>Body Level One</a:t>
             </a:r>
@@ -1614,7 +1644,9 @@
       <p:sp>
         <p:nvSpPr>
           <p:cNvPr id="179" name="Slide Number"/>
-          <p:cNvSpPr txBox="1"/>
+          <p:cNvSpPr txBox="1">
+            <a:spLocks noGrp="1"/>
+          </p:cNvSpPr>
           <p:nvPr>
             <p:ph type="sldNum" sz="quarter" idx="2"/>
           </p:nvPr>
@@ -1628,8 +1660,10 @@
           <a:bodyPr/>
           <a:lstStyle/>
           <a:p>
-            <a:pPr/>
-            <a:fld id="{86CB4B4D-7CA3-9044-876B-883B54F8677D}" type="slidenum"/>
+            <a:fld id="{86CB4B4D-7CA3-9044-876B-883B54F8677D}" type="slidenum">
+              <a:t>‹#›</a:t>
+            </a:fld>
+            <a:endParaRPr/>
           </a:p>
         </p:txBody>
       </p:sp>
@@ -1638,12 +1672,12 @@
   <p:clrMapOvr>
     <a:masterClrMapping/>
   </p:clrMapOvr>
-  <p:transition xmlns:p14="http://schemas.microsoft.com/office/powerpoint/2010/main" spd="med" advClick="1"/>
+  <p:transition spd="med"/>
 </p:sldLayout>
 </file>
 
 <file path=ppt/slideLayouts/slideLayout12.xml><?xml version="1.0" encoding="utf-8"?>
-<p:sldLayout xmlns:a="http://schemas.openxmlformats.org/drawingml/2006/main" xmlns:r="http://schemas.openxmlformats.org/officeDocument/2006/relationships" xmlns:p="http://schemas.openxmlformats.org/presentationml/2006/main" xmlns:m="http://schemas.openxmlformats.org/officeDocument/2006/math" xmlns:a14="http://schemas.microsoft.com/office/drawing/2010/main" type="tx" showMasterSp="0" showMasterPhAnim="1">
+<p:sldLayout xmlns:a="http://schemas.openxmlformats.org/drawingml/2006/main" xmlns:r="http://schemas.openxmlformats.org/officeDocument/2006/relationships" xmlns:p="http://schemas.openxmlformats.org/presentationml/2006/main" showMasterSp="0" type="tx">
   <p:cSld name="3 Title and Content">
     <p:spTree>
       <p:nvGrpSpPr>
@@ -1662,7 +1696,9 @@
       <p:sp>
         <p:nvSpPr>
           <p:cNvPr id="186" name="Title Text"/>
-          <p:cNvSpPr txBox="1"/>
+          <p:cNvSpPr txBox="1">
+            <a:spLocks noGrp="1"/>
+          </p:cNvSpPr>
           <p:nvPr>
             <p:ph type="title"/>
           </p:nvPr>
@@ -1676,7 +1712,6 @@
           <a:bodyPr/>
           <a:lstStyle/>
           <a:p>
-            <a:pPr/>
             <a:r>
               <a:t>Title Text</a:t>
             </a:r>
@@ -1686,7 +1721,9 @@
       <p:sp>
         <p:nvSpPr>
           <p:cNvPr id="187" name="Body Level One…"/>
-          <p:cNvSpPr txBox="1"/>
+          <p:cNvSpPr txBox="1">
+            <a:spLocks noGrp="1"/>
+          </p:cNvSpPr>
           <p:nvPr>
             <p:ph type="body" sz="quarter" idx="1"/>
           </p:nvPr>
@@ -1720,7 +1757,6 @@
             </a:lvl5pPr>
           </a:lstStyle>
           <a:p>
-            <a:pPr/>
             <a:r>
               <a:t>Body Level One</a:t>
             </a:r>
@@ -1782,7 +1818,7 @@
             </a:cxnLst>
             <a:rect l="0" t="0" r="r" b="b"/>
             <a:pathLst>
-              <a:path w="21600" h="21600" fill="norm" stroke="1" extrusionOk="0">
+              <a:path w="21600" h="21600" extrusionOk="0">
                 <a:moveTo>
                   <a:pt x="0" y="0"/>
                 </a:moveTo>
@@ -1819,6 +1855,7 @@
                 </a:solidFill>
               </a:defRPr>
             </a:pPr>
+            <a:endParaRPr/>
           </a:p>
         </p:txBody>
       </p:sp>
@@ -1853,7 +1890,7 @@
             </a:cxnLst>
             <a:rect l="0" t="0" r="r" b="b"/>
             <a:pathLst>
-              <a:path w="21600" h="21600" fill="norm" stroke="1" extrusionOk="0">
+              <a:path w="21600" h="21600" extrusionOk="0">
                 <a:moveTo>
                   <a:pt x="0" y="0"/>
                 </a:moveTo>
@@ -1890,6 +1927,7 @@
                 </a:solidFill>
               </a:defRPr>
             </a:pPr>
+            <a:endParaRPr/>
           </a:p>
         </p:txBody>
       </p:sp>
@@ -1900,7 +1938,7 @@
           <p:nvPr/>
         </p:nvSpPr>
         <p:spPr>
-          <a:xfrm flipH="1" rot="5400000">
+          <a:xfrm rot="5400000" flipH="1">
             <a:off x="11258143" y="5924143"/>
             <a:ext cx="933857" cy="933857"/>
           </a:xfrm>
@@ -1924,7 +1962,7 @@
             </a:cxnLst>
             <a:rect l="0" t="0" r="r" b="b"/>
             <a:pathLst>
-              <a:path w="21600" h="21600" fill="norm" stroke="1" extrusionOk="0">
+              <a:path w="21600" h="21600" extrusionOk="0">
                 <a:moveTo>
                   <a:pt x="0" y="0"/>
                 </a:moveTo>
@@ -1961,6 +1999,7 @@
                 </a:solidFill>
               </a:defRPr>
             </a:pPr>
+            <a:endParaRPr/>
           </a:p>
         </p:txBody>
       </p:sp>
@@ -2009,7 +2048,7 @@
               </a:cxnLst>
               <a:rect l="0" t="0" r="r" b="b"/>
               <a:pathLst>
-                <a:path w="21600" h="21600" fill="norm" stroke="1" extrusionOk="0">
+                <a:path w="21600" h="21600" extrusionOk="0">
                   <a:moveTo>
                     <a:pt x="21600" y="21600"/>
                   </a:moveTo>
@@ -2061,6 +2100,7 @@
                   </a:solidFill>
                 </a:defRPr>
               </a:pPr>
+              <a:endParaRPr/>
             </a:p>
           </p:txBody>
         </p:sp>
@@ -2071,7 +2111,7 @@
             <p:nvPr/>
           </p:nvSpPr>
           <p:spPr>
-            <a:xfrm flipH="1" rot="5400000">
+            <a:xfrm rot="5400000" flipH="1">
               <a:off x="-240454" y="240453"/>
               <a:ext cx="1267098" cy="786191"/>
             </a:xfrm>
@@ -2095,7 +2135,7 @@
               </a:cxnLst>
               <a:rect l="0" t="0" r="r" b="b"/>
               <a:pathLst>
-                <a:path w="21600" h="21600" fill="norm" stroke="1" extrusionOk="0">
+                <a:path w="21600" h="21600" extrusionOk="0">
                   <a:moveTo>
                     <a:pt x="21600" y="21600"/>
                   </a:moveTo>
@@ -2147,6 +2187,7 @@
                   </a:solidFill>
                 </a:defRPr>
               </a:pPr>
+              <a:endParaRPr/>
             </a:p>
           </p:txBody>
         </p:sp>
@@ -2154,7 +2195,9 @@
       <p:sp>
         <p:nvSpPr>
           <p:cNvPr id="194" name="Slide Number"/>
-          <p:cNvSpPr txBox="1"/>
+          <p:cNvSpPr txBox="1">
+            <a:spLocks noGrp="1"/>
+          </p:cNvSpPr>
           <p:nvPr>
             <p:ph type="sldNum" sz="quarter" idx="2"/>
           </p:nvPr>
@@ -2168,8 +2211,10 @@
           <a:bodyPr/>
           <a:lstStyle/>
           <a:p>
-            <a:pPr/>
-            <a:fld id="{86CB4B4D-7CA3-9044-876B-883B54F8677D}" type="slidenum"/>
+            <a:fld id="{86CB4B4D-7CA3-9044-876B-883B54F8677D}" type="slidenum">
+              <a:t>‹#›</a:t>
+            </a:fld>
+            <a:endParaRPr/>
           </a:p>
         </p:txBody>
       </p:sp>
@@ -2178,12 +2223,12 @@
   <p:clrMapOvr>
     <a:masterClrMapping/>
   </p:clrMapOvr>
-  <p:transition xmlns:p14="http://schemas.microsoft.com/office/powerpoint/2010/main" spd="med" advClick="1"/>
+  <p:transition spd="med"/>
 </p:sldLayout>
 </file>
 
 <file path=ppt/slideLayouts/slideLayout13.xml><?xml version="1.0" encoding="utf-8"?>
-<p:sldLayout xmlns:a="http://schemas.openxmlformats.org/drawingml/2006/main" xmlns:r="http://schemas.openxmlformats.org/officeDocument/2006/relationships" xmlns:p="http://schemas.openxmlformats.org/presentationml/2006/main" xmlns:m="http://schemas.openxmlformats.org/officeDocument/2006/math" xmlns:a14="http://schemas.microsoft.com/office/drawing/2010/main" type="tx" showMasterSp="0" showMasterPhAnim="1">
+<p:sldLayout xmlns:a="http://schemas.openxmlformats.org/drawingml/2006/main" xmlns:r="http://schemas.openxmlformats.org/officeDocument/2006/relationships" xmlns:p="http://schemas.openxmlformats.org/presentationml/2006/main" showMasterSp="0" type="tx">
   <p:cSld name="End Slide">
     <p:spTree>
       <p:nvGrpSpPr>
@@ -2202,7 +2247,9 @@
       <p:sp>
         <p:nvSpPr>
           <p:cNvPr id="201" name="Title Text"/>
-          <p:cNvSpPr txBox="1"/>
+          <p:cNvSpPr txBox="1">
+            <a:spLocks noGrp="1"/>
+          </p:cNvSpPr>
           <p:nvPr>
             <p:ph type="title"/>
           </p:nvPr>
@@ -2224,7 +2271,6 @@
             </a:lvl1pPr>
           </a:lstStyle>
           <a:p>
-            <a:pPr/>
             <a:r>
               <a:t>Title Text</a:t>
             </a:r>
@@ -2234,7 +2280,9 @@
       <p:sp>
         <p:nvSpPr>
           <p:cNvPr id="202" name="Body Level One…"/>
-          <p:cNvSpPr txBox="1"/>
+          <p:cNvSpPr txBox="1">
+            <a:spLocks noGrp="1"/>
+          </p:cNvSpPr>
           <p:nvPr>
             <p:ph type="body" sz="quarter" idx="1"/>
           </p:nvPr>
@@ -2252,7 +2300,6 @@
           <a:bodyPr/>
           <a:lstStyle/>
           <a:p>
-            <a:pPr/>
             <a:r>
               <a:t>Body Level One</a:t>
             </a:r>
@@ -2315,6 +2362,7 @@
                 </a:solidFill>
               </a:defRPr>
             </a:pPr>
+            <a:endParaRPr/>
           </a:p>
         </p:txBody>
       </p:sp>
@@ -2363,7 +2411,7 @@
               </a:cxnLst>
               <a:rect l="0" t="0" r="r" b="b"/>
               <a:pathLst>
-                <a:path w="21600" h="21600" fill="norm" stroke="1" extrusionOk="0">
+                <a:path w="21600" h="21600" extrusionOk="0">
                   <a:moveTo>
                     <a:pt x="21600" y="21600"/>
                   </a:moveTo>
@@ -2415,6 +2463,7 @@
                   </a:solidFill>
                 </a:defRPr>
               </a:pPr>
+              <a:endParaRPr/>
             </a:p>
           </p:txBody>
         </p:sp>
@@ -2425,7 +2474,7 @@
             <p:nvPr/>
           </p:nvSpPr>
           <p:spPr>
-            <a:xfrm flipH="1" rot="5400000">
+            <a:xfrm rot="5400000" flipH="1">
               <a:off x="-607535" y="607534"/>
               <a:ext cx="3178857" cy="1963788"/>
             </a:xfrm>
@@ -2449,7 +2498,7 @@
               </a:cxnLst>
               <a:rect l="0" t="0" r="r" b="b"/>
               <a:pathLst>
-                <a:path w="21600" h="21600" fill="norm" stroke="1" extrusionOk="0">
+                <a:path w="21600" h="21600" extrusionOk="0">
                   <a:moveTo>
                     <a:pt x="21600" y="21600"/>
                   </a:moveTo>
@@ -2501,6 +2550,7 @@
                   </a:solidFill>
                 </a:defRPr>
               </a:pPr>
+              <a:endParaRPr/>
             </a:p>
           </p:txBody>
         </p:sp>
@@ -2536,7 +2586,7 @@
             </a:cxnLst>
             <a:rect l="0" t="0" r="r" b="b"/>
             <a:pathLst>
-              <a:path w="21600" h="21600" fill="norm" stroke="1" extrusionOk="0">
+              <a:path w="21600" h="21600" extrusionOk="0">
                 <a:moveTo>
                   <a:pt x="0" y="0"/>
                 </a:moveTo>
@@ -2573,6 +2623,7 @@
                 </a:solidFill>
               </a:defRPr>
             </a:pPr>
+            <a:endParaRPr/>
           </a:p>
         </p:txBody>
       </p:sp>
@@ -2607,7 +2658,7 @@
             </a:cxnLst>
             <a:rect l="0" t="0" r="r" b="b"/>
             <a:pathLst>
-              <a:path w="21600" h="21600" fill="norm" stroke="1" extrusionOk="0">
+              <a:path w="21600" h="21600" extrusionOk="0">
                 <a:moveTo>
                   <a:pt x="0" y="0"/>
                 </a:moveTo>
@@ -2653,13 +2704,16 @@
                 </a:solidFill>
               </a:defRPr>
             </a:pPr>
+            <a:endParaRPr/>
           </a:p>
         </p:txBody>
       </p:sp>
       <p:sp>
         <p:nvSpPr>
           <p:cNvPr id="209" name="Slide Number"/>
-          <p:cNvSpPr txBox="1"/>
+          <p:cNvSpPr txBox="1">
+            <a:spLocks noGrp="1"/>
+          </p:cNvSpPr>
           <p:nvPr>
             <p:ph type="sldNum" sz="quarter" idx="2"/>
           </p:nvPr>
@@ -2685,8 +2739,10 @@
             </a:lvl1pPr>
           </a:lstStyle>
           <a:p>
-            <a:pPr/>
-            <a:fld id="{86CB4B4D-7CA3-9044-876B-883B54F8677D}" type="slidenum"/>
+            <a:fld id="{86CB4B4D-7CA3-9044-876B-883B54F8677D}" type="slidenum">
+              <a:t>‹#›</a:t>
+            </a:fld>
+            <a:endParaRPr/>
           </a:p>
         </p:txBody>
       </p:sp>
@@ -2695,12 +2751,12 @@
   <p:clrMapOvr>
     <a:masterClrMapping/>
   </p:clrMapOvr>
-  <p:transition xmlns:p14="http://schemas.microsoft.com/office/powerpoint/2010/main" spd="med" advClick="1"/>
+  <p:transition spd="med"/>
 </p:sldLayout>
 </file>
 
 <file path=ppt/slideLayouts/slideLayout2.xml><?xml version="1.0" encoding="utf-8"?>
-<p:sldLayout xmlns:a="http://schemas.openxmlformats.org/drawingml/2006/main" xmlns:r="http://schemas.openxmlformats.org/officeDocument/2006/relationships" xmlns:p="http://schemas.openxmlformats.org/presentationml/2006/main" xmlns:m="http://schemas.openxmlformats.org/officeDocument/2006/math" xmlns:a14="http://schemas.microsoft.com/office/drawing/2010/main" type="tx" showMasterSp="1" showMasterPhAnim="1">
+<p:sldLayout xmlns:a="http://schemas.openxmlformats.org/drawingml/2006/main" xmlns:r="http://schemas.openxmlformats.org/officeDocument/2006/relationships" xmlns:p="http://schemas.openxmlformats.org/presentationml/2006/main" type="tx">
   <p:cSld name="Title and Content">
     <p:spTree>
       <p:nvGrpSpPr>
@@ -2719,7 +2775,9 @@
       <p:sp>
         <p:nvSpPr>
           <p:cNvPr id="35" name="Title Text"/>
-          <p:cNvSpPr txBox="1"/>
+          <p:cNvSpPr txBox="1">
+            <a:spLocks noGrp="1"/>
+          </p:cNvSpPr>
           <p:nvPr>
             <p:ph type="title"/>
           </p:nvPr>
@@ -2733,7 +2791,6 @@
           <a:bodyPr/>
           <a:lstStyle/>
           <a:p>
-            <a:pPr/>
             <a:r>
               <a:t>Title Text</a:t>
             </a:r>
@@ -2743,7 +2800,9 @@
       <p:sp>
         <p:nvSpPr>
           <p:cNvPr id="36" name="Body Level One…"/>
-          <p:cNvSpPr txBox="1"/>
+          <p:cNvSpPr txBox="1">
+            <a:spLocks noGrp="1"/>
+          </p:cNvSpPr>
           <p:nvPr>
             <p:ph type="body" sz="half" idx="1"/>
           </p:nvPr>
@@ -2757,7 +2816,6 @@
           <a:bodyPr/>
           <a:lstStyle/>
           <a:p>
-            <a:pPr/>
             <a:r>
               <a:t>Body Level One</a:t>
             </a:r>
@@ -2791,7 +2849,9 @@
       <p:sp>
         <p:nvSpPr>
           <p:cNvPr id="37" name="Slide Number"/>
-          <p:cNvSpPr txBox="1"/>
+          <p:cNvSpPr txBox="1">
+            <a:spLocks noGrp="1"/>
+          </p:cNvSpPr>
           <p:nvPr>
             <p:ph type="sldNum" sz="quarter" idx="2"/>
           </p:nvPr>
@@ -2805,8 +2865,10 @@
           <a:bodyPr/>
           <a:lstStyle/>
           <a:p>
-            <a:pPr/>
-            <a:fld id="{86CB4B4D-7CA3-9044-876B-883B54F8677D}" type="slidenum"/>
+            <a:fld id="{86CB4B4D-7CA3-9044-876B-883B54F8677D}" type="slidenum">
+              <a:t>‹#›</a:t>
+            </a:fld>
+            <a:endParaRPr/>
           </a:p>
         </p:txBody>
       </p:sp>
@@ -2815,18 +2877,19 @@
   <p:clrMapOvr>
     <a:masterClrMapping/>
   </p:clrMapOvr>
-  <p:transition xmlns:p14="http://schemas.microsoft.com/office/powerpoint/2010/main" spd="med" advClick="1"/>
+  <p:transition spd="med"/>
 </p:sldLayout>
 </file>
 
 <file path=ppt/slideLayouts/slideLayout3.xml><?xml version="1.0" encoding="utf-8"?>
-<p:sldLayout xmlns:a="http://schemas.openxmlformats.org/drawingml/2006/main" xmlns:r="http://schemas.openxmlformats.org/officeDocument/2006/relationships" xmlns:p="http://schemas.openxmlformats.org/presentationml/2006/main" xmlns:m="http://schemas.openxmlformats.org/officeDocument/2006/math" xmlns:a14="http://schemas.microsoft.com/office/drawing/2010/main" type="tx" showMasterSp="0" showMasterPhAnim="1">
+<p:sldLayout xmlns:a="http://schemas.openxmlformats.org/drawingml/2006/main" xmlns:r="http://schemas.openxmlformats.org/officeDocument/2006/relationships" xmlns:p="http://schemas.openxmlformats.org/presentationml/2006/main" showMasterSp="0" type="tx">
   <p:cSld name="Section Header">
     <p:bg>
       <p:bgPr>
         <a:solidFill>
           <a:schemeClr val="accent2"/>
         </a:solidFill>
+        <a:effectLst/>
       </p:bgPr>
     </p:bg>
     <p:spTree>
@@ -2875,6 +2938,7 @@
                 </a:solidFill>
               </a:defRPr>
             </a:pPr>
+            <a:endParaRPr/>
           </a:p>
         </p:txBody>
       </p:sp>
@@ -2909,7 +2973,7 @@
             </a:cxnLst>
             <a:rect l="0" t="0" r="r" b="b"/>
             <a:pathLst>
-              <a:path w="21600" h="21600" fill="norm" stroke="1" extrusionOk="0">
+              <a:path w="21600" h="21600" extrusionOk="0">
                 <a:moveTo>
                   <a:pt x="0" y="0"/>
                 </a:moveTo>
@@ -2946,6 +3010,7 @@
                 </a:solidFill>
               </a:defRPr>
             </a:pPr>
+            <a:endParaRPr/>
           </a:p>
         </p:txBody>
       </p:sp>
@@ -2980,7 +3045,7 @@
             </a:cxnLst>
             <a:rect l="0" t="0" r="r" b="b"/>
             <a:pathLst>
-              <a:path w="21600" h="21600" fill="norm" stroke="1" extrusionOk="0">
+              <a:path w="21600" h="21600" extrusionOk="0">
                 <a:moveTo>
                   <a:pt x="0" y="0"/>
                 </a:moveTo>
@@ -3017,6 +3082,7 @@
                 </a:solidFill>
               </a:defRPr>
             </a:pPr>
+            <a:endParaRPr/>
           </a:p>
         </p:txBody>
       </p:sp>
@@ -3027,7 +3093,7 @@
           <p:nvPr/>
         </p:nvSpPr>
         <p:spPr>
-          <a:xfrm flipH="1" flipV="1" rot="5400000">
+          <a:xfrm rot="5400000" flipH="1" flipV="1">
             <a:off x="10344099" y="438098"/>
             <a:ext cx="2286000" cy="1409802"/>
           </a:xfrm>
@@ -3051,7 +3117,7 @@
             </a:cxnLst>
             <a:rect l="0" t="0" r="r" b="b"/>
             <a:pathLst>
-              <a:path w="21600" h="21600" fill="norm" stroke="1" extrusionOk="0">
+              <a:path w="21600" h="21600" extrusionOk="0">
                 <a:moveTo>
                   <a:pt x="21600" y="21600"/>
                 </a:moveTo>
@@ -3099,13 +3165,16 @@
                 </a:solidFill>
               </a:defRPr>
             </a:pPr>
+            <a:endParaRPr/>
           </a:p>
         </p:txBody>
       </p:sp>
       <p:sp>
         <p:nvSpPr>
           <p:cNvPr id="48" name="Title Text"/>
-          <p:cNvSpPr txBox="1"/>
+          <p:cNvSpPr txBox="1">
+            <a:spLocks noGrp="1"/>
+          </p:cNvSpPr>
           <p:nvPr>
             <p:ph type="title"/>
           </p:nvPr>
@@ -3119,7 +3188,6 @@
           <a:bodyPr/>
           <a:lstStyle/>
           <a:p>
-            <a:pPr/>
             <a:r>
               <a:t>Title Text</a:t>
             </a:r>
@@ -3129,7 +3197,9 @@
       <p:sp>
         <p:nvSpPr>
           <p:cNvPr id="49" name="Body Level One…"/>
-          <p:cNvSpPr txBox="1"/>
+          <p:cNvSpPr txBox="1">
+            <a:spLocks noGrp="1"/>
+          </p:cNvSpPr>
           <p:nvPr>
             <p:ph type="body" idx="1"/>
           </p:nvPr>
@@ -3198,7 +3268,6 @@
             </a:lvl5pPr>
           </a:lstStyle>
           <a:p>
-            <a:pPr/>
             <a:r>
               <a:t>Body Level One</a:t>
             </a:r>
@@ -3232,7 +3301,9 @@
       <p:sp>
         <p:nvSpPr>
           <p:cNvPr id="50" name="Slide Number"/>
-          <p:cNvSpPr txBox="1"/>
+          <p:cNvSpPr txBox="1">
+            <a:spLocks noGrp="1"/>
+          </p:cNvSpPr>
           <p:nvPr>
             <p:ph type="sldNum" sz="quarter" idx="2"/>
           </p:nvPr>
@@ -3258,8 +3329,10 @@
             </a:lvl1pPr>
           </a:lstStyle>
           <a:p>
-            <a:pPr/>
-            <a:fld id="{86CB4B4D-7CA3-9044-876B-883B54F8677D}" type="slidenum"/>
+            <a:fld id="{86CB4B4D-7CA3-9044-876B-883B54F8677D}" type="slidenum">
+              <a:t>‹#›</a:t>
+            </a:fld>
+            <a:endParaRPr/>
           </a:p>
         </p:txBody>
       </p:sp>
@@ -3268,12 +3341,12 @@
   <p:clrMapOvr>
     <a:masterClrMapping/>
   </p:clrMapOvr>
-  <p:transition xmlns:p14="http://schemas.microsoft.com/office/powerpoint/2010/main" spd="med" advClick="1"/>
+  <p:transition spd="med"/>
 </p:sldLayout>
 </file>
 
 <file path=ppt/slideLayouts/slideLayout4.xml><?xml version="1.0" encoding="utf-8"?>
-<p:sldLayout xmlns:a="http://schemas.openxmlformats.org/drawingml/2006/main" xmlns:r="http://schemas.openxmlformats.org/officeDocument/2006/relationships" xmlns:p="http://schemas.openxmlformats.org/presentationml/2006/main" xmlns:m="http://schemas.openxmlformats.org/officeDocument/2006/math" xmlns:a14="http://schemas.microsoft.com/office/drawing/2010/main" type="tx" showMasterSp="0" showMasterPhAnim="1">
+<p:sldLayout xmlns:a="http://schemas.openxmlformats.org/drawingml/2006/main" xmlns:r="http://schemas.openxmlformats.org/officeDocument/2006/relationships" xmlns:p="http://schemas.openxmlformats.org/presentationml/2006/main" showMasterSp="0" type="tx">
   <p:cSld name="Section title">
     <p:spTree>
       <p:nvGrpSpPr>
@@ -3320,7 +3393,7 @@
             </a:cxnLst>
             <a:rect l="0" t="0" r="r" b="b"/>
             <a:pathLst>
-              <a:path w="21600" h="21600" fill="norm" stroke="1" extrusionOk="0">
+              <a:path w="21600" h="21600" extrusionOk="0">
                 <a:moveTo>
                   <a:pt x="0" y="0"/>
                 </a:moveTo>
@@ -3362,13 +3435,16 @@
                 </a:solidFill>
               </a:defRPr>
             </a:pPr>
+            <a:endParaRPr/>
           </a:p>
         </p:txBody>
       </p:sp>
       <p:sp>
         <p:nvSpPr>
           <p:cNvPr id="58" name="Title Text"/>
-          <p:cNvSpPr txBox="1"/>
+          <p:cNvSpPr txBox="1">
+            <a:spLocks noGrp="1"/>
+          </p:cNvSpPr>
           <p:nvPr>
             <p:ph type="title"/>
           </p:nvPr>
@@ -3394,7 +3470,6 @@
             </a:lvl1pPr>
           </a:lstStyle>
           <a:p>
-            <a:pPr/>
             <a:r>
               <a:t>Title Text</a:t>
             </a:r>
@@ -3404,7 +3479,9 @@
       <p:sp>
         <p:nvSpPr>
           <p:cNvPr id="59" name="Body Level One…"/>
-          <p:cNvSpPr txBox="1"/>
+          <p:cNvSpPr txBox="1">
+            <a:spLocks noGrp="1"/>
+          </p:cNvSpPr>
           <p:nvPr>
             <p:ph type="body" sz="quarter" idx="1"/>
           </p:nvPr>
@@ -3458,7 +3535,6 @@
             </a:lvl5pPr>
           </a:lstStyle>
           <a:p>
-            <a:pPr/>
             <a:r>
               <a:t>Body Level One</a:t>
             </a:r>
@@ -3534,7 +3610,7 @@
               </a:cxnLst>
               <a:rect l="0" t="0" r="r" b="b"/>
               <a:pathLst>
-                <a:path w="21600" h="21600" fill="norm" stroke="1" extrusionOk="0">
+                <a:path w="21600" h="21600" extrusionOk="0">
                   <a:moveTo>
                     <a:pt x="21600" y="21600"/>
                   </a:moveTo>
@@ -3586,6 +3662,7 @@
                   </a:solidFill>
                 </a:defRPr>
               </a:pPr>
+              <a:endParaRPr/>
             </a:p>
           </p:txBody>
         </p:sp>
@@ -3620,7 +3697,7 @@
               </a:cxnLst>
               <a:rect l="0" t="0" r="r" b="b"/>
               <a:pathLst>
-                <a:path w="21600" h="21600" fill="norm" stroke="1" extrusionOk="0">
+                <a:path w="21600" h="21600" extrusionOk="0">
                   <a:moveTo>
                     <a:pt x="21600" y="21600"/>
                   </a:moveTo>
@@ -3672,6 +3749,7 @@
                   </a:solidFill>
                 </a:defRPr>
               </a:pPr>
+              <a:endParaRPr/>
             </a:p>
           </p:txBody>
         </p:sp>
@@ -3707,7 +3785,7 @@
             </a:cxnLst>
             <a:rect l="0" t="0" r="r" b="b"/>
             <a:pathLst>
-              <a:path w="21600" h="21600" fill="norm" stroke="1" extrusionOk="0">
+              <a:path w="21600" h="21600" extrusionOk="0">
                 <a:moveTo>
                   <a:pt x="0" y="0"/>
                 </a:moveTo>
@@ -3744,6 +3822,7 @@
                 </a:solidFill>
               </a:defRPr>
             </a:pPr>
+            <a:endParaRPr/>
           </a:p>
         </p:txBody>
       </p:sp>
@@ -3778,7 +3857,7 @@
             </a:cxnLst>
             <a:rect l="0" t="0" r="r" b="b"/>
             <a:pathLst>
-              <a:path w="21600" h="21600" fill="norm" stroke="1" extrusionOk="0">
+              <a:path w="21600" h="21600" extrusionOk="0">
                 <a:moveTo>
                   <a:pt x="0" y="0"/>
                 </a:moveTo>
@@ -3815,13 +3894,16 @@
                 </a:solidFill>
               </a:defRPr>
             </a:pPr>
+            <a:endParaRPr/>
           </a:p>
         </p:txBody>
       </p:sp>
       <p:sp>
         <p:nvSpPr>
           <p:cNvPr id="65" name="Slide Number"/>
-          <p:cNvSpPr txBox="1"/>
+          <p:cNvSpPr txBox="1">
+            <a:spLocks noGrp="1"/>
+          </p:cNvSpPr>
           <p:nvPr>
             <p:ph type="sldNum" sz="quarter" idx="2"/>
           </p:nvPr>
@@ -3847,8 +3929,10 @@
             </a:lvl1pPr>
           </a:lstStyle>
           <a:p>
-            <a:pPr/>
-            <a:fld id="{86CB4B4D-7CA3-9044-876B-883B54F8677D}" type="slidenum"/>
+            <a:fld id="{86CB4B4D-7CA3-9044-876B-883B54F8677D}" type="slidenum">
+              <a:t>‹#›</a:t>
+            </a:fld>
+            <a:endParaRPr/>
           </a:p>
         </p:txBody>
       </p:sp>
@@ -3857,12 +3941,12 @@
   <p:clrMapOvr>
     <a:masterClrMapping/>
   </p:clrMapOvr>
-  <p:transition xmlns:p14="http://schemas.microsoft.com/office/powerpoint/2010/main" spd="med" advClick="1"/>
+  <p:transition spd="med"/>
 </p:sldLayout>
 </file>
 
 <file path=ppt/slideLayouts/slideLayout5.xml><?xml version="1.0" encoding="utf-8"?>
-<p:sldLayout xmlns:a="http://schemas.openxmlformats.org/drawingml/2006/main" xmlns:r="http://schemas.openxmlformats.org/officeDocument/2006/relationships" xmlns:p="http://schemas.openxmlformats.org/presentationml/2006/main" xmlns:m="http://schemas.openxmlformats.org/officeDocument/2006/math" xmlns:a14="http://schemas.microsoft.com/office/drawing/2010/main" type="tx" showMasterSp="0" showMasterPhAnim="1">
+<p:sldLayout xmlns:a="http://schemas.openxmlformats.org/drawingml/2006/main" xmlns:r="http://schemas.openxmlformats.org/officeDocument/2006/relationships" xmlns:p="http://schemas.openxmlformats.org/presentationml/2006/main" showMasterSp="0" type="tx">
   <p:cSld name="Graph">
     <p:spTree>
       <p:nvGrpSpPr>
@@ -3881,7 +3965,9 @@
       <p:sp>
         <p:nvSpPr>
           <p:cNvPr id="72" name="Title Text"/>
-          <p:cNvSpPr txBox="1"/>
+          <p:cNvSpPr txBox="1">
+            <a:spLocks noGrp="1"/>
+          </p:cNvSpPr>
           <p:nvPr>
             <p:ph type="title"/>
           </p:nvPr>
@@ -3895,7 +3981,6 @@
           <a:bodyPr/>
           <a:lstStyle/>
           <a:p>
-            <a:pPr/>
             <a:r>
               <a:t>Title Text</a:t>
             </a:r>
@@ -3905,7 +3990,9 @@
       <p:sp>
         <p:nvSpPr>
           <p:cNvPr id="73" name="Body Level One…"/>
-          <p:cNvSpPr txBox="1"/>
+          <p:cNvSpPr txBox="1">
+            <a:spLocks noGrp="1"/>
+          </p:cNvSpPr>
           <p:nvPr>
             <p:ph type="body" sz="half" idx="1"/>
           </p:nvPr>
@@ -3923,7 +4010,6 @@
           <a:bodyPr/>
           <a:lstStyle/>
           <a:p>
-            <a:pPr/>
             <a:r>
               <a:t>Body Level One</a:t>
             </a:r>
@@ -3985,7 +4071,7 @@
             </a:cxnLst>
             <a:rect l="0" t="0" r="r" b="b"/>
             <a:pathLst>
-              <a:path w="21600" h="21600" fill="norm" stroke="1" extrusionOk="0">
+              <a:path w="21600" h="21600" extrusionOk="0">
                 <a:moveTo>
                   <a:pt x="0" y="0"/>
                 </a:moveTo>
@@ -4022,6 +4108,7 @@
                 </a:solidFill>
               </a:defRPr>
             </a:pPr>
+            <a:endParaRPr/>
           </a:p>
         </p:txBody>
       </p:sp>
@@ -4032,7 +4119,7 @@
           <p:nvPr/>
         </p:nvSpPr>
         <p:spPr>
-          <a:xfrm flipH="1" rot="5400000">
+          <a:xfrm rot="5400000" flipH="1">
             <a:off x="1" y="3246895"/>
             <a:ext cx="3611105" cy="3611105"/>
           </a:xfrm>
@@ -4056,7 +4143,7 @@
             </a:cxnLst>
             <a:rect l="0" t="0" r="r" b="b"/>
             <a:pathLst>
-              <a:path w="21600" h="21600" fill="norm" stroke="1" extrusionOk="0">
+              <a:path w="21600" h="21600" extrusionOk="0">
                 <a:moveTo>
                   <a:pt x="0" y="0"/>
                 </a:moveTo>
@@ -4093,13 +4180,16 @@
                 </a:solidFill>
               </a:defRPr>
             </a:pPr>
+            <a:endParaRPr/>
           </a:p>
         </p:txBody>
       </p:sp>
       <p:sp>
         <p:nvSpPr>
           <p:cNvPr id="76" name="Slide Number"/>
-          <p:cNvSpPr txBox="1"/>
+          <p:cNvSpPr txBox="1">
+            <a:spLocks noGrp="1"/>
+          </p:cNvSpPr>
           <p:nvPr>
             <p:ph type="sldNum" sz="quarter" idx="2"/>
           </p:nvPr>
@@ -4121,8 +4211,10 @@
             </a:lvl1pPr>
           </a:lstStyle>
           <a:p>
-            <a:pPr/>
-            <a:fld id="{86CB4B4D-7CA3-9044-876B-883B54F8677D}" type="slidenum"/>
+            <a:fld id="{86CB4B4D-7CA3-9044-876B-883B54F8677D}" type="slidenum">
+              <a:t>‹#›</a:t>
+            </a:fld>
+            <a:endParaRPr/>
           </a:p>
         </p:txBody>
       </p:sp>
@@ -4131,18 +4223,19 @@
   <p:clrMapOvr>
     <a:masterClrMapping/>
   </p:clrMapOvr>
-  <p:transition xmlns:p14="http://schemas.microsoft.com/office/powerpoint/2010/main" spd="med" advClick="1"/>
+  <p:transition spd="med"/>
 </p:sldLayout>
 </file>
 
 <file path=ppt/slideLayouts/slideLayout6.xml><?xml version="1.0" encoding="utf-8"?>
-<p:sldLayout xmlns:a="http://schemas.openxmlformats.org/drawingml/2006/main" xmlns:r="http://schemas.openxmlformats.org/officeDocument/2006/relationships" xmlns:p="http://schemas.openxmlformats.org/presentationml/2006/main" xmlns:m="http://schemas.openxmlformats.org/officeDocument/2006/math" xmlns:a14="http://schemas.microsoft.com/office/drawing/2010/main" type="tx" showMasterSp="0" showMasterPhAnim="1">
+<p:sldLayout xmlns:a="http://schemas.openxmlformats.org/drawingml/2006/main" xmlns:r="http://schemas.openxmlformats.org/officeDocument/2006/relationships" xmlns:p="http://schemas.openxmlformats.org/presentationml/2006/main" showMasterSp="0" type="tx">
   <p:cSld name="Chart 2">
     <p:bg>
       <p:bgPr>
         <a:solidFill>
           <a:schemeClr val="accent2"/>
         </a:solidFill>
+        <a:effectLst/>
       </p:bgPr>
     </p:bg>
     <p:spTree>
@@ -4204,7 +4297,7 @@
               </a:cxnLst>
               <a:rect l="0" t="0" r="r" b="b"/>
               <a:pathLst>
-                <a:path w="21600" h="21600" fill="norm" stroke="1" extrusionOk="0">
+                <a:path w="21600" h="21600" extrusionOk="0">
                   <a:moveTo>
                     <a:pt x="21600" y="21600"/>
                   </a:moveTo>
@@ -4256,6 +4349,7 @@
                   </a:solidFill>
                 </a:defRPr>
               </a:pPr>
+              <a:endParaRPr/>
             </a:p>
           </p:txBody>
         </p:sp>
@@ -4290,7 +4384,7 @@
               </a:cxnLst>
               <a:rect l="0" t="0" r="r" b="b"/>
               <a:pathLst>
-                <a:path w="21600" h="21600" fill="norm" stroke="1" extrusionOk="0">
+                <a:path w="21600" h="21600" extrusionOk="0">
                   <a:moveTo>
                     <a:pt x="21600" y="21600"/>
                   </a:moveTo>
@@ -4342,6 +4436,7 @@
                   </a:solidFill>
                 </a:defRPr>
               </a:pPr>
+              <a:endParaRPr/>
             </a:p>
           </p:txBody>
         </p:sp>
@@ -4349,7 +4444,9 @@
       <p:sp>
         <p:nvSpPr>
           <p:cNvPr id="86" name="Title Text"/>
-          <p:cNvSpPr txBox="1"/>
+          <p:cNvSpPr txBox="1">
+            <a:spLocks noGrp="1"/>
+          </p:cNvSpPr>
           <p:nvPr>
             <p:ph type="title"/>
           </p:nvPr>
@@ -4363,7 +4460,6 @@
           <a:bodyPr/>
           <a:lstStyle/>
           <a:p>
-            <a:pPr/>
             <a:r>
               <a:t>Title Text</a:t>
             </a:r>
@@ -4373,7 +4469,9 @@
       <p:sp>
         <p:nvSpPr>
           <p:cNvPr id="87" name="Body Level One…"/>
-          <p:cNvSpPr txBox="1"/>
+          <p:cNvSpPr txBox="1">
+            <a:spLocks noGrp="1"/>
+          </p:cNvSpPr>
           <p:nvPr>
             <p:ph type="body" sz="half" idx="1"/>
           </p:nvPr>
@@ -4391,7 +4489,6 @@
           <a:bodyPr/>
           <a:lstStyle/>
           <a:p>
-            <a:pPr/>
             <a:r>
               <a:t>Body Level One</a:t>
             </a:r>
@@ -4425,7 +4522,9 @@
       <p:sp>
         <p:nvSpPr>
           <p:cNvPr id="88" name="Slide Number"/>
-          <p:cNvSpPr txBox="1"/>
+          <p:cNvSpPr txBox="1">
+            <a:spLocks noGrp="1"/>
+          </p:cNvSpPr>
           <p:nvPr>
             <p:ph type="sldNum" sz="quarter" idx="2"/>
           </p:nvPr>
@@ -4447,8 +4546,10 @@
             </a:lvl1pPr>
           </a:lstStyle>
           <a:p>
-            <a:pPr/>
-            <a:fld id="{86CB4B4D-7CA3-9044-876B-883B54F8677D}" type="slidenum"/>
+            <a:fld id="{86CB4B4D-7CA3-9044-876B-883B54F8677D}" type="slidenum">
+              <a:t>‹#›</a:t>
+            </a:fld>
+            <a:endParaRPr/>
           </a:p>
         </p:txBody>
       </p:sp>
@@ -4457,18 +4558,19 @@
   <p:clrMapOvr>
     <a:masterClrMapping/>
   </p:clrMapOvr>
-  <p:transition xmlns:p14="http://schemas.microsoft.com/office/powerpoint/2010/main" spd="med" advClick="1"/>
+  <p:transition spd="med"/>
 </p:sldLayout>
 </file>
 
 <file path=ppt/slideLayouts/slideLayout7.xml><?xml version="1.0" encoding="utf-8"?>
-<p:sldLayout xmlns:a="http://schemas.openxmlformats.org/drawingml/2006/main" xmlns:r="http://schemas.openxmlformats.org/officeDocument/2006/relationships" xmlns:p="http://schemas.openxmlformats.org/presentationml/2006/main" xmlns:m="http://schemas.openxmlformats.org/officeDocument/2006/math" xmlns:a14="http://schemas.microsoft.com/office/drawing/2010/main" type="tx" showMasterSp="0" showMasterPhAnim="1">
+<p:sldLayout xmlns:a="http://schemas.openxmlformats.org/drawingml/2006/main" xmlns:r="http://schemas.openxmlformats.org/officeDocument/2006/relationships" xmlns:p="http://schemas.openxmlformats.org/presentationml/2006/main" showMasterSp="0" type="tx">
   <p:cSld name="Quote">
     <p:bg>
       <p:bgPr>
         <a:solidFill>
           <a:schemeClr val="accent1"/>
         </a:solidFill>
+        <a:effectLst/>
       </p:bgPr>
     </p:bg>
     <p:spTree>
@@ -4488,7 +4590,9 @@
       <p:sp>
         <p:nvSpPr>
           <p:cNvPr id="95" name="Title Text"/>
-          <p:cNvSpPr txBox="1"/>
+          <p:cNvSpPr txBox="1">
+            <a:spLocks noGrp="1"/>
+          </p:cNvSpPr>
           <p:nvPr>
             <p:ph type="title"/>
           </p:nvPr>
@@ -4509,7 +4613,7 @@
               <a:lnSpc>
                 <a:spcPct val="100000"/>
               </a:lnSpc>
-              <a:defRPr b="0" sz="4600">
+              <a:defRPr sz="4600" b="0">
                 <a:solidFill>
                   <a:srgbClr val="FFFFFF"/>
                 </a:solidFill>
@@ -4517,7 +4621,6 @@
             </a:lvl1pPr>
           </a:lstStyle>
           <a:p>
-            <a:pPr/>
             <a:r>
               <a:t>Title Text</a:t>
             </a:r>
@@ -4527,7 +4630,9 @@
       <p:sp>
         <p:nvSpPr>
           <p:cNvPr id="96" name="Body Level One…"/>
-          <p:cNvSpPr txBox="1"/>
+          <p:cNvSpPr txBox="1">
+            <a:spLocks noGrp="1"/>
+          </p:cNvSpPr>
           <p:nvPr>
             <p:ph type="body" sz="quarter" idx="1" hasCustomPrompt="1"/>
           </p:nvPr>
@@ -4545,35 +4650,35 @@
           <a:bodyPr/>
           <a:lstStyle>
             <a:lvl1pPr algn="ctr">
-              <a:defRPr b="1" sz="23900">
+              <a:defRPr sz="23900" b="1">
                 <a:solidFill>
                   <a:srgbClr val="004EBF"/>
                 </a:solidFill>
               </a:defRPr>
             </a:lvl1pPr>
             <a:lvl2pPr algn="ctr">
-              <a:defRPr b="1" sz="23900">
+              <a:defRPr sz="23900" b="1">
                 <a:solidFill>
                   <a:srgbClr val="004EBF"/>
                 </a:solidFill>
               </a:defRPr>
             </a:lvl2pPr>
             <a:lvl3pPr algn="ctr">
-              <a:defRPr b="1" sz="23900">
+              <a:defRPr sz="23900" b="1">
                 <a:solidFill>
                   <a:srgbClr val="004EBF"/>
                 </a:solidFill>
               </a:defRPr>
             </a:lvl3pPr>
             <a:lvl4pPr algn="ctr">
-              <a:defRPr b="1" sz="23900">
+              <a:defRPr sz="23900" b="1">
                 <a:solidFill>
                   <a:srgbClr val="004EBF"/>
                 </a:solidFill>
               </a:defRPr>
             </a:lvl4pPr>
             <a:lvl5pPr algn="ctr">
-              <a:defRPr b="1" sz="23900">
+              <a:defRPr sz="23900" b="1">
                 <a:solidFill>
                   <a:srgbClr val="004EBF"/>
                 </a:solidFill>
@@ -4581,41 +4686,34 @@
             </a:lvl5pPr>
           </a:lstStyle>
           <a:p>
-            <a:pPr/>
             <a:r>
               <a:t>“</a:t>
             </a:r>
           </a:p>
           <a:p>
             <a:pPr lvl="1"/>
-            <a:r>
-              <a:t/>
-            </a:r>
+            <a:endParaRPr/>
           </a:p>
           <a:p>
             <a:pPr lvl="2"/>
-            <a:r>
-              <a:t/>
-            </a:r>
+            <a:endParaRPr/>
           </a:p>
           <a:p>
             <a:pPr lvl="3"/>
-            <a:r>
-              <a:t/>
-            </a:r>
+            <a:endParaRPr/>
           </a:p>
           <a:p>
             <a:pPr lvl="4"/>
-            <a:r>
-              <a:t/>
-            </a:r>
+            <a:endParaRPr/>
           </a:p>
         </p:txBody>
       </p:sp>
       <p:sp>
         <p:nvSpPr>
           <p:cNvPr id="97" name="Text Placeholder 9"/>
-          <p:cNvSpPr/>
+          <p:cNvSpPr>
+            <a:spLocks noGrp="1"/>
+          </p:cNvSpPr>
           <p:nvPr>
             <p:ph type="body" sz="quarter" idx="21"/>
           </p:nvPr>
@@ -4640,13 +4738,16 @@
                 </a:solidFill>
               </a:defRPr>
             </a:pPr>
+            <a:endParaRPr/>
           </a:p>
         </p:txBody>
       </p:sp>
       <p:sp>
         <p:nvSpPr>
           <p:cNvPr id="98" name="Text Placeholder 7"/>
-          <p:cNvSpPr/>
+          <p:cNvSpPr>
+            <a:spLocks noGrp="1"/>
+          </p:cNvSpPr>
           <p:nvPr>
             <p:ph type="body" sz="quarter" idx="22" hasCustomPrompt="1"/>
           </p:nvPr>
@@ -4667,7 +4768,7 @@
               <a:spcBef>
                 <a:spcPts val="400"/>
               </a:spcBef>
-              <a:defRPr b="1" sz="9560">
+              <a:defRPr sz="9560" b="1">
                 <a:solidFill>
                   <a:srgbClr val="004EBF"/>
                 </a:solidFill>
@@ -4675,7 +4776,6 @@
             </a:lvl1pPr>
           </a:lstStyle>
           <a:p>
-            <a:pPr/>
             <a:r>
               <a:t>”</a:t>
             </a:r>
@@ -4685,7 +4785,9 @@
       <p:sp>
         <p:nvSpPr>
           <p:cNvPr id="99" name="Slide Number"/>
-          <p:cNvSpPr txBox="1"/>
+          <p:cNvSpPr txBox="1">
+            <a:spLocks noGrp="1"/>
+          </p:cNvSpPr>
           <p:nvPr>
             <p:ph type="sldNum" sz="quarter" idx="2"/>
           </p:nvPr>
@@ -4703,8 +4805,10 @@
           <a:bodyPr/>
           <a:lstStyle/>
           <a:p>
-            <a:pPr/>
-            <a:fld id="{86CB4B4D-7CA3-9044-876B-883B54F8677D}" type="slidenum"/>
+            <a:fld id="{86CB4B4D-7CA3-9044-876B-883B54F8677D}" type="slidenum">
+              <a:t>‹#›</a:t>
+            </a:fld>
+            <a:endParaRPr/>
           </a:p>
         </p:txBody>
       </p:sp>
@@ -4713,12 +4817,12 @@
   <p:clrMapOvr>
     <a:masterClrMapping/>
   </p:clrMapOvr>
-  <p:transition xmlns:p14="http://schemas.microsoft.com/office/powerpoint/2010/main" spd="med" advClick="1"/>
+  <p:transition spd="med"/>
 </p:sldLayout>
 </file>
 
 <file path=ppt/slideLayouts/slideLayout8.xml><?xml version="1.0" encoding="utf-8"?>
-<p:sldLayout xmlns:a="http://schemas.openxmlformats.org/drawingml/2006/main" xmlns:r="http://schemas.openxmlformats.org/officeDocument/2006/relationships" xmlns:p="http://schemas.openxmlformats.org/presentationml/2006/main" xmlns:m="http://schemas.openxmlformats.org/officeDocument/2006/math" xmlns:a14="http://schemas.microsoft.com/office/drawing/2010/main" type="tx" showMasterSp="0" showMasterPhAnim="1">
+<p:sldLayout xmlns:a="http://schemas.openxmlformats.org/drawingml/2006/main" xmlns:r="http://schemas.openxmlformats.org/officeDocument/2006/relationships" xmlns:p="http://schemas.openxmlformats.org/presentationml/2006/main" showMasterSp="0" type="tx">
   <p:cSld name="Team">
     <p:spTree>
       <p:nvGrpSpPr>
@@ -4766,13 +4870,16 @@
                 </a:solidFill>
               </a:defRPr>
             </a:pPr>
+            <a:endParaRPr/>
           </a:p>
         </p:txBody>
       </p:sp>
       <p:sp>
         <p:nvSpPr>
           <p:cNvPr id="107" name="Title Text"/>
-          <p:cNvSpPr txBox="1"/>
+          <p:cNvSpPr txBox="1">
+            <a:spLocks noGrp="1"/>
+          </p:cNvSpPr>
           <p:nvPr>
             <p:ph type="title"/>
           </p:nvPr>
@@ -4790,7 +4897,6 @@
           <a:bodyPr lIns="0" tIns="0" rIns="0" bIns="0"/>
           <a:lstStyle/>
           <a:p>
-            <a:pPr/>
             <a:r>
               <a:t>Title Text</a:t>
             </a:r>
@@ -4800,7 +4906,9 @@
       <p:sp>
         <p:nvSpPr>
           <p:cNvPr id="108" name="Picture Placeholder 23"/>
-          <p:cNvSpPr/>
+          <p:cNvSpPr>
+            <a:spLocks noGrp="1"/>
+          </p:cNvSpPr>
           <p:nvPr>
             <p:ph type="pic" sz="quarter" idx="21"/>
           </p:nvPr>
@@ -4820,14 +4928,16 @@
           </a:bodyPr>
           <a:lstStyle/>
           <a:p>
-            <a:pPr/>
+            <a:endParaRPr/>
           </a:p>
         </p:txBody>
       </p:sp>
       <p:sp>
         <p:nvSpPr>
           <p:cNvPr id="109" name="Body Level One…"/>
-          <p:cNvSpPr txBox="1"/>
+          <p:cNvSpPr txBox="1">
+            <a:spLocks noGrp="1"/>
+          </p:cNvSpPr>
           <p:nvPr>
             <p:ph type="body" sz="quarter" idx="1" hasCustomPrompt="1"/>
           </p:nvPr>
@@ -4851,7 +4961,7 @@
               <a:spcBef>
                 <a:spcPts val="0"/>
               </a:spcBef>
-              <a:defRPr b="1" spc="20" sz="1800"/>
+              <a:defRPr sz="1800" b="1" spc="20"/>
             </a:lvl1pPr>
             <a:lvl2pPr marL="628650" indent="-171450">
               <a:lnSpc>
@@ -4862,7 +4972,7 @@
               </a:spcBef>
               <a:buSzPct val="100000"/>
               <a:buChar char="•"/>
-              <a:defRPr b="1" spc="20" sz="1800"/>
+              <a:defRPr sz="1800" b="1" spc="20"/>
             </a:lvl2pPr>
             <a:lvl3pPr marL="1120139" indent="-205739">
               <a:lnSpc>
@@ -4873,7 +4983,7 @@
               </a:spcBef>
               <a:buSzPct val="100000"/>
               <a:buChar char="•"/>
-              <a:defRPr b="1" spc="20" sz="1800"/>
+              <a:defRPr sz="1800" b="1" spc="20"/>
             </a:lvl3pPr>
             <a:lvl4pPr marL="1600200" indent="-228600">
               <a:lnSpc>
@@ -4884,7 +4994,7 @@
               </a:spcBef>
               <a:buSzPct val="100000"/>
               <a:buChar char="•"/>
-              <a:defRPr b="1" spc="20" sz="1800"/>
+              <a:defRPr sz="1800" b="1" spc="20"/>
             </a:lvl4pPr>
             <a:lvl5pPr marL="2057400" indent="-228600">
               <a:lnSpc>
@@ -4895,45 +5005,38 @@
               </a:spcBef>
               <a:buSzPct val="100000"/>
               <a:buChar char="•"/>
-              <a:defRPr b="1" spc="20" sz="1800"/>
+              <a:defRPr sz="1800" b="1" spc="20"/>
             </a:lvl5pPr>
           </a:lstStyle>
           <a:p>
-            <a:pPr/>
             <a:r>
               <a:t>Name</a:t>
             </a:r>
           </a:p>
           <a:p>
             <a:pPr lvl="1"/>
-            <a:r>
-              <a:t/>
-            </a:r>
+            <a:endParaRPr/>
           </a:p>
           <a:p>
             <a:pPr lvl="2"/>
-            <a:r>
-              <a:t/>
-            </a:r>
+            <a:endParaRPr/>
           </a:p>
           <a:p>
             <a:pPr lvl="3"/>
-            <a:r>
-              <a:t/>
-            </a:r>
+            <a:endParaRPr/>
           </a:p>
           <a:p>
             <a:pPr lvl="4"/>
-            <a:r>
-              <a:t/>
-            </a:r>
+            <a:endParaRPr/>
           </a:p>
         </p:txBody>
       </p:sp>
       <p:sp>
         <p:nvSpPr>
           <p:cNvPr id="110" name="Text Placeholder 28"/>
-          <p:cNvSpPr/>
+          <p:cNvSpPr>
+            <a:spLocks noGrp="1"/>
+          </p:cNvSpPr>
           <p:nvPr>
             <p:ph type="body" sz="quarter" idx="22" hasCustomPrompt="1"/>
           </p:nvPr>
@@ -4961,7 +5064,6 @@
             </a:lvl1pPr>
           </a:lstStyle>
           <a:p>
-            <a:pPr/>
             <a:r>
               <a:t>Title</a:t>
             </a:r>
@@ -4971,7 +5073,9 @@
       <p:sp>
         <p:nvSpPr>
           <p:cNvPr id="111" name="Picture Placeholder 23"/>
-          <p:cNvSpPr/>
+          <p:cNvSpPr>
+            <a:spLocks noGrp="1"/>
+          </p:cNvSpPr>
           <p:nvPr>
             <p:ph type="pic" sz="quarter" idx="23"/>
           </p:nvPr>
@@ -4991,14 +5095,16 @@
           </a:bodyPr>
           <a:lstStyle/>
           <a:p>
-            <a:pPr/>
+            <a:endParaRPr/>
           </a:p>
         </p:txBody>
       </p:sp>
       <p:sp>
         <p:nvSpPr>
           <p:cNvPr id="112" name="Text Placeholder 28"/>
-          <p:cNvSpPr/>
+          <p:cNvSpPr>
+            <a:spLocks noGrp="1"/>
+          </p:cNvSpPr>
           <p:nvPr>
             <p:ph type="body" sz="quarter" idx="24" hasCustomPrompt="1"/>
           </p:nvPr>
@@ -5022,11 +5128,10 @@
               <a:spcBef>
                 <a:spcPts val="0"/>
               </a:spcBef>
-              <a:defRPr b="1" sz="1800"/>
+              <a:defRPr sz="1800" b="1"/>
             </a:lvl1pPr>
           </a:lstStyle>
           <a:p>
-            <a:pPr/>
             <a:r>
               <a:t>Name</a:t>
             </a:r>
@@ -5036,7 +5141,9 @@
       <p:sp>
         <p:nvSpPr>
           <p:cNvPr id="113" name="Text Placeholder 28"/>
-          <p:cNvSpPr/>
+          <p:cNvSpPr>
+            <a:spLocks noGrp="1"/>
+          </p:cNvSpPr>
           <p:nvPr>
             <p:ph type="body" sz="quarter" idx="25" hasCustomPrompt="1"/>
           </p:nvPr>
@@ -5064,7 +5171,6 @@
             </a:lvl1pPr>
           </a:lstStyle>
           <a:p>
-            <a:pPr/>
             <a:r>
               <a:t>Title</a:t>
             </a:r>
@@ -5074,7 +5180,9 @@
       <p:sp>
         <p:nvSpPr>
           <p:cNvPr id="114" name="Picture Placeholder 23"/>
-          <p:cNvSpPr/>
+          <p:cNvSpPr>
+            <a:spLocks noGrp="1"/>
+          </p:cNvSpPr>
           <p:nvPr>
             <p:ph type="pic" sz="quarter" idx="26"/>
           </p:nvPr>
@@ -5094,14 +5202,16 @@
           </a:bodyPr>
           <a:lstStyle/>
           <a:p>
-            <a:pPr/>
+            <a:endParaRPr/>
           </a:p>
         </p:txBody>
       </p:sp>
       <p:sp>
         <p:nvSpPr>
           <p:cNvPr id="115" name="Text Placeholder 28"/>
-          <p:cNvSpPr/>
+          <p:cNvSpPr>
+            <a:spLocks noGrp="1"/>
+          </p:cNvSpPr>
           <p:nvPr>
             <p:ph type="body" sz="quarter" idx="27" hasCustomPrompt="1"/>
           </p:nvPr>
@@ -5125,11 +5235,10 @@
               <a:spcBef>
                 <a:spcPts val="0"/>
               </a:spcBef>
-              <a:defRPr b="1" sz="1800"/>
+              <a:defRPr sz="1800" b="1"/>
             </a:lvl1pPr>
           </a:lstStyle>
           <a:p>
-            <a:pPr/>
             <a:r>
               <a:t>Name</a:t>
             </a:r>
@@ -5139,7 +5248,9 @@
       <p:sp>
         <p:nvSpPr>
           <p:cNvPr id="116" name="Text Placeholder 28"/>
-          <p:cNvSpPr/>
+          <p:cNvSpPr>
+            <a:spLocks noGrp="1"/>
+          </p:cNvSpPr>
           <p:nvPr>
             <p:ph type="body" sz="quarter" idx="28" hasCustomPrompt="1"/>
           </p:nvPr>
@@ -5167,7 +5278,6 @@
             </a:lvl1pPr>
           </a:lstStyle>
           <a:p>
-            <a:pPr/>
             <a:r>
               <a:t>Title</a:t>
             </a:r>
@@ -5177,7 +5287,9 @@
       <p:sp>
         <p:nvSpPr>
           <p:cNvPr id="117" name="Picture Placeholder 23"/>
-          <p:cNvSpPr/>
+          <p:cNvSpPr>
+            <a:spLocks noGrp="1"/>
+          </p:cNvSpPr>
           <p:nvPr>
             <p:ph type="pic" sz="quarter" idx="29"/>
           </p:nvPr>
@@ -5197,14 +5309,16 @@
           </a:bodyPr>
           <a:lstStyle/>
           <a:p>
-            <a:pPr/>
+            <a:endParaRPr/>
           </a:p>
         </p:txBody>
       </p:sp>
       <p:sp>
         <p:nvSpPr>
           <p:cNvPr id="118" name="Text Placeholder 28"/>
-          <p:cNvSpPr/>
+          <p:cNvSpPr>
+            <a:spLocks noGrp="1"/>
+          </p:cNvSpPr>
           <p:nvPr>
             <p:ph type="body" sz="quarter" idx="30" hasCustomPrompt="1"/>
           </p:nvPr>
@@ -5228,11 +5342,10 @@
               <a:spcBef>
                 <a:spcPts val="0"/>
               </a:spcBef>
-              <a:defRPr b="1" sz="1800"/>
+              <a:defRPr sz="1800" b="1"/>
             </a:lvl1pPr>
           </a:lstStyle>
           <a:p>
-            <a:pPr/>
             <a:r>
               <a:t>Name</a:t>
             </a:r>
@@ -5242,7 +5355,9 @@
       <p:sp>
         <p:nvSpPr>
           <p:cNvPr id="119" name="Text Placeholder 28"/>
-          <p:cNvSpPr/>
+          <p:cNvSpPr>
+            <a:spLocks noGrp="1"/>
+          </p:cNvSpPr>
           <p:nvPr>
             <p:ph type="body" sz="quarter" idx="31" hasCustomPrompt="1"/>
           </p:nvPr>
@@ -5270,7 +5385,6 @@
             </a:lvl1pPr>
           </a:lstStyle>
           <a:p>
-            <a:pPr/>
             <a:r>
               <a:t>Title</a:t>
             </a:r>
@@ -5280,7 +5394,9 @@
       <p:sp>
         <p:nvSpPr>
           <p:cNvPr id="120" name="Slide Number"/>
-          <p:cNvSpPr txBox="1"/>
+          <p:cNvSpPr txBox="1">
+            <a:spLocks noGrp="1"/>
+          </p:cNvSpPr>
           <p:nvPr>
             <p:ph type="sldNum" sz="quarter" idx="2"/>
           </p:nvPr>
@@ -5306,8 +5422,10 @@
             </a:lvl1pPr>
           </a:lstStyle>
           <a:p>
-            <a:pPr/>
-            <a:fld id="{86CB4B4D-7CA3-9044-876B-883B54F8677D}" type="slidenum"/>
+            <a:fld id="{86CB4B4D-7CA3-9044-876B-883B54F8677D}" type="slidenum">
+              <a:t>‹#›</a:t>
+            </a:fld>
+            <a:endParaRPr/>
           </a:p>
         </p:txBody>
       </p:sp>
@@ -5318,7 +5436,7 @@
           <p:nvPr/>
         </p:nvSpPr>
         <p:spPr>
-          <a:xfrm flipV="1" rot="16200000">
+          <a:xfrm rot="16200000" flipV="1">
             <a:off x="9499940" y="355409"/>
             <a:ext cx="1881642" cy="1167494"/>
           </a:xfrm>
@@ -5342,7 +5460,7 @@
             </a:cxnLst>
             <a:rect l="0" t="0" r="r" b="b"/>
             <a:pathLst>
-              <a:path w="21600" h="21600" fill="norm" stroke="1" extrusionOk="0">
+              <a:path w="21600" h="21600" extrusionOk="0">
                 <a:moveTo>
                   <a:pt x="21600" y="21600"/>
                 </a:moveTo>
@@ -5390,6 +5508,7 @@
                 </a:solidFill>
               </a:defRPr>
             </a:pPr>
+            <a:endParaRPr/>
           </a:p>
         </p:txBody>
       </p:sp>
@@ -5424,7 +5543,7 @@
             </a:cxnLst>
             <a:rect l="0" t="0" r="r" b="b"/>
             <a:pathLst>
-              <a:path w="21600" h="21600" fill="norm" stroke="1" extrusionOk="0">
+              <a:path w="21600" h="21600" extrusionOk="0">
                 <a:moveTo>
                   <a:pt x="0" y="0"/>
                 </a:moveTo>
@@ -5461,6 +5580,7 @@
                 </a:solidFill>
               </a:defRPr>
             </a:pPr>
+            <a:endParaRPr/>
           </a:p>
         </p:txBody>
       </p:sp>
@@ -5495,7 +5615,7 @@
             </a:cxnLst>
             <a:rect l="0" t="0" r="r" b="b"/>
             <a:pathLst>
-              <a:path w="21600" h="21600" fill="norm" stroke="1" extrusionOk="0">
+              <a:path w="21600" h="21600" extrusionOk="0">
                 <a:moveTo>
                   <a:pt x="21600" y="0"/>
                 </a:moveTo>
@@ -5553,6 +5673,7 @@
                 </a:solidFill>
               </a:defRPr>
             </a:pPr>
+            <a:endParaRPr/>
           </a:p>
         </p:txBody>
       </p:sp>
@@ -5588,6 +5709,7 @@
                 </a:solidFill>
               </a:defRPr>
             </a:pPr>
+            <a:endParaRPr/>
           </a:p>
         </p:txBody>
       </p:sp>
@@ -5598,7 +5720,7 @@
           <p:nvPr/>
         </p:nvSpPr>
         <p:spPr>
-          <a:xfrm flipH="1" rot="16200000">
+          <a:xfrm rot="16200000" flipH="1">
             <a:off x="10667431" y="5333431"/>
             <a:ext cx="1881642" cy="1167494"/>
           </a:xfrm>
@@ -5622,7 +5744,7 @@
             </a:cxnLst>
             <a:rect l="0" t="0" r="r" b="b"/>
             <a:pathLst>
-              <a:path w="21600" h="21600" fill="norm" stroke="1" extrusionOk="0">
+              <a:path w="21600" h="21600" extrusionOk="0">
                 <a:moveTo>
                   <a:pt x="21600" y="21600"/>
                 </a:moveTo>
@@ -5670,6 +5792,7 @@
                 </a:solidFill>
               </a:defRPr>
             </a:pPr>
+            <a:endParaRPr/>
           </a:p>
         </p:txBody>
       </p:sp>
@@ -5704,7 +5827,7 @@
             </a:cxnLst>
             <a:rect l="0" t="0" r="r" b="b"/>
             <a:pathLst>
-              <a:path w="21600" h="21600" fill="norm" stroke="1" extrusionOk="0">
+              <a:path w="21600" h="21600" extrusionOk="0">
                 <a:moveTo>
                   <a:pt x="0" y="0"/>
                 </a:moveTo>
@@ -5741,6 +5864,7 @@
                 </a:solidFill>
               </a:defRPr>
             </a:pPr>
+            <a:endParaRPr/>
           </a:p>
         </p:txBody>
       </p:sp>
@@ -5775,7 +5899,7 @@
             </a:cxnLst>
             <a:rect l="0" t="0" r="r" b="b"/>
             <a:pathLst>
-              <a:path w="21600" h="21600" fill="norm" stroke="1" extrusionOk="0">
+              <a:path w="21600" h="21600" extrusionOk="0">
                 <a:moveTo>
                   <a:pt x="21600" y="0"/>
                 </a:moveTo>
@@ -5833,6 +5957,7 @@
                 </a:solidFill>
               </a:defRPr>
             </a:pPr>
+            <a:endParaRPr/>
           </a:p>
         </p:txBody>
       </p:sp>
@@ -5841,18 +5966,19 @@
   <p:clrMapOvr>
     <a:masterClrMapping/>
   </p:clrMapOvr>
-  <p:transition xmlns:p14="http://schemas.microsoft.com/office/powerpoint/2010/main" spd="med" advClick="1"/>
+  <p:transition spd="med"/>
 </p:sldLayout>
 </file>
 
 <file path=ppt/slideLayouts/slideLayout9.xml><?xml version="1.0" encoding="utf-8"?>
-<p:sldLayout xmlns:a="http://schemas.openxmlformats.org/drawingml/2006/main" xmlns:r="http://schemas.openxmlformats.org/officeDocument/2006/relationships" xmlns:p="http://schemas.openxmlformats.org/presentationml/2006/main" xmlns:m="http://schemas.openxmlformats.org/officeDocument/2006/math" xmlns:a14="http://schemas.microsoft.com/office/drawing/2010/main" type="tx" showMasterSp="0" showMasterPhAnim="1">
+<p:sldLayout xmlns:a="http://schemas.openxmlformats.org/drawingml/2006/main" xmlns:r="http://schemas.openxmlformats.org/officeDocument/2006/relationships" xmlns:p="http://schemas.openxmlformats.org/presentationml/2006/main" showMasterSp="0" type="tx">
   <p:cSld name="Whole team">
     <p:bg>
       <p:bgPr>
         <a:solidFill>
           <a:schemeClr val="accent2"/>
         </a:solidFill>
+        <a:effectLst/>
       </p:bgPr>
     </p:bg>
     <p:spTree>
@@ -5872,7 +5998,9 @@
       <p:sp>
         <p:nvSpPr>
           <p:cNvPr id="134" name="Title Text"/>
-          <p:cNvSpPr txBox="1"/>
+          <p:cNvSpPr txBox="1">
+            <a:spLocks noGrp="1"/>
+          </p:cNvSpPr>
           <p:nvPr>
             <p:ph type="title"/>
           </p:nvPr>
@@ -5890,7 +6018,6 @@
           <a:bodyPr lIns="0" tIns="0" rIns="0" bIns="0"/>
           <a:lstStyle/>
           <a:p>
-            <a:pPr/>
             <a:r>
               <a:t>Title Text</a:t>
             </a:r>
@@ -5900,7 +6027,9 @@
       <p:sp>
         <p:nvSpPr>
           <p:cNvPr id="135" name="Picture Placeholder 23"/>
-          <p:cNvSpPr/>
+          <p:cNvSpPr>
+            <a:spLocks noGrp="1"/>
+          </p:cNvSpPr>
           <p:nvPr>
             <p:ph type="pic" sz="quarter" idx="21"/>
           </p:nvPr>
@@ -5920,14 +6049,16 @@
           </a:bodyPr>
           <a:lstStyle/>
           <a:p>
-            <a:pPr/>
+            <a:endParaRPr/>
           </a:p>
         </p:txBody>
       </p:sp>
       <p:sp>
         <p:nvSpPr>
           <p:cNvPr id="136" name="Body Level One…"/>
-          <p:cNvSpPr txBox="1"/>
+          <p:cNvSpPr txBox="1">
+            <a:spLocks noGrp="1"/>
+          </p:cNvSpPr>
           <p:nvPr>
             <p:ph type="body" sz="quarter" idx="1" hasCustomPrompt="1"/>
           </p:nvPr>
@@ -5951,7 +6082,7 @@
               <a:spcBef>
                 <a:spcPts val="0"/>
               </a:spcBef>
-              <a:defRPr b="1" spc="20" sz="1800"/>
+              <a:defRPr sz="1800" b="1" spc="20"/>
             </a:lvl1pPr>
             <a:lvl2pPr marL="628650" indent="-171450">
               <a:lnSpc>
@@ -5962,7 +6093,7 @@
               </a:spcBef>
               <a:buSzPct val="100000"/>
               <a:buChar char="•"/>
-              <a:defRPr b="1" spc="20" sz="1800"/>
+              <a:defRPr sz="1800" b="1" spc="20"/>
             </a:lvl2pPr>
             <a:lvl3pPr marL="1120139" indent="-205739">
               <a:lnSpc>
@@ -5973,7 +6104,7 @@
               </a:spcBef>
               <a:buSzPct val="100000"/>
               <a:buChar char="•"/>
-              <a:defRPr b="1" spc="20" sz="1800"/>
+              <a:defRPr sz="1800" b="1" spc="20"/>
             </a:lvl3pPr>
             <a:lvl4pPr marL="1600200" indent="-228600">
               <a:lnSpc>
@@ -5984,7 +6115,7 @@
               </a:spcBef>
               <a:buSzPct val="100000"/>
               <a:buChar char="•"/>
-              <a:defRPr b="1" spc="20" sz="1800"/>
+              <a:defRPr sz="1800" b="1" spc="20"/>
             </a:lvl4pPr>
             <a:lvl5pPr marL="2057400" indent="-228600">
               <a:lnSpc>
@@ -5995,45 +6126,38 @@
               </a:spcBef>
               <a:buSzPct val="100000"/>
               <a:buChar char="•"/>
-              <a:defRPr b="1" spc="20" sz="1800"/>
+              <a:defRPr sz="1800" b="1" spc="20"/>
             </a:lvl5pPr>
           </a:lstStyle>
           <a:p>
-            <a:pPr/>
             <a:r>
               <a:t>Name</a:t>
             </a:r>
           </a:p>
           <a:p>
             <a:pPr lvl="1"/>
-            <a:r>
-              <a:t/>
-            </a:r>
+            <a:endParaRPr/>
           </a:p>
           <a:p>
             <a:pPr lvl="2"/>
-            <a:r>
-              <a:t/>
-            </a:r>
+            <a:endParaRPr/>
           </a:p>
           <a:p>
             <a:pPr lvl="3"/>
-            <a:r>
-              <a:t/>
-            </a:r>
+            <a:endParaRPr/>
           </a:p>
           <a:p>
             <a:pPr lvl="4"/>
-            <a:r>
-              <a:t/>
-            </a:r>
+            <a:endParaRPr/>
           </a:p>
         </p:txBody>
       </p:sp>
       <p:sp>
         <p:nvSpPr>
           <p:cNvPr id="137" name="Text Placeholder 28"/>
-          <p:cNvSpPr/>
+          <p:cNvSpPr>
+            <a:spLocks noGrp="1"/>
+          </p:cNvSpPr>
           <p:nvPr>
             <p:ph type="body" sz="quarter" idx="22" hasCustomPrompt="1"/>
           </p:nvPr>
@@ -6061,7 +6185,6 @@
             </a:lvl1pPr>
           </a:lstStyle>
           <a:p>
-            <a:pPr/>
             <a:r>
               <a:t>Title</a:t>
             </a:r>
@@ -6071,7 +6194,9 @@
       <p:sp>
         <p:nvSpPr>
           <p:cNvPr id="138" name="Picture Placeholder 23"/>
-          <p:cNvSpPr/>
+          <p:cNvSpPr>
+            <a:spLocks noGrp="1"/>
+          </p:cNvSpPr>
           <p:nvPr>
             <p:ph type="pic" sz="quarter" idx="23"/>
           </p:nvPr>
@@ -6091,14 +6216,16 @@
           </a:bodyPr>
           <a:lstStyle/>
           <a:p>
-            <a:pPr/>
+            <a:endParaRPr/>
           </a:p>
         </p:txBody>
       </p:sp>
       <p:sp>
         <p:nvSpPr>
           <p:cNvPr id="139" name="Text Placeholder 28"/>
-          <p:cNvSpPr/>
+          <p:cNvSpPr>
+            <a:spLocks noGrp="1"/>
+          </p:cNvSpPr>
           <p:nvPr>
             <p:ph type="body" sz="quarter" idx="24" hasCustomPrompt="1"/>
           </p:nvPr>
@@ -6122,11 +6249,10 @@
               <a:spcBef>
                 <a:spcPts val="0"/>
               </a:spcBef>
-              <a:defRPr b="1" sz="1800"/>
+              <a:defRPr sz="1800" b="1"/>
             </a:lvl1pPr>
           </a:lstStyle>
           <a:p>
-            <a:pPr/>
             <a:r>
               <a:t>Name</a:t>
             </a:r>
@@ -6136,7 +6262,9 @@
       <p:sp>
         <p:nvSpPr>
           <p:cNvPr id="140" name="Text Placeholder 28"/>
-          <p:cNvSpPr/>
+          <p:cNvSpPr>
+            <a:spLocks noGrp="1"/>
+          </p:cNvSpPr>
           <p:nvPr>
             <p:ph type="body" sz="quarter" idx="25" hasCustomPrompt="1"/>
           </p:nvPr>
@@ -6164,7 +6292,6 @@
             </a:lvl1pPr>
           </a:lstStyle>
           <a:p>
-            <a:pPr/>
             <a:r>
               <a:t>Title</a:t>
             </a:r>
@@ -6174,7 +6301,9 @@
       <p:sp>
         <p:nvSpPr>
           <p:cNvPr id="141" name="Picture Placeholder 23"/>
-          <p:cNvSpPr/>
+          <p:cNvSpPr>
+            <a:spLocks noGrp="1"/>
+          </p:cNvSpPr>
           <p:nvPr>
             <p:ph type="pic" sz="quarter" idx="26"/>
           </p:nvPr>
@@ -6194,14 +6323,16 @@
           </a:bodyPr>
           <a:lstStyle/>
           <a:p>
-            <a:pPr/>
+            <a:endParaRPr/>
           </a:p>
         </p:txBody>
       </p:sp>
       <p:sp>
         <p:nvSpPr>
           <p:cNvPr id="142" name="Text Placeholder 28"/>
-          <p:cNvSpPr/>
+          <p:cNvSpPr>
+            <a:spLocks noGrp="1"/>
+          </p:cNvSpPr>
           <p:nvPr>
             <p:ph type="body" sz="quarter" idx="27" hasCustomPrompt="1"/>
           </p:nvPr>
@@ -6225,11 +6356,10 @@
               <a:spcBef>
                 <a:spcPts val="0"/>
               </a:spcBef>
-              <a:defRPr b="1" sz="1800"/>
+              <a:defRPr sz="1800" b="1"/>
             </a:lvl1pPr>
           </a:lstStyle>
           <a:p>
-            <a:pPr/>
             <a:r>
               <a:t>Name</a:t>
             </a:r>
@@ -6239,7 +6369,9 @@
       <p:sp>
         <p:nvSpPr>
           <p:cNvPr id="143" name="Text Placeholder 28"/>
-          <p:cNvSpPr/>
+          <p:cNvSpPr>
+            <a:spLocks noGrp="1"/>
+          </p:cNvSpPr>
           <p:nvPr>
             <p:ph type="body" sz="quarter" idx="28" hasCustomPrompt="1"/>
           </p:nvPr>
@@ -6267,7 +6399,6 @@
             </a:lvl1pPr>
           </a:lstStyle>
           <a:p>
-            <a:pPr/>
             <a:r>
               <a:t>Title</a:t>
             </a:r>
@@ -6277,7 +6408,9 @@
       <p:sp>
         <p:nvSpPr>
           <p:cNvPr id="144" name="Picture Placeholder 23"/>
-          <p:cNvSpPr/>
+          <p:cNvSpPr>
+            <a:spLocks noGrp="1"/>
+          </p:cNvSpPr>
           <p:nvPr>
             <p:ph type="pic" sz="quarter" idx="29"/>
           </p:nvPr>
@@ -6297,14 +6430,16 @@
           </a:bodyPr>
           <a:lstStyle/>
           <a:p>
-            <a:pPr/>
+            <a:endParaRPr/>
           </a:p>
         </p:txBody>
       </p:sp>
       <p:sp>
         <p:nvSpPr>
           <p:cNvPr id="145" name="Text Placeholder 28"/>
-          <p:cNvSpPr/>
+          <p:cNvSpPr>
+            <a:spLocks noGrp="1"/>
+          </p:cNvSpPr>
           <p:nvPr>
             <p:ph type="body" sz="quarter" idx="30" hasCustomPrompt="1"/>
           </p:nvPr>
@@ -6328,11 +6463,10 @@
               <a:spcBef>
                 <a:spcPts val="0"/>
               </a:spcBef>
-              <a:defRPr b="1" sz="1800"/>
+              <a:defRPr sz="1800" b="1"/>
             </a:lvl1pPr>
           </a:lstStyle>
           <a:p>
-            <a:pPr/>
             <a:r>
               <a:t>Name</a:t>
             </a:r>
@@ -6342,7 +6476,9 @@
       <p:sp>
         <p:nvSpPr>
           <p:cNvPr id="146" name="Text Placeholder 28"/>
-          <p:cNvSpPr/>
+          <p:cNvSpPr>
+            <a:spLocks noGrp="1"/>
+          </p:cNvSpPr>
           <p:nvPr>
             <p:ph type="body" sz="quarter" idx="31" hasCustomPrompt="1"/>
           </p:nvPr>
@@ -6370,7 +6506,6 @@
             </a:lvl1pPr>
           </a:lstStyle>
           <a:p>
-            <a:pPr/>
             <a:r>
               <a:t>Title</a:t>
             </a:r>
@@ -6380,7 +6515,9 @@
       <p:sp>
         <p:nvSpPr>
           <p:cNvPr id="147" name="Picture Placeholder 23"/>
-          <p:cNvSpPr/>
+          <p:cNvSpPr>
+            <a:spLocks noGrp="1"/>
+          </p:cNvSpPr>
           <p:nvPr>
             <p:ph type="pic" sz="quarter" idx="32"/>
           </p:nvPr>
@@ -6400,14 +6537,16 @@
           </a:bodyPr>
           <a:lstStyle/>
           <a:p>
-            <a:pPr/>
+            <a:endParaRPr/>
           </a:p>
         </p:txBody>
       </p:sp>
       <p:sp>
         <p:nvSpPr>
           <p:cNvPr id="148" name="Text Placeholder 28"/>
-          <p:cNvSpPr/>
+          <p:cNvSpPr>
+            <a:spLocks noGrp="1"/>
+          </p:cNvSpPr>
           <p:nvPr>
             <p:ph type="body" sz="quarter" idx="33" hasCustomPrompt="1"/>
           </p:nvPr>
@@ -6431,11 +6570,10 @@
               <a:spcBef>
                 <a:spcPts val="0"/>
               </a:spcBef>
-              <a:defRPr b="1" sz="1800"/>
+              <a:defRPr sz="1800" b="1"/>
             </a:lvl1pPr>
           </a:lstStyle>
           <a:p>
-            <a:pPr/>
             <a:r>
               <a:t>Name</a:t>
             </a:r>
@@ -6445,7 +6583,9 @@
       <p:sp>
         <p:nvSpPr>
           <p:cNvPr id="149" name="Text Placeholder 28"/>
-          <p:cNvSpPr/>
+          <p:cNvSpPr>
+            <a:spLocks noGrp="1"/>
+          </p:cNvSpPr>
           <p:nvPr>
             <p:ph type="body" sz="quarter" idx="34" hasCustomPrompt="1"/>
           </p:nvPr>
@@ -6473,7 +6613,6 @@
             </a:lvl1pPr>
           </a:lstStyle>
           <a:p>
-            <a:pPr/>
             <a:r>
               <a:t>Title</a:t>
             </a:r>
@@ -6483,7 +6622,9 @@
       <p:sp>
         <p:nvSpPr>
           <p:cNvPr id="150" name="Picture Placeholder 23"/>
-          <p:cNvSpPr/>
+          <p:cNvSpPr>
+            <a:spLocks noGrp="1"/>
+          </p:cNvSpPr>
           <p:nvPr>
             <p:ph type="pic" sz="quarter" idx="35"/>
           </p:nvPr>
@@ -6503,14 +6644,16 @@
           </a:bodyPr>
           <a:lstStyle/>
           <a:p>
-            <a:pPr/>
+            <a:endParaRPr/>
           </a:p>
         </p:txBody>
       </p:sp>
       <p:sp>
         <p:nvSpPr>
           <p:cNvPr id="151" name="Text Placeholder 28"/>
-          <p:cNvSpPr/>
+          <p:cNvSpPr>
+            <a:spLocks noGrp="1"/>
+          </p:cNvSpPr>
           <p:nvPr>
             <p:ph type="body" sz="quarter" idx="36" hasCustomPrompt="1"/>
           </p:nvPr>
@@ -6534,11 +6677,10 @@
               <a:spcBef>
                 <a:spcPts val="0"/>
               </a:spcBef>
-              <a:defRPr b="1" sz="1800"/>
+              <a:defRPr sz="1800" b="1"/>
             </a:lvl1pPr>
           </a:lstStyle>
           <a:p>
-            <a:pPr/>
             <a:r>
               <a:t>Name</a:t>
             </a:r>
@@ -6548,7 +6690,9 @@
       <p:sp>
         <p:nvSpPr>
           <p:cNvPr id="152" name="Text Placeholder 28"/>
-          <p:cNvSpPr/>
+          <p:cNvSpPr>
+            <a:spLocks noGrp="1"/>
+          </p:cNvSpPr>
           <p:nvPr>
             <p:ph type="body" sz="quarter" idx="37" hasCustomPrompt="1"/>
           </p:nvPr>
@@ -6576,7 +6720,6 @@
             </a:lvl1pPr>
           </a:lstStyle>
           <a:p>
-            <a:pPr/>
             <a:r>
               <a:t>Title</a:t>
             </a:r>
@@ -6586,7 +6729,9 @@
       <p:sp>
         <p:nvSpPr>
           <p:cNvPr id="153" name="Picture Placeholder 23"/>
-          <p:cNvSpPr/>
+          <p:cNvSpPr>
+            <a:spLocks noGrp="1"/>
+          </p:cNvSpPr>
           <p:nvPr>
             <p:ph type="pic" sz="quarter" idx="38"/>
           </p:nvPr>
@@ -6606,14 +6751,16 @@
           </a:bodyPr>
           <a:lstStyle/>
           <a:p>
-            <a:pPr/>
+            <a:endParaRPr/>
           </a:p>
         </p:txBody>
       </p:sp>
       <p:sp>
         <p:nvSpPr>
           <p:cNvPr id="154" name="Text Placeholder 28"/>
-          <p:cNvSpPr/>
+          <p:cNvSpPr>
+            <a:spLocks noGrp="1"/>
+          </p:cNvSpPr>
           <p:nvPr>
             <p:ph type="body" sz="quarter" idx="39" hasCustomPrompt="1"/>
           </p:nvPr>
@@ -6637,11 +6784,10 @@
               <a:spcBef>
                 <a:spcPts val="0"/>
               </a:spcBef>
-              <a:defRPr b="1" sz="1800"/>
+              <a:defRPr sz="1800" b="1"/>
             </a:lvl1pPr>
           </a:lstStyle>
           <a:p>
-            <a:pPr/>
             <a:r>
               <a:t>Name</a:t>
             </a:r>
@@ -6651,7 +6797,9 @@
       <p:sp>
         <p:nvSpPr>
           <p:cNvPr id="155" name="Text Placeholder 28"/>
-          <p:cNvSpPr/>
+          <p:cNvSpPr>
+            <a:spLocks noGrp="1"/>
+          </p:cNvSpPr>
           <p:nvPr>
             <p:ph type="body" sz="quarter" idx="40" hasCustomPrompt="1"/>
           </p:nvPr>
@@ -6679,7 +6827,6 @@
             </a:lvl1pPr>
           </a:lstStyle>
           <a:p>
-            <a:pPr/>
             <a:r>
               <a:t>Title</a:t>
             </a:r>
@@ -6689,7 +6836,9 @@
       <p:sp>
         <p:nvSpPr>
           <p:cNvPr id="156" name="Picture Placeholder 23"/>
-          <p:cNvSpPr/>
+          <p:cNvSpPr>
+            <a:spLocks noGrp="1"/>
+          </p:cNvSpPr>
           <p:nvPr>
             <p:ph type="pic" sz="quarter" idx="41"/>
           </p:nvPr>
@@ -6709,14 +6858,16 @@
           </a:bodyPr>
           <a:lstStyle/>
           <a:p>
-            <a:pPr/>
+            <a:endParaRPr/>
           </a:p>
         </p:txBody>
       </p:sp>
       <p:sp>
         <p:nvSpPr>
           <p:cNvPr id="157" name="Text Placeholder 28"/>
-          <p:cNvSpPr/>
+          <p:cNvSpPr>
+            <a:spLocks noGrp="1"/>
+          </p:cNvSpPr>
           <p:nvPr>
             <p:ph type="body" sz="quarter" idx="42" hasCustomPrompt="1"/>
           </p:nvPr>
@@ -6740,11 +6891,10 @@
               <a:spcBef>
                 <a:spcPts val="0"/>
               </a:spcBef>
-              <a:defRPr b="1" sz="1800"/>
+              <a:defRPr sz="1800" b="1"/>
             </a:lvl1pPr>
           </a:lstStyle>
           <a:p>
-            <a:pPr/>
             <a:r>
               <a:t>Name</a:t>
             </a:r>
@@ -6754,7 +6904,9 @@
       <p:sp>
         <p:nvSpPr>
           <p:cNvPr id="158" name="Text Placeholder 28"/>
-          <p:cNvSpPr/>
+          <p:cNvSpPr>
+            <a:spLocks noGrp="1"/>
+          </p:cNvSpPr>
           <p:nvPr>
             <p:ph type="body" sz="quarter" idx="43" hasCustomPrompt="1"/>
           </p:nvPr>
@@ -6782,7 +6934,6 @@
             </a:lvl1pPr>
           </a:lstStyle>
           <a:p>
-            <a:pPr/>
             <a:r>
               <a:t>Title</a:t>
             </a:r>
@@ -6792,7 +6943,9 @@
       <p:sp>
         <p:nvSpPr>
           <p:cNvPr id="159" name="Slide Number"/>
-          <p:cNvSpPr txBox="1"/>
+          <p:cNvSpPr txBox="1">
+            <a:spLocks noGrp="1"/>
+          </p:cNvSpPr>
           <p:nvPr>
             <p:ph type="sldNum" sz="quarter" idx="2"/>
           </p:nvPr>
@@ -6818,8 +6971,10 @@
             </a:lvl1pPr>
           </a:lstStyle>
           <a:p>
-            <a:pPr/>
-            <a:fld id="{86CB4B4D-7CA3-9044-876B-883B54F8677D}" type="slidenum"/>
+            <a:fld id="{86CB4B4D-7CA3-9044-876B-883B54F8677D}" type="slidenum">
+              <a:t>‹#›</a:t>
+            </a:fld>
+            <a:endParaRPr/>
           </a:p>
         </p:txBody>
       </p:sp>
@@ -6828,18 +6983,19 @@
   <p:clrMapOvr>
     <a:masterClrMapping/>
   </p:clrMapOvr>
-  <p:transition xmlns:p14="http://schemas.microsoft.com/office/powerpoint/2010/main" spd="med" advClick="1"/>
+  <p:transition spd="med"/>
 </p:sldLayout>
 </file>
 
 <file path=ppt/slideMasters/slideMaster1.xml><?xml version="1.0" encoding="utf-8"?>
-<p:sldMaster xmlns:a="http://schemas.openxmlformats.org/drawingml/2006/main" xmlns:r="http://schemas.openxmlformats.org/officeDocument/2006/relationships" xmlns:p="http://schemas.openxmlformats.org/presentationml/2006/main" xmlns:m="http://schemas.openxmlformats.org/officeDocument/2006/math" xmlns:a14="http://schemas.microsoft.com/office/drawing/2010/main">
+<p:sldMaster xmlns:a="http://schemas.openxmlformats.org/drawingml/2006/main" xmlns:r="http://schemas.openxmlformats.org/officeDocument/2006/relationships" xmlns:p="http://schemas.openxmlformats.org/presentationml/2006/main">
   <p:cSld>
     <p:bg>
       <p:bgPr>
         <a:solidFill>
           <a:srgbClr val="FFFFFF"/>
         </a:solidFill>
+        <a:effectLst/>
       </p:bgPr>
     </p:bg>
     <p:spTree>
@@ -6859,7 +7015,9 @@
       <p:sp>
         <p:nvSpPr>
           <p:cNvPr id="2" name="Title Text"/>
-          <p:cNvSpPr txBox="1"/>
+          <p:cNvSpPr txBox="1">
+            <a:spLocks noGrp="1"/>
+          </p:cNvSpPr>
           <p:nvPr>
             <p:ph type="title"/>
           </p:nvPr>
@@ -6877,17 +7035,16 @@
           </a:ln>
           <a:extLst>
             <a:ext uri="{C572A759-6A51-4108-AA02-DFA0A04FC94B}">
-              <ma14:wrappingTextBoxFlag xmlns:ma14="http://schemas.microsoft.com/office/mac/drawingml/2011/main" val="1"/>
+              <ma14:wrappingTextBoxFlag xmlns:ma14="http://schemas.microsoft.com/office/mac/drawingml/2011/main" xmlns:a14="http://schemas.microsoft.com/office/drawing/2010/main" xmlns:m="http://schemas.openxmlformats.org/officeDocument/2006/math" xmlns="" val="1"/>
             </a:ext>
           </a:extLst>
         </p:spPr>
         <p:txBody>
           <a:bodyPr lIns="45719" rIns="45719" anchor="b">
-            <a:normAutofit fontScale="100000" lnSpcReduction="0"/>
+            <a:normAutofit/>
           </a:bodyPr>
           <a:lstStyle/>
           <a:p>
-            <a:pPr/>
             <a:r>
               <a:t>Title Text</a:t>
             </a:r>
@@ -6897,7 +7054,9 @@
       <p:sp>
         <p:nvSpPr>
           <p:cNvPr id="3" name="Body Level One…"/>
-          <p:cNvSpPr txBox="1"/>
+          <p:cNvSpPr txBox="1">
+            <a:spLocks noGrp="1"/>
+          </p:cNvSpPr>
           <p:nvPr>
             <p:ph type="body" idx="1"/>
           </p:nvPr>
@@ -6915,17 +7074,16 @@
           </a:ln>
           <a:extLst>
             <a:ext uri="{C572A759-6A51-4108-AA02-DFA0A04FC94B}">
-              <ma14:wrappingTextBoxFlag xmlns:ma14="http://schemas.microsoft.com/office/mac/drawingml/2011/main" val="1"/>
+              <ma14:wrappingTextBoxFlag xmlns:ma14="http://schemas.microsoft.com/office/mac/drawingml/2011/main" xmlns:a14="http://schemas.microsoft.com/office/drawing/2010/main" xmlns:m="http://schemas.openxmlformats.org/officeDocument/2006/math" xmlns="" val="1"/>
             </a:ext>
           </a:extLst>
         </p:spPr>
         <p:txBody>
           <a:bodyPr lIns="45719" rIns="45719">
-            <a:normAutofit fontScale="100000" lnSpcReduction="0"/>
+            <a:normAutofit/>
           </a:bodyPr>
           <a:lstStyle/>
           <a:p>
-            <a:pPr/>
             <a:r>
               <a:t>Body Level One</a:t>
             </a:r>
@@ -6987,7 +7145,7 @@
             </a:cxnLst>
             <a:rect l="0" t="0" r="r" b="b"/>
             <a:pathLst>
-              <a:path w="21600" h="21600" fill="norm" stroke="1" extrusionOk="0">
+              <a:path w="21600" h="21600" extrusionOk="0">
                 <a:moveTo>
                   <a:pt x="0" y="0"/>
                 </a:moveTo>
@@ -7024,6 +7182,7 @@
                 </a:solidFill>
               </a:defRPr>
             </a:pPr>
+            <a:endParaRPr/>
           </a:p>
         </p:txBody>
       </p:sp>
@@ -7058,7 +7217,7 @@
             </a:cxnLst>
             <a:rect l="0" t="0" r="r" b="b"/>
             <a:pathLst>
-              <a:path w="21600" h="21600" fill="norm" stroke="1" extrusionOk="0">
+              <a:path w="21600" h="21600" extrusionOk="0">
                 <a:moveTo>
                   <a:pt x="0" y="0"/>
                 </a:moveTo>
@@ -7095,6 +7254,7 @@
                 </a:solidFill>
               </a:defRPr>
             </a:pPr>
+            <a:endParaRPr/>
           </a:p>
         </p:txBody>
       </p:sp>
@@ -7129,7 +7289,7 @@
             </a:cxnLst>
             <a:rect l="0" t="0" r="r" b="b"/>
             <a:pathLst>
-              <a:path w="21600" h="21600" fill="norm" stroke="1" extrusionOk="0">
+              <a:path w="21600" h="21600" extrusionOk="0">
                 <a:moveTo>
                   <a:pt x="0" y="0"/>
                 </a:moveTo>
@@ -7166,6 +7326,7 @@
                 </a:solidFill>
               </a:defRPr>
             </a:pPr>
+            <a:endParaRPr/>
           </a:p>
         </p:txBody>
       </p:sp>
@@ -7214,7 +7375,7 @@
               </a:cxnLst>
               <a:rect l="0" t="0" r="r" b="b"/>
               <a:pathLst>
-                <a:path w="21600" h="21600" fill="norm" stroke="1" extrusionOk="0">
+                <a:path w="21600" h="21600" extrusionOk="0">
                   <a:moveTo>
                     <a:pt x="21600" y="21600"/>
                   </a:moveTo>
@@ -7266,6 +7427,7 @@
                   </a:solidFill>
                 </a:defRPr>
               </a:pPr>
+              <a:endParaRPr/>
             </a:p>
           </p:txBody>
         </p:sp>
@@ -7276,7 +7438,7 @@
             <p:nvPr/>
           </p:nvSpPr>
           <p:spPr>
-            <a:xfrm flipH="1" rot="5400000">
+            <a:xfrm rot="5400000" flipH="1">
               <a:off x="-240454" y="240453"/>
               <a:ext cx="1267098" cy="786191"/>
             </a:xfrm>
@@ -7300,7 +7462,7 @@
               </a:cxnLst>
               <a:rect l="0" t="0" r="r" b="b"/>
               <a:pathLst>
-                <a:path w="21600" h="21600" fill="norm" stroke="1" extrusionOk="0">
+                <a:path w="21600" h="21600" extrusionOk="0">
                   <a:moveTo>
                     <a:pt x="21600" y="21600"/>
                   </a:moveTo>
@@ -7352,6 +7514,7 @@
                   </a:solidFill>
                 </a:defRPr>
               </a:pPr>
+              <a:endParaRPr/>
             </a:p>
           </p:txBody>
         </p:sp>
@@ -7359,7 +7522,9 @@
       <p:sp>
         <p:nvSpPr>
           <p:cNvPr id="10" name="Slide Number"/>
-          <p:cNvSpPr txBox="1"/>
+          <p:cNvSpPr txBox="1">
+            <a:spLocks noGrp="1"/>
+          </p:cNvSpPr>
           <p:nvPr>
             <p:ph type="sldNum" sz="quarter" idx="2"/>
           </p:nvPr>
@@ -7390,8 +7555,10 @@
             </a:lvl1pPr>
           </a:lstStyle>
           <a:p>
-            <a:pPr/>
-            <a:fld id="{86CB4B4D-7CA3-9044-876B-883B54F8677D}" type="slidenum"/>
+            <a:fld id="{86CB4B4D-7CA3-9044-876B-883B54F8677D}" type="slidenum">
+              <a:t>‹#›</a:t>
+            </a:fld>
+            <a:endParaRPr/>
           </a:p>
         </p:txBody>
       </p:sp>
@@ -7399,21 +7566,21 @@
   </p:cSld>
   <p:clrMap bg1="lt1" tx1="dk1" bg2="lt2" tx2="dk2" accent1="accent1" accent2="accent2" accent3="accent3" accent4="accent4" accent5="accent5" accent6="accent6" hlink="hlink" folHlink="folHlink"/>
   <p:sldLayoutIdLst>
-    <p:sldLayoutId id="2147483649" r:id="rId2"/>
-    <p:sldLayoutId id="2147483650" r:id="rId3"/>
-    <p:sldLayoutId id="2147483651" r:id="rId4"/>
-    <p:sldLayoutId id="2147483652" r:id="rId5"/>
-    <p:sldLayoutId id="2147483653" r:id="rId6"/>
-    <p:sldLayoutId id="2147483654" r:id="rId7"/>
-    <p:sldLayoutId id="2147483655" r:id="rId8"/>
-    <p:sldLayoutId id="2147483656" r:id="rId9"/>
-    <p:sldLayoutId id="2147483657" r:id="rId10"/>
-    <p:sldLayoutId id="2147483658" r:id="rId11"/>
-    <p:sldLayoutId id="2147483659" r:id="rId12"/>
-    <p:sldLayoutId id="2147483660" r:id="rId13"/>
-    <p:sldLayoutId id="2147483661" r:id="rId14"/>
+    <p:sldLayoutId id="2147483649" r:id="rId1"/>
+    <p:sldLayoutId id="2147483650" r:id="rId2"/>
+    <p:sldLayoutId id="2147483651" r:id="rId3"/>
+    <p:sldLayoutId id="2147483652" r:id="rId4"/>
+    <p:sldLayoutId id="2147483653" r:id="rId5"/>
+    <p:sldLayoutId id="2147483654" r:id="rId6"/>
+    <p:sldLayoutId id="2147483655" r:id="rId7"/>
+    <p:sldLayoutId id="2147483656" r:id="rId8"/>
+    <p:sldLayoutId id="2147483657" r:id="rId9"/>
+    <p:sldLayoutId id="2147483658" r:id="rId10"/>
+    <p:sldLayoutId id="2147483659" r:id="rId11"/>
+    <p:sldLayoutId id="2147483660" r:id="rId12"/>
+    <p:sldLayoutId id="2147483661" r:id="rId13"/>
   </p:sldLayoutIdLst>
-  <p:transition xmlns:p14="http://schemas.microsoft.com/office/powerpoint/2010/main" spd="med" advClick="1"/>
+  <p:transition spd="med"/>
   <p:txStyles>
     <p:titleStyle>
       <a:lvl1pPr marL="0" marR="0" indent="0" algn="l" defTabSz="914400" rtl="0" latinLnBrk="0">
@@ -7431,7 +7598,7 @@
         <a:buFontTx/>
         <a:buNone/>
         <a:tabLst/>
-        <a:defRPr b="1" baseline="0" cap="none" i="0" spc="0" strike="noStrike" sz="4800" u="none">
+        <a:defRPr sz="4800" b="1" i="0" u="none" strike="noStrike" cap="none" spc="0" baseline="0">
           <a:solidFill>
             <a:srgbClr val="000000"/>
           </a:solidFill>
@@ -7457,7 +7624,7 @@
         <a:buFontTx/>
         <a:buNone/>
         <a:tabLst/>
-        <a:defRPr b="1" baseline="0" cap="none" i="0" spc="0" strike="noStrike" sz="4800" u="none">
+        <a:defRPr sz="4800" b="1" i="0" u="none" strike="noStrike" cap="none" spc="0" baseline="0">
           <a:solidFill>
             <a:srgbClr val="000000"/>
           </a:solidFill>
@@ -7483,7 +7650,7 @@
         <a:buFontTx/>
         <a:buNone/>
         <a:tabLst/>
-        <a:defRPr b="1" baseline="0" cap="none" i="0" spc="0" strike="noStrike" sz="4800" u="none">
+        <a:defRPr sz="4800" b="1" i="0" u="none" strike="noStrike" cap="none" spc="0" baseline="0">
           <a:solidFill>
             <a:srgbClr val="000000"/>
           </a:solidFill>
@@ -7509,7 +7676,7 @@
         <a:buFontTx/>
         <a:buNone/>
         <a:tabLst/>
-        <a:defRPr b="1" baseline="0" cap="none" i="0" spc="0" strike="noStrike" sz="4800" u="none">
+        <a:defRPr sz="4800" b="1" i="0" u="none" strike="noStrike" cap="none" spc="0" baseline="0">
           <a:solidFill>
             <a:srgbClr val="000000"/>
           </a:solidFill>
@@ -7535,7 +7702,7 @@
         <a:buFontTx/>
         <a:buNone/>
         <a:tabLst/>
-        <a:defRPr b="1" baseline="0" cap="none" i="0" spc="0" strike="noStrike" sz="4800" u="none">
+        <a:defRPr sz="4800" b="1" i="0" u="none" strike="noStrike" cap="none" spc="0" baseline="0">
           <a:solidFill>
             <a:srgbClr val="000000"/>
           </a:solidFill>
@@ -7561,7 +7728,7 @@
         <a:buFontTx/>
         <a:buNone/>
         <a:tabLst/>
-        <a:defRPr b="1" baseline="0" cap="none" i="0" spc="0" strike="noStrike" sz="4800" u="none">
+        <a:defRPr sz="4800" b="1" i="0" u="none" strike="noStrike" cap="none" spc="0" baseline="0">
           <a:solidFill>
             <a:srgbClr val="000000"/>
           </a:solidFill>
@@ -7587,7 +7754,7 @@
         <a:buFontTx/>
         <a:buNone/>
         <a:tabLst/>
-        <a:defRPr b="1" baseline="0" cap="none" i="0" spc="0" strike="noStrike" sz="4800" u="none">
+        <a:defRPr sz="4800" b="1" i="0" u="none" strike="noStrike" cap="none" spc="0" baseline="0">
           <a:solidFill>
             <a:srgbClr val="000000"/>
           </a:solidFill>
@@ -7613,7 +7780,7 @@
         <a:buFontTx/>
         <a:buNone/>
         <a:tabLst/>
-        <a:defRPr b="1" baseline="0" cap="none" i="0" spc="0" strike="noStrike" sz="4800" u="none">
+        <a:defRPr sz="4800" b="1" i="0" u="none" strike="noStrike" cap="none" spc="0" baseline="0">
           <a:solidFill>
             <a:srgbClr val="000000"/>
           </a:solidFill>
@@ -7639,7 +7806,7 @@
         <a:buFontTx/>
         <a:buNone/>
         <a:tabLst/>
-        <a:defRPr b="1" baseline="0" cap="none" i="0" spc="0" strike="noStrike" sz="4800" u="none">
+        <a:defRPr sz="4800" b="1" i="0" u="none" strike="noStrike" cap="none" spc="0" baseline="0">
           <a:solidFill>
             <a:srgbClr val="000000"/>
           </a:solidFill>
@@ -7667,7 +7834,7 @@
         <a:buFontTx/>
         <a:buNone/>
         <a:tabLst/>
-        <a:defRPr b="0" baseline="0" cap="none" i="0" spc="0" strike="noStrike" sz="2800" u="none">
+        <a:defRPr sz="2800" b="0" i="0" u="none" strike="noStrike" cap="none" spc="0" baseline="0">
           <a:solidFill>
             <a:srgbClr val="000000"/>
           </a:solidFill>
@@ -7693,7 +7860,7 @@
         <a:buFontTx/>
         <a:buNone/>
         <a:tabLst/>
-        <a:defRPr b="0" baseline="0" cap="none" i="0" spc="0" strike="noStrike" sz="2800" u="none">
+        <a:defRPr sz="2800" b="0" i="0" u="none" strike="noStrike" cap="none" spc="0" baseline="0">
           <a:solidFill>
             <a:srgbClr val="000000"/>
           </a:solidFill>
@@ -7719,7 +7886,7 @@
         <a:buFontTx/>
         <a:buNone/>
         <a:tabLst/>
-        <a:defRPr b="0" baseline="0" cap="none" i="0" spc="0" strike="noStrike" sz="2800" u="none">
+        <a:defRPr sz="2800" b="0" i="0" u="none" strike="noStrike" cap="none" spc="0" baseline="0">
           <a:solidFill>
             <a:srgbClr val="000000"/>
           </a:solidFill>
@@ -7745,7 +7912,7 @@
         <a:buFontTx/>
         <a:buNone/>
         <a:tabLst/>
-        <a:defRPr b="0" baseline="0" cap="none" i="0" spc="0" strike="noStrike" sz="2800" u="none">
+        <a:defRPr sz="2800" b="0" i="0" u="none" strike="noStrike" cap="none" spc="0" baseline="0">
           <a:solidFill>
             <a:srgbClr val="000000"/>
           </a:solidFill>
@@ -7771,7 +7938,7 @@
         <a:buFontTx/>
         <a:buNone/>
         <a:tabLst/>
-        <a:defRPr b="0" baseline="0" cap="none" i="0" spc="0" strike="noStrike" sz="2800" u="none">
+        <a:defRPr sz="2800" b="0" i="0" u="none" strike="noStrike" cap="none" spc="0" baseline="0">
           <a:solidFill>
             <a:srgbClr val="000000"/>
           </a:solidFill>
@@ -7797,7 +7964,7 @@
         <a:buFontTx/>
         <a:buChar char="•"/>
         <a:tabLst/>
-        <a:defRPr b="0" baseline="0" cap="none" i="0" spc="0" strike="noStrike" sz="2800" u="none">
+        <a:defRPr sz="2800" b="0" i="0" u="none" strike="noStrike" cap="none" spc="0" baseline="0">
           <a:solidFill>
             <a:srgbClr val="000000"/>
           </a:solidFill>
@@ -7823,7 +7990,7 @@
         <a:buFontTx/>
         <a:buChar char="•"/>
         <a:tabLst/>
-        <a:defRPr b="0" baseline="0" cap="none" i="0" spc="0" strike="noStrike" sz="2800" u="none">
+        <a:defRPr sz="2800" b="0" i="0" u="none" strike="noStrike" cap="none" spc="0" baseline="0">
           <a:solidFill>
             <a:srgbClr val="000000"/>
           </a:solidFill>
@@ -7849,7 +8016,7 @@
         <a:buFontTx/>
         <a:buChar char="•"/>
         <a:tabLst/>
-        <a:defRPr b="0" baseline="0" cap="none" i="0" spc="0" strike="noStrike" sz="2800" u="none">
+        <a:defRPr sz="2800" b="0" i="0" u="none" strike="noStrike" cap="none" spc="0" baseline="0">
           <a:solidFill>
             <a:srgbClr val="000000"/>
           </a:solidFill>
@@ -7875,7 +8042,7 @@
         <a:buFontTx/>
         <a:buChar char="•"/>
         <a:tabLst/>
-        <a:defRPr b="0" baseline="0" cap="none" i="0" spc="0" strike="noStrike" sz="2800" u="none">
+        <a:defRPr sz="2800" b="0" i="0" u="none" strike="noStrike" cap="none" spc="0" baseline="0">
           <a:solidFill>
             <a:srgbClr val="000000"/>
           </a:solidFill>
@@ -7903,7 +8070,7 @@
         <a:buFontTx/>
         <a:buNone/>
         <a:tabLst/>
-        <a:defRPr b="0" baseline="0" cap="none" i="0" spc="0" strike="noStrike" sz="1200" u="none">
+        <a:defRPr sz="1200" b="0" i="0" u="none" strike="noStrike" cap="none" spc="0" baseline="0">
           <a:solidFill>
             <a:schemeClr val="tx1"/>
           </a:solidFill>
@@ -7929,7 +8096,7 @@
         <a:buFontTx/>
         <a:buNone/>
         <a:tabLst/>
-        <a:defRPr b="0" baseline="0" cap="none" i="0" spc="0" strike="noStrike" sz="1200" u="none">
+        <a:defRPr sz="1200" b="0" i="0" u="none" strike="noStrike" cap="none" spc="0" baseline="0">
           <a:solidFill>
             <a:schemeClr val="tx1"/>
           </a:solidFill>
@@ -7955,7 +8122,7 @@
         <a:buFontTx/>
         <a:buNone/>
         <a:tabLst/>
-        <a:defRPr b="0" baseline="0" cap="none" i="0" spc="0" strike="noStrike" sz="1200" u="none">
+        <a:defRPr sz="1200" b="0" i="0" u="none" strike="noStrike" cap="none" spc="0" baseline="0">
           <a:solidFill>
             <a:schemeClr val="tx1"/>
           </a:solidFill>
@@ -7981,7 +8148,7 @@
         <a:buFontTx/>
         <a:buNone/>
         <a:tabLst/>
-        <a:defRPr b="0" baseline="0" cap="none" i="0" spc="0" strike="noStrike" sz="1200" u="none">
+        <a:defRPr sz="1200" b="0" i="0" u="none" strike="noStrike" cap="none" spc="0" baseline="0">
           <a:solidFill>
             <a:schemeClr val="tx1"/>
           </a:solidFill>
@@ -8007,7 +8174,7 @@
         <a:buFontTx/>
         <a:buNone/>
         <a:tabLst/>
-        <a:defRPr b="0" baseline="0" cap="none" i="0" spc="0" strike="noStrike" sz="1200" u="none">
+        <a:defRPr sz="1200" b="0" i="0" u="none" strike="noStrike" cap="none" spc="0" baseline="0">
           <a:solidFill>
             <a:schemeClr val="tx1"/>
           </a:solidFill>
@@ -8033,7 +8200,7 @@
         <a:buFontTx/>
         <a:buNone/>
         <a:tabLst/>
-        <a:defRPr b="0" baseline="0" cap="none" i="0" spc="0" strike="noStrike" sz="1200" u="none">
+        <a:defRPr sz="1200" b="0" i="0" u="none" strike="noStrike" cap="none" spc="0" baseline="0">
           <a:solidFill>
             <a:schemeClr val="tx1"/>
           </a:solidFill>
@@ -8059,7 +8226,7 @@
         <a:buFontTx/>
         <a:buNone/>
         <a:tabLst/>
-        <a:defRPr b="0" baseline="0" cap="none" i="0" spc="0" strike="noStrike" sz="1200" u="none">
+        <a:defRPr sz="1200" b="0" i="0" u="none" strike="noStrike" cap="none" spc="0" baseline="0">
           <a:solidFill>
             <a:schemeClr val="tx1"/>
           </a:solidFill>
@@ -8085,7 +8252,7 @@
         <a:buFontTx/>
         <a:buNone/>
         <a:tabLst/>
-        <a:defRPr b="0" baseline="0" cap="none" i="0" spc="0" strike="noStrike" sz="1200" u="none">
+        <a:defRPr sz="1200" b="0" i="0" u="none" strike="noStrike" cap="none" spc="0" baseline="0">
           <a:solidFill>
             <a:schemeClr val="tx1"/>
           </a:solidFill>
@@ -8111,7 +8278,7 @@
         <a:buFontTx/>
         <a:buNone/>
         <a:tabLst/>
-        <a:defRPr b="0" baseline="0" cap="none" i="0" spc="0" strike="noStrike" sz="1200" u="none">
+        <a:defRPr sz="1200" b="0" i="0" u="none" strike="noStrike" cap="none" spc="0" baseline="0">
           <a:solidFill>
             <a:schemeClr val="tx1"/>
           </a:solidFill>
@@ -8128,7 +8295,7 @@
 </file>
 
 <file path=ppt/slides/slide1.xml><?xml version="1.0" encoding="utf-8"?>
-<p:sld xmlns:a="http://schemas.openxmlformats.org/drawingml/2006/main" xmlns:r="http://schemas.openxmlformats.org/officeDocument/2006/relationships" xmlns:p="http://schemas.openxmlformats.org/presentationml/2006/main" xmlns:m="http://schemas.openxmlformats.org/officeDocument/2006/math" xmlns:a14="http://schemas.microsoft.com/office/drawing/2010/main" showMasterSp="1" showMasterPhAnim="1">
+<p:sld xmlns:a="http://schemas.openxmlformats.org/drawingml/2006/main" xmlns:r="http://schemas.openxmlformats.org/officeDocument/2006/relationships" xmlns:p="http://schemas.openxmlformats.org/presentationml/2006/main">
   <p:cSld>
     <p:spTree>
       <p:nvGrpSpPr>
@@ -8147,7 +8314,9 @@
       <p:sp>
         <p:nvSpPr>
           <p:cNvPr id="218" name="Title 1"/>
-          <p:cNvSpPr txBox="1"/>
+          <p:cNvSpPr txBox="1">
+            <a:spLocks noGrp="1"/>
+          </p:cNvSpPr>
           <p:nvPr>
             <p:ph type="ctrTitle"/>
           </p:nvPr>
@@ -8165,7 +8334,6 @@
           <a:bodyPr/>
           <a:lstStyle/>
           <a:p>
-            <a:pPr/>
             <a:r>
               <a:t>Terraform Onboarding</a:t>
             </a:r>
@@ -8175,7 +8343,9 @@
       <p:sp>
         <p:nvSpPr>
           <p:cNvPr id="219" name="Subtitle 2"/>
-          <p:cNvSpPr txBox="1"/>
+          <p:cNvSpPr txBox="1">
+            <a:spLocks noGrp="1"/>
+          </p:cNvSpPr>
           <p:nvPr>
             <p:ph type="subTitle" sz="quarter" idx="1"/>
           </p:nvPr>
@@ -8193,10 +8363,11 @@
           <a:bodyPr/>
           <a:lstStyle/>
           <a:p>
-            <a:pPr/>
-            <a:r>
-              <a:t>SAAS</a:t>
-            </a:r>
+            <a:r>
+              <a:rPr lang="en-US" dirty="0"/>
+              <a:t>Network </a:t>
+            </a:r>
+            <a:endParaRPr dirty="0"/>
           </a:p>
         </p:txBody>
       </p:sp>
@@ -8205,12 +8376,12 @@
   <p:clrMapOvr>
     <a:masterClrMapping/>
   </p:clrMapOvr>
-  <p:transition xmlns:p14="http://schemas.microsoft.com/office/powerpoint/2010/main" spd="med" advClick="1"/>
+  <p:transition spd="med"/>
 </p:sld>
 </file>
 
 <file path=ppt/slides/slide2.xml><?xml version="1.0" encoding="utf-8"?>
-<p:sld xmlns:a="http://schemas.openxmlformats.org/drawingml/2006/main" xmlns:r="http://schemas.openxmlformats.org/officeDocument/2006/relationships" xmlns:p="http://schemas.openxmlformats.org/presentationml/2006/main" xmlns:m="http://schemas.openxmlformats.org/officeDocument/2006/math" xmlns:a14="http://schemas.microsoft.com/office/drawing/2010/main" showMasterSp="1" showMasterPhAnim="1">
+<p:sld xmlns:a="http://schemas.openxmlformats.org/drawingml/2006/main" xmlns:r="http://schemas.openxmlformats.org/officeDocument/2006/relationships" xmlns:p="http://schemas.openxmlformats.org/presentationml/2006/main">
   <p:cSld>
     <p:spTree>
       <p:nvGrpSpPr>
@@ -8245,7 +8416,7 @@
           </a:ln>
           <a:extLst>
             <a:ext uri="{C572A759-6A51-4108-AA02-DFA0A04FC94B}">
-              <ma14:wrappingTextBoxFlag xmlns:ma14="http://schemas.microsoft.com/office/mac/drawingml/2011/main" val="1"/>
+              <ma14:wrappingTextBoxFlag xmlns:ma14="http://schemas.microsoft.com/office/mac/drawingml/2011/main" xmlns:a14="http://schemas.microsoft.com/office/drawing/2010/main" xmlns:m="http://schemas.openxmlformats.org/officeDocument/2006/math" xmlns="" val="1"/>
             </a:ext>
           </a:extLst>
         </p:spPr>
@@ -8263,7 +8434,6 @@
             </a:lvl1pPr>
           </a:lstStyle>
           <a:p>
-            <a:pPr/>
             <a:r>
               <a:t>Terraform Onboarding</a:t>
             </a:r>
@@ -8273,7 +8443,9 @@
       <p:sp>
         <p:nvSpPr>
           <p:cNvPr id="222" name="Title 1"/>
-          <p:cNvSpPr txBox="1"/>
+          <p:cNvSpPr txBox="1">
+            <a:spLocks noGrp="1"/>
+          </p:cNvSpPr>
           <p:nvPr>
             <p:ph type="title"/>
           </p:nvPr>
@@ -8287,7 +8459,6 @@
           <a:bodyPr/>
           <a:lstStyle/>
           <a:p>
-            <a:pPr/>
             <a:r>
               <a:t>Agenda</a:t>
             </a:r>
@@ -8297,7 +8468,9 @@
       <p:sp>
         <p:nvSpPr>
           <p:cNvPr id="223" name="Content Placeholder 2"/>
-          <p:cNvSpPr txBox="1"/>
+          <p:cNvSpPr txBox="1">
+            <a:spLocks noGrp="1"/>
+          </p:cNvSpPr>
           <p:nvPr>
             <p:ph type="body" sz="half" idx="1"/>
           </p:nvPr>
@@ -8315,7 +8488,6 @@
           <a:bodyPr/>
           <a:lstStyle/>
           <a:p>
-            <a:pPr/>
             <a:r>
               <a:t>Introduction</a:t>
             </a:r>
@@ -8337,25 +8509,21 @@
             </a:r>
           </a:p>
           <a:p>
-            <a:pPr/>
             <a:r>
               <a:t>Plan</a:t>
             </a:r>
           </a:p>
           <a:p>
-            <a:pPr/>
             <a:r>
               <a:t>Architecture</a:t>
             </a:r>
           </a:p>
           <a:p>
-            <a:pPr/>
             <a:r>
               <a:t>How it works</a:t>
             </a:r>
           </a:p>
           <a:p>
-            <a:pPr/>
             <a:r>
               <a:t>Demo</a:t>
             </a:r>
@@ -8381,7 +8549,7 @@
           </a:ln>
           <a:extLst>
             <a:ext uri="{C572A759-6A51-4108-AA02-DFA0A04FC94B}">
-              <ma14:wrappingTextBoxFlag xmlns:ma14="http://schemas.microsoft.com/office/mac/drawingml/2011/main" val="1"/>
+              <ma14:wrappingTextBoxFlag xmlns:ma14="http://schemas.microsoft.com/office/mac/drawingml/2011/main" xmlns:a14="http://schemas.microsoft.com/office/drawing/2010/main" xmlns:m="http://schemas.openxmlformats.org/officeDocument/2006/math" xmlns="" val="1"/>
             </a:ext>
           </a:extLst>
         </p:spPr>
@@ -8399,7 +8567,6 @@
             </a:lvl1pPr>
           </a:lstStyle>
           <a:p>
-            <a:pPr/>
             <a:r>
               <a:t>11/22/2022</a:t>
             </a:r>
@@ -8409,7 +8576,9 @@
       <p:sp>
         <p:nvSpPr>
           <p:cNvPr id="225" name="Slide Number Placeholder 5"/>
-          <p:cNvSpPr txBox="1"/>
+          <p:cNvSpPr txBox="1">
+            <a:spLocks noGrp="1"/>
+          </p:cNvSpPr>
           <p:nvPr>
             <p:ph type="sldNum" sz="quarter" idx="2"/>
           </p:nvPr>
@@ -8424,7 +8593,7 @@
           </a:prstGeom>
           <a:extLst>
             <a:ext uri="{C572A759-6A51-4108-AA02-DFA0A04FC94B}">
-              <ma14:wrappingTextBoxFlag xmlns:ma14="http://schemas.microsoft.com/office/mac/drawingml/2011/main" val="1"/>
+              <ma14:wrappingTextBoxFlag xmlns:ma14="http://schemas.microsoft.com/office/mac/drawingml/2011/main" xmlns:a14="http://schemas.microsoft.com/office/drawing/2010/main" xmlns:m="http://schemas.openxmlformats.org/officeDocument/2006/math" xmlns="" val="1"/>
             </a:ext>
           </a:extLst>
         </p:spPr>
@@ -8432,8 +8601,10 @@
           <a:bodyPr/>
           <a:lstStyle/>
           <a:p>
-            <a:pPr/>
-            <a:fld id="{86CB4B4D-7CA3-9044-876B-883B54F8677D}" type="slidenum"/>
+            <a:fld id="{86CB4B4D-7CA3-9044-876B-883B54F8677D}" type="slidenum">
+              <a:t>2</a:t>
+            </a:fld>
+            <a:endParaRPr/>
           </a:p>
         </p:txBody>
       </p:sp>
@@ -8442,12 +8613,12 @@
   <p:clrMapOvr>
     <a:masterClrMapping/>
   </p:clrMapOvr>
-  <p:transition xmlns:p14="http://schemas.microsoft.com/office/powerpoint/2010/main" spd="med" advClick="1"/>
+  <p:transition spd="med"/>
 </p:sld>
 </file>
 
 <file path=ppt/slides/slide3.xml><?xml version="1.0" encoding="utf-8"?>
-<p:sld xmlns:a="http://schemas.openxmlformats.org/drawingml/2006/main" xmlns:r="http://schemas.openxmlformats.org/officeDocument/2006/relationships" xmlns:p="http://schemas.openxmlformats.org/presentationml/2006/main" xmlns:m="http://schemas.openxmlformats.org/officeDocument/2006/math" xmlns:a14="http://schemas.microsoft.com/office/drawing/2010/main" showMasterSp="1" showMasterPhAnim="1">
+<p:sld xmlns:a="http://schemas.openxmlformats.org/drawingml/2006/main" xmlns:r="http://schemas.openxmlformats.org/officeDocument/2006/relationships" xmlns:p="http://schemas.openxmlformats.org/presentationml/2006/main">
   <p:cSld>
     <p:spTree>
       <p:nvGrpSpPr>
@@ -8482,7 +8653,7 @@
           </a:ln>
           <a:extLst>
             <a:ext uri="{C572A759-6A51-4108-AA02-DFA0A04FC94B}">
-              <ma14:wrappingTextBoxFlag xmlns:ma14="http://schemas.microsoft.com/office/mac/drawingml/2011/main" val="1"/>
+              <ma14:wrappingTextBoxFlag xmlns:ma14="http://schemas.microsoft.com/office/mac/drawingml/2011/main" xmlns:a14="http://schemas.microsoft.com/office/drawing/2010/main" xmlns:m="http://schemas.openxmlformats.org/officeDocument/2006/math" xmlns="" val="1"/>
             </a:ext>
           </a:extLst>
         </p:spPr>
@@ -8500,7 +8671,6 @@
             </a:lvl1pPr>
           </a:lstStyle>
           <a:p>
-            <a:pPr/>
             <a:r>
               <a:t>Terraform Onboarding</a:t>
             </a:r>
@@ -8510,7 +8680,9 @@
       <p:sp>
         <p:nvSpPr>
           <p:cNvPr id="228" name="Title 1"/>
-          <p:cNvSpPr txBox="1"/>
+          <p:cNvSpPr txBox="1">
+            <a:spLocks noGrp="1"/>
+          </p:cNvSpPr>
           <p:nvPr>
             <p:ph type="title"/>
           </p:nvPr>
@@ -8524,7 +8696,6 @@
           <a:bodyPr/>
           <a:lstStyle/>
           <a:p>
-            <a:pPr/>
             <a:r>
               <a:t>Introduction</a:t>
             </a:r>
@@ -8534,7 +8705,9 @@
       <p:sp>
         <p:nvSpPr>
           <p:cNvPr id="229" name="Content Placeholder 2"/>
-          <p:cNvSpPr txBox="1"/>
+          <p:cNvSpPr txBox="1">
+            <a:spLocks noGrp="1"/>
+          </p:cNvSpPr>
           <p:nvPr>
             <p:ph type="body" idx="1"/>
           </p:nvPr>
@@ -8557,7 +8730,6 @@
             </a:lvl1pPr>
           </a:lstStyle>
           <a:p>
-            <a:pPr/>
             <a:r>
               <a:t>Converting UI/manual creation and maintenance of DataDog Monitors and PagerDuty resources (currently Users, Teams, Services, Escalation Policies and Schedules) into code-managed Terraform modules.</a:t>
             </a:r>
@@ -8583,7 +8755,7 @@
           </a:ln>
           <a:extLst>
             <a:ext uri="{C572A759-6A51-4108-AA02-DFA0A04FC94B}">
-              <ma14:wrappingTextBoxFlag xmlns:ma14="http://schemas.microsoft.com/office/mac/drawingml/2011/main" val="1"/>
+              <ma14:wrappingTextBoxFlag xmlns:ma14="http://schemas.microsoft.com/office/mac/drawingml/2011/main" xmlns:a14="http://schemas.microsoft.com/office/drawing/2010/main" xmlns:m="http://schemas.openxmlformats.org/officeDocument/2006/math" xmlns="" val="1"/>
             </a:ext>
           </a:extLst>
         </p:spPr>
@@ -8601,7 +8773,6 @@
             </a:lvl1pPr>
           </a:lstStyle>
           <a:p>
-            <a:pPr/>
             <a:r>
               <a:t>11/22/2022</a:t>
             </a:r>
@@ -8611,7 +8782,9 @@
       <p:sp>
         <p:nvSpPr>
           <p:cNvPr id="231" name="Slide Number Placeholder 5"/>
-          <p:cNvSpPr txBox="1"/>
+          <p:cNvSpPr txBox="1">
+            <a:spLocks noGrp="1"/>
+          </p:cNvSpPr>
           <p:nvPr>
             <p:ph type="sldNum" sz="quarter" idx="2"/>
           </p:nvPr>
@@ -8626,7 +8799,7 @@
           </a:prstGeom>
           <a:extLst>
             <a:ext uri="{C572A759-6A51-4108-AA02-DFA0A04FC94B}">
-              <ma14:wrappingTextBoxFlag xmlns:ma14="http://schemas.microsoft.com/office/mac/drawingml/2011/main" val="1"/>
+              <ma14:wrappingTextBoxFlag xmlns:ma14="http://schemas.microsoft.com/office/mac/drawingml/2011/main" xmlns:a14="http://schemas.microsoft.com/office/drawing/2010/main" xmlns:m="http://schemas.openxmlformats.org/officeDocument/2006/math" xmlns="" val="1"/>
             </a:ext>
           </a:extLst>
         </p:spPr>
@@ -8634,8 +8807,10 @@
           <a:bodyPr/>
           <a:lstStyle/>
           <a:p>
-            <a:pPr/>
-            <a:fld id="{86CB4B4D-7CA3-9044-876B-883B54F8677D}" type="slidenum"/>
+            <a:fld id="{86CB4B4D-7CA3-9044-876B-883B54F8677D}" type="slidenum">
+              <a:t>3</a:t>
+            </a:fld>
+            <a:endParaRPr/>
           </a:p>
         </p:txBody>
       </p:sp>
@@ -8644,12 +8819,12 @@
   <p:clrMapOvr>
     <a:masterClrMapping/>
   </p:clrMapOvr>
-  <p:transition xmlns:p14="http://schemas.microsoft.com/office/powerpoint/2010/main" spd="med" advClick="1"/>
+  <p:transition spd="med"/>
 </p:sld>
 </file>
 
 <file path=ppt/slides/slide4.xml><?xml version="1.0" encoding="utf-8"?>
-<p:sld xmlns:a="http://schemas.openxmlformats.org/drawingml/2006/main" xmlns:r="http://schemas.openxmlformats.org/officeDocument/2006/relationships" xmlns:p="http://schemas.openxmlformats.org/presentationml/2006/main" xmlns:m="http://schemas.openxmlformats.org/officeDocument/2006/math" xmlns:a14="http://schemas.microsoft.com/office/drawing/2010/main" showMasterSp="1" showMasterPhAnim="1">
+<p:sld xmlns:a="http://schemas.openxmlformats.org/drawingml/2006/main" xmlns:r="http://schemas.openxmlformats.org/officeDocument/2006/relationships" xmlns:p="http://schemas.openxmlformats.org/presentationml/2006/main">
   <p:cSld>
     <p:spTree>
       <p:nvGrpSpPr>
@@ -8684,7 +8859,7 @@
           </a:ln>
           <a:extLst>
             <a:ext uri="{C572A759-6A51-4108-AA02-DFA0A04FC94B}">
-              <ma14:wrappingTextBoxFlag xmlns:ma14="http://schemas.microsoft.com/office/mac/drawingml/2011/main" val="1"/>
+              <ma14:wrappingTextBoxFlag xmlns:ma14="http://schemas.microsoft.com/office/mac/drawingml/2011/main" xmlns:a14="http://schemas.microsoft.com/office/drawing/2010/main" xmlns:m="http://schemas.openxmlformats.org/officeDocument/2006/math" xmlns="" val="1"/>
             </a:ext>
           </a:extLst>
         </p:spPr>
@@ -8702,7 +8877,6 @@
             </a:lvl1pPr>
           </a:lstStyle>
           <a:p>
-            <a:pPr/>
             <a:r>
               <a:t>Terraform Onboarding</a:t>
             </a:r>
@@ -8712,7 +8886,9 @@
       <p:sp>
         <p:nvSpPr>
           <p:cNvPr id="234" name="Title 1"/>
-          <p:cNvSpPr txBox="1"/>
+          <p:cNvSpPr txBox="1">
+            <a:spLocks noGrp="1"/>
+          </p:cNvSpPr>
           <p:nvPr>
             <p:ph type="title"/>
           </p:nvPr>
@@ -8738,7 +8914,6 @@
             </a:lvl1pPr>
           </a:lstStyle>
           <a:p>
-            <a:pPr/>
             <a:r>
               <a:t>Why are we doing this?</a:t>
             </a:r>
@@ -8748,7 +8923,9 @@
       <p:sp>
         <p:nvSpPr>
           <p:cNvPr id="235" name="Content Placeholder 2"/>
-          <p:cNvSpPr txBox="1"/>
+          <p:cNvSpPr txBox="1">
+            <a:spLocks noGrp="1"/>
+          </p:cNvSpPr>
           <p:nvPr>
             <p:ph type="body" idx="1"/>
           </p:nvPr>
@@ -8892,7 +9069,7 @@
           </a:ln>
           <a:extLst>
             <a:ext uri="{C572A759-6A51-4108-AA02-DFA0A04FC94B}">
-              <ma14:wrappingTextBoxFlag xmlns:ma14="http://schemas.microsoft.com/office/mac/drawingml/2011/main" val="1"/>
+              <ma14:wrappingTextBoxFlag xmlns:ma14="http://schemas.microsoft.com/office/mac/drawingml/2011/main" xmlns:a14="http://schemas.microsoft.com/office/drawing/2010/main" xmlns:m="http://schemas.openxmlformats.org/officeDocument/2006/math" xmlns="" val="1"/>
             </a:ext>
           </a:extLst>
         </p:spPr>
@@ -8910,7 +9087,6 @@
             </a:lvl1pPr>
           </a:lstStyle>
           <a:p>
-            <a:pPr/>
             <a:r>
               <a:t>11/22/2022</a:t>
             </a:r>
@@ -8920,7 +9096,9 @@
       <p:sp>
         <p:nvSpPr>
           <p:cNvPr id="237" name="Slide Number Placeholder 5"/>
-          <p:cNvSpPr txBox="1"/>
+          <p:cNvSpPr txBox="1">
+            <a:spLocks noGrp="1"/>
+          </p:cNvSpPr>
           <p:nvPr>
             <p:ph type="sldNum" sz="quarter" idx="2"/>
           </p:nvPr>
@@ -8935,7 +9113,7 @@
           </a:prstGeom>
           <a:extLst>
             <a:ext uri="{C572A759-6A51-4108-AA02-DFA0A04FC94B}">
-              <ma14:wrappingTextBoxFlag xmlns:ma14="http://schemas.microsoft.com/office/mac/drawingml/2011/main" val="1"/>
+              <ma14:wrappingTextBoxFlag xmlns:ma14="http://schemas.microsoft.com/office/mac/drawingml/2011/main" xmlns:a14="http://schemas.microsoft.com/office/drawing/2010/main" xmlns:m="http://schemas.openxmlformats.org/officeDocument/2006/math" xmlns="" val="1"/>
             </a:ext>
           </a:extLst>
         </p:spPr>
@@ -8943,8 +9121,10 @@
           <a:bodyPr/>
           <a:lstStyle/>
           <a:p>
-            <a:pPr/>
-            <a:fld id="{86CB4B4D-7CA3-9044-876B-883B54F8677D}" type="slidenum"/>
+            <a:fld id="{86CB4B4D-7CA3-9044-876B-883B54F8677D}" type="slidenum">
+              <a:t>4</a:t>
+            </a:fld>
+            <a:endParaRPr/>
           </a:p>
         </p:txBody>
       </p:sp>
@@ -8953,12 +9133,12 @@
   <p:clrMapOvr>
     <a:masterClrMapping/>
   </p:clrMapOvr>
-  <p:transition xmlns:p14="http://schemas.microsoft.com/office/powerpoint/2010/main" spd="med" advClick="1"/>
+  <p:transition spd="med"/>
 </p:sld>
 </file>
 
 <file path=ppt/slides/slide5.xml><?xml version="1.0" encoding="utf-8"?>
-<p:sld xmlns:a="http://schemas.openxmlformats.org/drawingml/2006/main" xmlns:r="http://schemas.openxmlformats.org/officeDocument/2006/relationships" xmlns:p="http://schemas.openxmlformats.org/presentationml/2006/main" xmlns:m="http://schemas.openxmlformats.org/officeDocument/2006/math" xmlns:a14="http://schemas.microsoft.com/office/drawing/2010/main" showMasterSp="1" showMasterPhAnim="1">
+<p:sld xmlns:a="http://schemas.openxmlformats.org/drawingml/2006/main" xmlns:r="http://schemas.openxmlformats.org/officeDocument/2006/relationships" xmlns:p="http://schemas.openxmlformats.org/presentationml/2006/main">
   <p:cSld>
     <p:spTree>
       <p:nvGrpSpPr>
@@ -8993,7 +9173,7 @@
           </a:ln>
           <a:extLst>
             <a:ext uri="{C572A759-6A51-4108-AA02-DFA0A04FC94B}">
-              <ma14:wrappingTextBoxFlag xmlns:ma14="http://schemas.microsoft.com/office/mac/drawingml/2011/main" val="1"/>
+              <ma14:wrappingTextBoxFlag xmlns:ma14="http://schemas.microsoft.com/office/mac/drawingml/2011/main" xmlns:a14="http://schemas.microsoft.com/office/drawing/2010/main" xmlns:m="http://schemas.openxmlformats.org/officeDocument/2006/math" xmlns="" val="1"/>
             </a:ext>
           </a:extLst>
         </p:spPr>
@@ -9011,7 +9191,6 @@
             </a:lvl1pPr>
           </a:lstStyle>
           <a:p>
-            <a:pPr/>
             <a:r>
               <a:t>Terraform Onboarding</a:t>
             </a:r>
@@ -9021,7 +9200,9 @@
       <p:sp>
         <p:nvSpPr>
           <p:cNvPr id="240" name="Title 1"/>
-          <p:cNvSpPr txBox="1"/>
+          <p:cNvSpPr txBox="1">
+            <a:spLocks noGrp="1"/>
+          </p:cNvSpPr>
           <p:nvPr>
             <p:ph type="title"/>
           </p:nvPr>
@@ -9035,7 +9216,6 @@
           <a:bodyPr/>
           <a:lstStyle/>
           <a:p>
-            <a:pPr/>
             <a:r>
               <a:t>Plan</a:t>
             </a:r>
@@ -9051,9 +9231,9 @@
         <p:grpSpPr>
           <a:xfrm>
             <a:off x="1251312" y="2082555"/>
-            <a:ext cx="9689374" cy="3940871"/>
+            <a:ext cx="9689375" cy="3940873"/>
             <a:chOff x="0" y="0"/>
-            <a:chExt cx="9689373" cy="3940869"/>
+            <a:chExt cx="9689374" cy="3940871"/>
           </a:xfrm>
         </p:grpSpPr>
         <p:grpSp>
@@ -9112,6 +9292,7 @@
                     </a:solidFill>
                   </a:defRPr>
                 </a:pPr>
+                <a:endParaRPr/>
               </a:p>
             </p:txBody>
           </p:sp>
@@ -9137,7 +9318,7 @@
               <a:effectLst/>
               <a:extLst>
                 <a:ext uri="{C572A759-6A51-4108-AA02-DFA0A04FC94B}">
-                  <ma14:wrappingTextBoxFlag xmlns:ma14="http://schemas.microsoft.com/office/mac/drawingml/2011/main" val="1"/>
+                  <ma14:wrappingTextBoxFlag xmlns:ma14="http://schemas.microsoft.com/office/mac/drawingml/2011/main" xmlns:a14="http://schemas.microsoft.com/office/drawing/2010/main" xmlns:m="http://schemas.openxmlformats.org/officeDocument/2006/math" xmlns="" val="1"/>
                 </a:ext>
               </a:extLst>
             </p:spPr>
@@ -9214,7 +9395,7 @@
             </a:bodyPr>
             <a:lstStyle/>
             <a:p>
-              <a:pPr/>
+              <a:endParaRPr/>
             </a:p>
           </p:txBody>
         </p:sp>
@@ -9227,9 +9408,9 @@
           <p:grpSpPr>
             <a:xfrm>
               <a:off x="1946787" y="0"/>
-              <a:ext cx="1892457" cy="3940870"/>
+              <a:ext cx="1892458" cy="3940871"/>
               <a:chOff x="0" y="0"/>
-              <a:chExt cx="1892455" cy="3940869"/>
+              <a:chExt cx="1892456" cy="3940870"/>
             </a:xfrm>
           </p:grpSpPr>
           <p:sp>
@@ -9274,6 +9455,7 @@
                     </a:solidFill>
                   </a:defRPr>
                 </a:pPr>
+                <a:endParaRPr/>
               </a:p>
             </p:txBody>
           </p:sp>
@@ -9286,7 +9468,7 @@
             <p:spPr>
               <a:xfrm>
                 <a:off x="0" y="1576347"/>
-                <a:ext cx="1892456" cy="1184657"/>
+                <a:ext cx="1892456" cy="1085424"/>
               </a:xfrm>
               <a:prstGeom prst="rect">
                 <a:avLst/>
@@ -9299,7 +9481,7 @@
               <a:effectLst/>
               <a:extLst>
                 <a:ext uri="{C572A759-6A51-4108-AA02-DFA0A04FC94B}">
-                  <ma14:wrappingTextBoxFlag xmlns:ma14="http://schemas.microsoft.com/office/mac/drawingml/2011/main" val="1"/>
+                  <ma14:wrappingTextBoxFlag xmlns:ma14="http://schemas.microsoft.com/office/mac/drawingml/2011/main" xmlns:a14="http://schemas.microsoft.com/office/drawing/2010/main" xmlns:m="http://schemas.openxmlformats.org/officeDocument/2006/math" xmlns="" val="1"/>
                 </a:ext>
               </a:extLst>
             </p:spPr>
@@ -9336,15 +9518,24 @@
                 </a:lvl2pPr>
               </a:lstStyle>
               <a:p>
-                <a:pPr/>
                 <a:r>
+                  <a:rPr dirty="0"/>
                   <a:t>Setup</a:t>
                 </a:r>
               </a:p>
               <a:p>
                 <a:pPr lvl="1"/>
                 <a:r>
-                  <a:t>Enable SAAS team members for the migration.</a:t>
+                  <a:rPr dirty="0"/>
+                  <a:t>Enable</a:t>
+                </a:r>
+                <a:r>
+                  <a:rPr lang="en-US" dirty="0"/>
+                  <a:t> network </a:t>
+                </a:r>
+                <a:r>
+                  <a:rPr dirty="0"/>
+                  <a:t>team members for the migration.</a:t>
                 </a:r>
               </a:p>
             </p:txBody>
@@ -9379,7 +9570,7 @@
             </a:bodyPr>
             <a:lstStyle/>
             <a:p>
-              <a:pPr/>
+              <a:endParaRPr/>
             </a:p>
           </p:txBody>
         </p:sp>
@@ -9439,6 +9630,7 @@
                     </a:solidFill>
                   </a:defRPr>
                 </a:pPr>
+                <a:endParaRPr/>
               </a:p>
             </p:txBody>
           </p:sp>
@@ -9464,7 +9656,7 @@
               <a:effectLst/>
               <a:extLst>
                 <a:ext uri="{C572A759-6A51-4108-AA02-DFA0A04FC94B}">
-                  <ma14:wrappingTextBoxFlag xmlns:ma14="http://schemas.microsoft.com/office/mac/drawingml/2011/main" val="1"/>
+                  <ma14:wrappingTextBoxFlag xmlns:ma14="http://schemas.microsoft.com/office/mac/drawingml/2011/main" xmlns:a14="http://schemas.microsoft.com/office/drawing/2010/main" xmlns:m="http://schemas.openxmlformats.org/officeDocument/2006/math" xmlns="" val="1"/>
                 </a:ext>
               </a:extLst>
             </p:spPr>
@@ -9501,7 +9693,6 @@
                 </a:lvl2pPr>
               </a:lstStyle>
               <a:p>
-                <a:pPr/>
                 <a:r>
                   <a:t>Migration</a:t>
                 </a:r>
@@ -9544,7 +9735,7 @@
             </a:bodyPr>
             <a:lstStyle/>
             <a:p>
-              <a:pPr/>
+              <a:endParaRPr/>
             </a:p>
           </p:txBody>
         </p:sp>
@@ -9604,6 +9795,7 @@
                     </a:solidFill>
                   </a:defRPr>
                 </a:pPr>
+                <a:endParaRPr/>
               </a:p>
             </p:txBody>
           </p:sp>
@@ -9629,7 +9821,7 @@
               <a:effectLst/>
               <a:extLst>
                 <a:ext uri="{C572A759-6A51-4108-AA02-DFA0A04FC94B}">
-                  <ma14:wrappingTextBoxFlag xmlns:ma14="http://schemas.microsoft.com/office/mac/drawingml/2011/main" val="1"/>
+                  <ma14:wrappingTextBoxFlag xmlns:ma14="http://schemas.microsoft.com/office/mac/drawingml/2011/main" xmlns:a14="http://schemas.microsoft.com/office/drawing/2010/main" xmlns:m="http://schemas.openxmlformats.org/officeDocument/2006/math" xmlns="" val="1"/>
                 </a:ext>
               </a:extLst>
             </p:spPr>
@@ -9666,7 +9858,6 @@
                 </a:lvl2pPr>
               </a:lstStyle>
               <a:p>
-                <a:pPr/>
                 <a:r>
                   <a:t>Review</a:t>
                 </a:r>
@@ -9709,7 +9900,7 @@
             </a:bodyPr>
             <a:lstStyle/>
             <a:p>
-              <a:pPr/>
+              <a:endParaRPr/>
             </a:p>
           </p:txBody>
         </p:sp>
@@ -9769,6 +9960,7 @@
                     </a:solidFill>
                   </a:defRPr>
                 </a:pPr>
+                <a:endParaRPr/>
               </a:p>
             </p:txBody>
           </p:sp>
@@ -9794,7 +9986,7 @@
               <a:effectLst/>
               <a:extLst>
                 <a:ext uri="{C572A759-6A51-4108-AA02-DFA0A04FC94B}">
-                  <ma14:wrappingTextBoxFlag xmlns:ma14="http://schemas.microsoft.com/office/mac/drawingml/2011/main" val="1"/>
+                  <ma14:wrappingTextBoxFlag xmlns:ma14="http://schemas.microsoft.com/office/mac/drawingml/2011/main" xmlns:a14="http://schemas.microsoft.com/office/drawing/2010/main" xmlns:m="http://schemas.openxmlformats.org/officeDocument/2006/math" xmlns="" val="1"/>
                 </a:ext>
               </a:extLst>
             </p:spPr>
@@ -9831,7 +10023,6 @@
                 </a:lvl2pPr>
               </a:lstStyle>
               <a:p>
-                <a:pPr/>
                 <a:r>
                   <a:t>Apply</a:t>
                 </a:r>
@@ -9874,7 +10065,7 @@
             </a:bodyPr>
             <a:lstStyle/>
             <a:p>
-              <a:pPr/>
+              <a:endParaRPr/>
             </a:p>
           </p:txBody>
         </p:sp>
@@ -9912,7 +10103,7 @@
             </a:bodyPr>
             <a:lstStyle/>
             <a:p>
-              <a:pPr/>
+              <a:endParaRPr/>
             </a:p>
           </p:txBody>
         </p:sp>
@@ -9936,7 +10127,7 @@
           </a:ln>
           <a:extLst>
             <a:ext uri="{C572A759-6A51-4108-AA02-DFA0A04FC94B}">
-              <ma14:wrappingTextBoxFlag xmlns:ma14="http://schemas.microsoft.com/office/mac/drawingml/2011/main" val="1"/>
+              <ma14:wrappingTextBoxFlag xmlns:ma14="http://schemas.microsoft.com/office/mac/drawingml/2011/main" xmlns:a14="http://schemas.microsoft.com/office/drawing/2010/main" xmlns:m="http://schemas.openxmlformats.org/officeDocument/2006/math" xmlns="" val="1"/>
             </a:ext>
           </a:extLst>
         </p:spPr>
@@ -9946,7 +10137,7 @@
           </a:bodyPr>
           <a:lstStyle>
             <a:lvl1pPr algn="ctr">
-              <a:defRPr b="1" sz="3600">
+              <a:defRPr sz="3600" b="1">
                 <a:solidFill>
                   <a:srgbClr val="FFFFFF"/>
                 </a:solidFill>
@@ -9954,7 +10145,6 @@
             </a:lvl1pPr>
           </a:lstStyle>
           <a:p>
-            <a:pPr/>
             <a:r>
               <a:t>1</a:t>
             </a:r>
@@ -9980,7 +10170,7 @@
           </a:ln>
           <a:extLst>
             <a:ext uri="{C572A759-6A51-4108-AA02-DFA0A04FC94B}">
-              <ma14:wrappingTextBoxFlag xmlns:ma14="http://schemas.microsoft.com/office/mac/drawingml/2011/main" val="1"/>
+              <ma14:wrappingTextBoxFlag xmlns:ma14="http://schemas.microsoft.com/office/mac/drawingml/2011/main" xmlns:a14="http://schemas.microsoft.com/office/drawing/2010/main" xmlns:m="http://schemas.openxmlformats.org/officeDocument/2006/math" xmlns="" val="1"/>
             </a:ext>
           </a:extLst>
         </p:spPr>
@@ -9990,7 +10180,7 @@
           </a:bodyPr>
           <a:lstStyle>
             <a:lvl1pPr algn="ctr">
-              <a:defRPr b="1" sz="3600">
+              <a:defRPr sz="3600" b="1">
                 <a:solidFill>
                   <a:srgbClr val="FFFFFF"/>
                 </a:solidFill>
@@ -9998,7 +10188,6 @@
             </a:lvl1pPr>
           </a:lstStyle>
           <a:p>
-            <a:pPr/>
             <a:r>
               <a:t>2</a:t>
             </a:r>
@@ -10024,7 +10213,7 @@
           </a:ln>
           <a:extLst>
             <a:ext uri="{C572A759-6A51-4108-AA02-DFA0A04FC94B}">
-              <ma14:wrappingTextBoxFlag xmlns:ma14="http://schemas.microsoft.com/office/mac/drawingml/2011/main" val="1"/>
+              <ma14:wrappingTextBoxFlag xmlns:ma14="http://schemas.microsoft.com/office/mac/drawingml/2011/main" xmlns:a14="http://schemas.microsoft.com/office/drawing/2010/main" xmlns:m="http://schemas.openxmlformats.org/officeDocument/2006/math" xmlns="" val="1"/>
             </a:ext>
           </a:extLst>
         </p:spPr>
@@ -10034,7 +10223,7 @@
           </a:bodyPr>
           <a:lstStyle>
             <a:lvl1pPr algn="ctr">
-              <a:defRPr b="1" sz="3600">
+              <a:defRPr sz="3600" b="1">
                 <a:solidFill>
                   <a:srgbClr val="FFFFFF"/>
                 </a:solidFill>
@@ -10042,7 +10231,6 @@
             </a:lvl1pPr>
           </a:lstStyle>
           <a:p>
-            <a:pPr/>
             <a:r>
               <a:t>3</a:t>
             </a:r>
@@ -10068,7 +10256,7 @@
           </a:ln>
           <a:extLst>
             <a:ext uri="{C572A759-6A51-4108-AA02-DFA0A04FC94B}">
-              <ma14:wrappingTextBoxFlag xmlns:ma14="http://schemas.microsoft.com/office/mac/drawingml/2011/main" val="1"/>
+              <ma14:wrappingTextBoxFlag xmlns:ma14="http://schemas.microsoft.com/office/mac/drawingml/2011/main" xmlns:a14="http://schemas.microsoft.com/office/drawing/2010/main" xmlns:m="http://schemas.openxmlformats.org/officeDocument/2006/math" xmlns="" val="1"/>
             </a:ext>
           </a:extLst>
         </p:spPr>
@@ -10078,7 +10266,7 @@
           </a:bodyPr>
           <a:lstStyle>
             <a:lvl1pPr algn="ctr">
-              <a:defRPr b="1" sz="3600">
+              <a:defRPr sz="3600" b="1">
                 <a:solidFill>
                   <a:srgbClr val="FFFFFF"/>
                 </a:solidFill>
@@ -10086,7 +10274,6 @@
             </a:lvl1pPr>
           </a:lstStyle>
           <a:p>
-            <a:pPr/>
             <a:r>
               <a:t>4</a:t>
             </a:r>
@@ -10112,7 +10299,7 @@
           </a:ln>
           <a:extLst>
             <a:ext uri="{C572A759-6A51-4108-AA02-DFA0A04FC94B}">
-              <ma14:wrappingTextBoxFlag xmlns:ma14="http://schemas.microsoft.com/office/mac/drawingml/2011/main" val="1"/>
+              <ma14:wrappingTextBoxFlag xmlns:ma14="http://schemas.microsoft.com/office/mac/drawingml/2011/main" xmlns:a14="http://schemas.microsoft.com/office/drawing/2010/main" xmlns:m="http://schemas.openxmlformats.org/officeDocument/2006/math" xmlns="" val="1"/>
             </a:ext>
           </a:extLst>
         </p:spPr>
@@ -10122,7 +10309,7 @@
           </a:bodyPr>
           <a:lstStyle>
             <a:lvl1pPr algn="ctr">
-              <a:defRPr b="1" sz="3600">
+              <a:defRPr sz="3600" b="1">
                 <a:solidFill>
                   <a:srgbClr val="FFFFFF"/>
                 </a:solidFill>
@@ -10130,7 +10317,6 @@
             </a:lvl1pPr>
           </a:lstStyle>
           <a:p>
-            <a:pPr/>
             <a:r>
               <a:t>5</a:t>
             </a:r>
@@ -10156,7 +10342,7 @@
           </a:ln>
           <a:extLst>
             <a:ext uri="{C572A759-6A51-4108-AA02-DFA0A04FC94B}">
-              <ma14:wrappingTextBoxFlag xmlns:ma14="http://schemas.microsoft.com/office/mac/drawingml/2011/main" val="1"/>
+              <ma14:wrappingTextBoxFlag xmlns:ma14="http://schemas.microsoft.com/office/mac/drawingml/2011/main" xmlns:a14="http://schemas.microsoft.com/office/drawing/2010/main" xmlns:m="http://schemas.openxmlformats.org/officeDocument/2006/math" xmlns="" val="1"/>
             </a:ext>
           </a:extLst>
         </p:spPr>
@@ -10174,7 +10360,6 @@
             </a:lvl1pPr>
           </a:lstStyle>
           <a:p>
-            <a:pPr/>
             <a:r>
               <a:t>11/22/2022</a:t>
             </a:r>
@@ -10184,7 +10369,9 @@
       <p:sp>
         <p:nvSpPr>
           <p:cNvPr id="269" name="Slide Number Placeholder 11"/>
-          <p:cNvSpPr txBox="1"/>
+          <p:cNvSpPr txBox="1">
+            <a:spLocks noGrp="1"/>
+          </p:cNvSpPr>
           <p:nvPr>
             <p:ph type="sldNum" sz="quarter" idx="2"/>
           </p:nvPr>
@@ -10199,7 +10386,7 @@
           </a:prstGeom>
           <a:extLst>
             <a:ext uri="{C572A759-6A51-4108-AA02-DFA0A04FC94B}">
-              <ma14:wrappingTextBoxFlag xmlns:ma14="http://schemas.microsoft.com/office/mac/drawingml/2011/main" val="1"/>
+              <ma14:wrappingTextBoxFlag xmlns:ma14="http://schemas.microsoft.com/office/mac/drawingml/2011/main" xmlns:a14="http://schemas.microsoft.com/office/drawing/2010/main" xmlns:m="http://schemas.openxmlformats.org/officeDocument/2006/math" xmlns="" val="1"/>
             </a:ext>
           </a:extLst>
         </p:spPr>
@@ -10207,8 +10394,11 @@
           <a:bodyPr/>
           <a:lstStyle/>
           <a:p>
-            <a:pPr/>
-            <a:fld id="{86CB4B4D-7CA3-9044-876B-883B54F8677D}" type="slidenum"/>
+            <a:fld id="{86CB4B4D-7CA3-9044-876B-883B54F8677D}" type="slidenum">
+              <a:rPr/>
+              <a:t>5</a:t>
+            </a:fld>
+            <a:endParaRPr/>
           </a:p>
         </p:txBody>
       </p:sp>
@@ -10217,12 +10407,12 @@
   <p:clrMapOvr>
     <a:masterClrMapping/>
   </p:clrMapOvr>
-  <p:transition xmlns:p14="http://schemas.microsoft.com/office/powerpoint/2010/main" spd="med" advClick="1"/>
+  <p:transition spd="med"/>
 </p:sld>
 </file>
 
 <file path=ppt/slides/slide6.xml><?xml version="1.0" encoding="utf-8"?>
-<p:sld xmlns:a="http://schemas.openxmlformats.org/drawingml/2006/main" xmlns:r="http://schemas.openxmlformats.org/officeDocument/2006/relationships" xmlns:p="http://schemas.openxmlformats.org/presentationml/2006/main" xmlns:m="http://schemas.openxmlformats.org/officeDocument/2006/math" xmlns:a14="http://schemas.microsoft.com/office/drawing/2010/main" showMasterSp="1" showMasterPhAnim="1">
+<p:sld xmlns:a="http://schemas.openxmlformats.org/drawingml/2006/main" xmlns:r="http://schemas.openxmlformats.org/officeDocument/2006/relationships" xmlns:p="http://schemas.openxmlformats.org/presentationml/2006/main">
   <p:cSld>
     <p:spTree>
       <p:nvGrpSpPr>
@@ -10257,7 +10447,7 @@
           </a:ln>
           <a:extLst>
             <a:ext uri="{C572A759-6A51-4108-AA02-DFA0A04FC94B}">
-              <ma14:wrappingTextBoxFlag xmlns:ma14="http://schemas.microsoft.com/office/mac/drawingml/2011/main" val="1"/>
+              <ma14:wrappingTextBoxFlag xmlns:ma14="http://schemas.microsoft.com/office/mac/drawingml/2011/main" xmlns:a14="http://schemas.microsoft.com/office/drawing/2010/main" xmlns:m="http://schemas.openxmlformats.org/officeDocument/2006/math" xmlns="" val="1"/>
             </a:ext>
           </a:extLst>
         </p:spPr>
@@ -10275,7 +10465,6 @@
             </a:lvl1pPr>
           </a:lstStyle>
           <a:p>
-            <a:pPr/>
             <a:r>
               <a:t>Terraform Onboarding</a:t>
             </a:r>
@@ -10285,7 +10474,9 @@
       <p:sp>
         <p:nvSpPr>
           <p:cNvPr id="272" name="Title 1"/>
-          <p:cNvSpPr txBox="1"/>
+          <p:cNvSpPr txBox="1">
+            <a:spLocks noGrp="1"/>
+          </p:cNvSpPr>
           <p:nvPr>
             <p:ph type="title"/>
           </p:nvPr>
@@ -10299,7 +10490,6 @@
           <a:bodyPr/>
           <a:lstStyle/>
           <a:p>
-            <a:pPr/>
             <a:r>
               <a:t>Architecture</a:t>
             </a:r>
@@ -10325,7 +10515,7 @@
           </a:ln>
           <a:extLst>
             <a:ext uri="{C572A759-6A51-4108-AA02-DFA0A04FC94B}">
-              <ma14:wrappingTextBoxFlag xmlns:ma14="http://schemas.microsoft.com/office/mac/drawingml/2011/main" val="1"/>
+              <ma14:wrappingTextBoxFlag xmlns:ma14="http://schemas.microsoft.com/office/mac/drawingml/2011/main" xmlns:a14="http://schemas.microsoft.com/office/drawing/2010/main" xmlns:m="http://schemas.openxmlformats.org/officeDocument/2006/math" xmlns="" val="1"/>
             </a:ext>
           </a:extLst>
         </p:spPr>
@@ -10343,7 +10533,6 @@
             </a:lvl1pPr>
           </a:lstStyle>
           <a:p>
-            <a:pPr/>
             <a:r>
               <a:t>11/22/2022</a:t>
             </a:r>
@@ -10353,7 +10542,9 @@
       <p:sp>
         <p:nvSpPr>
           <p:cNvPr id="274" name="Slide Number Placeholder 6"/>
-          <p:cNvSpPr txBox="1"/>
+          <p:cNvSpPr txBox="1">
+            <a:spLocks noGrp="1"/>
+          </p:cNvSpPr>
           <p:nvPr>
             <p:ph type="sldNum" sz="quarter" idx="2"/>
           </p:nvPr>
@@ -10368,7 +10559,7 @@
           </a:prstGeom>
           <a:extLst>
             <a:ext uri="{C572A759-6A51-4108-AA02-DFA0A04FC94B}">
-              <ma14:wrappingTextBoxFlag xmlns:ma14="http://schemas.microsoft.com/office/mac/drawingml/2011/main" val="1"/>
+              <ma14:wrappingTextBoxFlag xmlns:ma14="http://schemas.microsoft.com/office/mac/drawingml/2011/main" xmlns:a14="http://schemas.microsoft.com/office/drawing/2010/main" xmlns:m="http://schemas.openxmlformats.org/officeDocument/2006/math" xmlns="" val="1"/>
             </a:ext>
           </a:extLst>
         </p:spPr>
@@ -10376,8 +10567,10 @@
           <a:bodyPr/>
           <a:lstStyle/>
           <a:p>
-            <a:pPr/>
-            <a:fld id="{86CB4B4D-7CA3-9044-876B-883B54F8677D}" type="slidenum"/>
+            <a:fld id="{86CB4B4D-7CA3-9044-876B-883B54F8677D}" type="slidenum">
+              <a:t>6</a:t>
+            </a:fld>
+            <a:endParaRPr/>
           </a:p>
         </p:txBody>
       </p:sp>
@@ -10390,9 +10583,7 @@
           <p:nvPr/>
         </p:nvPicPr>
         <p:blipFill>
-          <a:blip r:embed="rId2">
-            <a:extLst/>
-          </a:blip>
+          <a:blip r:embed="rId2"/>
           <a:stretch>
             <a:fillRect/>
           </a:stretch>
@@ -10415,12 +10606,12 @@
   <p:clrMapOvr>
     <a:masterClrMapping/>
   </p:clrMapOvr>
-  <p:transition xmlns:p14="http://schemas.microsoft.com/office/powerpoint/2010/main" spd="med" advClick="1"/>
+  <p:transition spd="med"/>
 </p:sld>
 </file>
 
 <file path=ppt/slides/slide7.xml><?xml version="1.0" encoding="utf-8"?>
-<p:sld xmlns:a="http://schemas.openxmlformats.org/drawingml/2006/main" xmlns:r="http://schemas.openxmlformats.org/officeDocument/2006/relationships" xmlns:p="http://schemas.openxmlformats.org/presentationml/2006/main" xmlns:m="http://schemas.openxmlformats.org/officeDocument/2006/math" xmlns:a14="http://schemas.microsoft.com/office/drawing/2010/main" showMasterSp="1" showMasterPhAnim="1">
+<p:sld xmlns:a="http://schemas.openxmlformats.org/drawingml/2006/main" xmlns:r="http://schemas.openxmlformats.org/officeDocument/2006/relationships" xmlns:p="http://schemas.openxmlformats.org/presentationml/2006/main">
   <p:cSld>
     <p:spTree>
       <p:nvGrpSpPr>
@@ -10455,7 +10646,7 @@
           </a:ln>
           <a:extLst>
             <a:ext uri="{C572A759-6A51-4108-AA02-DFA0A04FC94B}">
-              <ma14:wrappingTextBoxFlag xmlns:ma14="http://schemas.microsoft.com/office/mac/drawingml/2011/main" val="1"/>
+              <ma14:wrappingTextBoxFlag xmlns:ma14="http://schemas.microsoft.com/office/mac/drawingml/2011/main" xmlns:a14="http://schemas.microsoft.com/office/drawing/2010/main" xmlns:m="http://schemas.openxmlformats.org/officeDocument/2006/math" xmlns="" val="1"/>
             </a:ext>
           </a:extLst>
         </p:spPr>
@@ -10473,7 +10664,6 @@
             </a:lvl1pPr>
           </a:lstStyle>
           <a:p>
-            <a:pPr/>
             <a:r>
               <a:t>Terraform Onboarding</a:t>
             </a:r>
@@ -10483,7 +10673,9 @@
       <p:sp>
         <p:nvSpPr>
           <p:cNvPr id="278" name="Title 1"/>
-          <p:cNvSpPr txBox="1"/>
+          <p:cNvSpPr txBox="1">
+            <a:spLocks noGrp="1"/>
+          </p:cNvSpPr>
           <p:nvPr>
             <p:ph type="title"/>
           </p:nvPr>
@@ -10497,7 +10689,6 @@
           <a:bodyPr/>
           <a:lstStyle/>
           <a:p>
-            <a:pPr/>
             <a:r>
               <a:t>How it works</a:t>
             </a:r>
@@ -10523,7 +10714,7 @@
           </a:ln>
           <a:extLst>
             <a:ext uri="{C572A759-6A51-4108-AA02-DFA0A04FC94B}">
-              <ma14:wrappingTextBoxFlag xmlns:ma14="http://schemas.microsoft.com/office/mac/drawingml/2011/main" val="1"/>
+              <ma14:wrappingTextBoxFlag xmlns:ma14="http://schemas.microsoft.com/office/mac/drawingml/2011/main" xmlns:a14="http://schemas.microsoft.com/office/drawing/2010/main" xmlns:m="http://schemas.openxmlformats.org/officeDocument/2006/math" xmlns="" val="1"/>
             </a:ext>
           </a:extLst>
         </p:spPr>
@@ -10541,7 +10732,6 @@
             </a:lvl1pPr>
           </a:lstStyle>
           <a:p>
-            <a:pPr/>
             <a:r>
               <a:t>11/22/2022</a:t>
             </a:r>
@@ -10551,7 +10741,9 @@
       <p:sp>
         <p:nvSpPr>
           <p:cNvPr id="280" name="Slide Number Placeholder 5"/>
-          <p:cNvSpPr txBox="1"/>
+          <p:cNvSpPr txBox="1">
+            <a:spLocks noGrp="1"/>
+          </p:cNvSpPr>
           <p:nvPr>
             <p:ph type="sldNum" sz="quarter" idx="2"/>
           </p:nvPr>
@@ -10566,7 +10758,7 @@
           </a:prstGeom>
           <a:extLst>
             <a:ext uri="{C572A759-6A51-4108-AA02-DFA0A04FC94B}">
-              <ma14:wrappingTextBoxFlag xmlns:ma14="http://schemas.microsoft.com/office/mac/drawingml/2011/main" val="1"/>
+              <ma14:wrappingTextBoxFlag xmlns:ma14="http://schemas.microsoft.com/office/mac/drawingml/2011/main" xmlns:a14="http://schemas.microsoft.com/office/drawing/2010/main" xmlns:m="http://schemas.openxmlformats.org/officeDocument/2006/math" xmlns="" val="1"/>
             </a:ext>
           </a:extLst>
         </p:spPr>
@@ -10574,8 +10766,10 @@
           <a:bodyPr/>
           <a:lstStyle/>
           <a:p>
-            <a:pPr/>
-            <a:fld id="{86CB4B4D-7CA3-9044-876B-883B54F8677D}" type="slidenum"/>
+            <a:fld id="{86CB4B4D-7CA3-9044-876B-883B54F8677D}" type="slidenum">
+              <a:t>7</a:t>
+            </a:fld>
+            <a:endParaRPr/>
           </a:p>
         </p:txBody>
       </p:sp>
@@ -10588,9 +10782,7 @@
           <p:nvPr/>
         </p:nvPicPr>
         <p:blipFill>
-          <a:blip r:embed="rId2">
-            <a:extLst/>
-          </a:blip>
+          <a:blip r:embed="rId2"/>
           <a:stretch>
             <a:fillRect/>
           </a:stretch>
@@ -10613,12 +10805,12 @@
   <p:clrMapOvr>
     <a:masterClrMapping/>
   </p:clrMapOvr>
-  <p:transition xmlns:p14="http://schemas.microsoft.com/office/powerpoint/2010/main" spd="med" advClick="1"/>
+  <p:transition spd="med"/>
 </p:sld>
 </file>
 
 <file path=ppt/slides/slide8.xml><?xml version="1.0" encoding="utf-8"?>
-<p:sld xmlns:a="http://schemas.openxmlformats.org/drawingml/2006/main" xmlns:r="http://schemas.openxmlformats.org/officeDocument/2006/relationships" xmlns:p="http://schemas.openxmlformats.org/presentationml/2006/main" xmlns:m="http://schemas.openxmlformats.org/officeDocument/2006/math" xmlns:a14="http://schemas.microsoft.com/office/drawing/2010/main" showMasterSp="1" showMasterPhAnim="1">
+<p:sld xmlns:a="http://schemas.openxmlformats.org/drawingml/2006/main" xmlns:r="http://schemas.openxmlformats.org/officeDocument/2006/relationships" xmlns:p="http://schemas.openxmlformats.org/presentationml/2006/main">
   <p:cSld>
     <p:spTree>
       <p:nvGrpSpPr>
@@ -10653,7 +10845,7 @@
           </a:ln>
           <a:extLst>
             <a:ext uri="{C572A759-6A51-4108-AA02-DFA0A04FC94B}">
-              <ma14:wrappingTextBoxFlag xmlns:ma14="http://schemas.microsoft.com/office/mac/drawingml/2011/main" val="1"/>
+              <ma14:wrappingTextBoxFlag xmlns:ma14="http://schemas.microsoft.com/office/mac/drawingml/2011/main" xmlns:a14="http://schemas.microsoft.com/office/drawing/2010/main" xmlns:m="http://schemas.openxmlformats.org/officeDocument/2006/math" xmlns="" val="1"/>
             </a:ext>
           </a:extLst>
         </p:spPr>
@@ -10671,7 +10863,6 @@
             </a:lvl1pPr>
           </a:lstStyle>
           <a:p>
-            <a:pPr/>
             <a:r>
               <a:t>PRESENTATION TITLE</a:t>
             </a:r>
@@ -10681,7 +10872,9 @@
       <p:sp>
         <p:nvSpPr>
           <p:cNvPr id="284" name="Title 1"/>
-          <p:cNvSpPr txBox="1"/>
+          <p:cNvSpPr txBox="1">
+            <a:spLocks noGrp="1"/>
+          </p:cNvSpPr>
           <p:nvPr>
             <p:ph type="title"/>
           </p:nvPr>
@@ -10699,7 +10892,6 @@
           <a:bodyPr/>
           <a:lstStyle/>
           <a:p>
-            <a:pPr/>
             <a:r>
               <a:t>Demo</a:t>
             </a:r>
@@ -10725,7 +10917,7 @@
           </a:ln>
           <a:extLst>
             <a:ext uri="{C572A759-6A51-4108-AA02-DFA0A04FC94B}">
-              <ma14:wrappingTextBoxFlag xmlns:ma14="http://schemas.microsoft.com/office/mac/drawingml/2011/main" val="1"/>
+              <ma14:wrappingTextBoxFlag xmlns:ma14="http://schemas.microsoft.com/office/mac/drawingml/2011/main" xmlns:a14="http://schemas.microsoft.com/office/drawing/2010/main" xmlns:m="http://schemas.openxmlformats.org/officeDocument/2006/math" xmlns="" val="1"/>
             </a:ext>
           </a:extLst>
         </p:spPr>
@@ -10743,7 +10935,6 @@
             </a:lvl1pPr>
           </a:lstStyle>
           <a:p>
-            <a:pPr/>
             <a:r>
               <a:t>11/22/2022</a:t>
             </a:r>
@@ -10753,7 +10944,9 @@
       <p:sp>
         <p:nvSpPr>
           <p:cNvPr id="286" name="Slide Number Placeholder 5"/>
-          <p:cNvSpPr txBox="1"/>
+          <p:cNvSpPr txBox="1">
+            <a:spLocks noGrp="1"/>
+          </p:cNvSpPr>
           <p:nvPr>
             <p:ph type="sldNum" sz="quarter" idx="2"/>
           </p:nvPr>
@@ -10768,7 +10961,7 @@
           </a:prstGeom>
           <a:extLst>
             <a:ext uri="{C572A759-6A51-4108-AA02-DFA0A04FC94B}">
-              <ma14:wrappingTextBoxFlag xmlns:ma14="http://schemas.microsoft.com/office/mac/drawingml/2011/main" val="1"/>
+              <ma14:wrappingTextBoxFlag xmlns:ma14="http://schemas.microsoft.com/office/mac/drawingml/2011/main" xmlns:a14="http://schemas.microsoft.com/office/drawing/2010/main" xmlns:m="http://schemas.openxmlformats.org/officeDocument/2006/math" xmlns="" val="1"/>
             </a:ext>
           </a:extLst>
         </p:spPr>
@@ -10776,8 +10969,10 @@
           <a:bodyPr/>
           <a:lstStyle/>
           <a:p>
-            <a:pPr/>
-            <a:fld id="{86CB4B4D-7CA3-9044-876B-883B54F8677D}" type="slidenum"/>
+            <a:fld id="{86CB4B4D-7CA3-9044-876B-883B54F8677D}" type="slidenum">
+              <a:t>8</a:t>
+            </a:fld>
+            <a:endParaRPr/>
           </a:p>
         </p:txBody>
       </p:sp>
@@ -10786,12 +10981,12 @@
   <p:clrMapOvr>
     <a:masterClrMapping/>
   </p:clrMapOvr>
-  <p:transition xmlns:p14="http://schemas.microsoft.com/office/powerpoint/2010/main" spd="med" advClick="1"/>
+  <p:transition spd="med"/>
 </p:sld>
 </file>
 
 <file path=ppt/slides/slide9.xml><?xml version="1.0" encoding="utf-8"?>
-<p:sld xmlns:a="http://schemas.openxmlformats.org/drawingml/2006/main" xmlns:r="http://schemas.openxmlformats.org/officeDocument/2006/relationships" xmlns:p="http://schemas.openxmlformats.org/presentationml/2006/main" xmlns:m="http://schemas.openxmlformats.org/officeDocument/2006/math" xmlns:a14="http://schemas.microsoft.com/office/drawing/2010/main" showMasterSp="1" showMasterPhAnim="1">
+<p:sld xmlns:a="http://schemas.openxmlformats.org/drawingml/2006/main" xmlns:r="http://schemas.openxmlformats.org/officeDocument/2006/relationships" xmlns:p="http://schemas.openxmlformats.org/presentationml/2006/main">
   <p:cSld>
     <p:spTree>
       <p:nvGrpSpPr>
@@ -10810,7 +11005,9 @@
       <p:sp>
         <p:nvSpPr>
           <p:cNvPr id="288" name="Title 1"/>
-          <p:cNvSpPr txBox="1"/>
+          <p:cNvSpPr txBox="1">
+            <a:spLocks noGrp="1"/>
+          </p:cNvSpPr>
           <p:nvPr>
             <p:ph type="title"/>
           </p:nvPr>
@@ -10824,7 +11021,6 @@
           <a:bodyPr/>
           <a:lstStyle/>
           <a:p>
-            <a:pPr/>
             <a:r>
               <a:t>Thank you</a:t>
             </a:r>
@@ -10836,12 +11032,12 @@
   <p:clrMapOvr>
     <a:masterClrMapping/>
   </p:clrMapOvr>
-  <p:transition xmlns:p14="http://schemas.microsoft.com/office/powerpoint/2010/main" spd="med" advClick="1"/>
+  <p:transition spd="med"/>
 </p:sld>
 </file>
 
 <file path=ppt/theme/theme1.xml><?xml version="1.0" encoding="utf-8"?>
-<a:theme xmlns:a="http://schemas.openxmlformats.org/drawingml/2006/main" xmlns:r="http://schemas.openxmlformats.org/officeDocument/2006/relationships" name="Office Theme">
+<a:theme xmlns:a="http://schemas.openxmlformats.org/drawingml/2006/main" name="Office Theme">
   <a:themeElements>
     <a:clrScheme name="Office Theme">
       <a:dk1>
@@ -11043,7 +11239,7 @@
         <a:effectLst/>
         <a:sp3d/>
       </a:spPr>
-      <a:bodyPr rot="0" spcFirstLastPara="1" vertOverflow="overflow" horzOverflow="overflow" vert="horz" wrap="square" lIns="45719" tIns="45719" rIns="45719" bIns="45719" numCol="1" spcCol="38100" rtlCol="0" anchor="ctr" upright="0">
+      <a:bodyPr rot="0" spcFirstLastPara="1" vertOverflow="overflow" horzOverflow="overflow" vert="horz" wrap="square" lIns="45719" tIns="45719" rIns="45719" bIns="45719" numCol="1" spcCol="38100" rtlCol="0" anchor="ctr">
         <a:spAutoFit/>
       </a:bodyPr>
       <a:lstStyle>
@@ -11062,7 +11258,7 @@
           <a:buFontTx/>
           <a:buNone/>
           <a:tabLst/>
-          <a:defRPr b="0" baseline="0" cap="none" i="0" spc="0" strike="noStrike" sz="1800" u="none" kumimoji="0" normalizeH="0">
+          <a:defRPr kumimoji="0" sz="1800" b="0" i="0" u="none" strike="noStrike" cap="none" spc="0" normalizeH="0" baseline="0">
             <a:ln>
               <a:noFill/>
             </a:ln>
@@ -11092,7 +11288,7 @@
           <a:buFontTx/>
           <a:buNone/>
           <a:tabLst/>
-          <a:defRPr b="0" baseline="0" cap="none" i="0" spc="0" strike="noStrike" sz="1800" u="none" kumimoji="0" normalizeH="0">
+          <a:defRPr kumimoji="0" sz="1800" b="0" i="0" u="none" strike="noStrike" cap="none" spc="0" normalizeH="0" baseline="0">
             <a:ln>
               <a:noFill/>
             </a:ln>
@@ -11118,7 +11314,7 @@
           <a:buFontTx/>
           <a:buNone/>
           <a:tabLst/>
-          <a:defRPr b="0" baseline="0" cap="none" i="0" spc="0" strike="noStrike" sz="1800" u="none" kumimoji="0" normalizeH="0">
+          <a:defRPr kumimoji="0" sz="1800" b="0" i="0" u="none" strike="noStrike" cap="none" spc="0" normalizeH="0" baseline="0">
             <a:ln>
               <a:noFill/>
             </a:ln>
@@ -11144,7 +11340,7 @@
           <a:buFontTx/>
           <a:buNone/>
           <a:tabLst/>
-          <a:defRPr b="0" baseline="0" cap="none" i="0" spc="0" strike="noStrike" sz="1800" u="none" kumimoji="0" normalizeH="0">
+          <a:defRPr kumimoji="0" sz="1800" b="0" i="0" u="none" strike="noStrike" cap="none" spc="0" normalizeH="0" baseline="0">
             <a:ln>
               <a:noFill/>
             </a:ln>
@@ -11170,7 +11366,7 @@
           <a:buFontTx/>
           <a:buNone/>
           <a:tabLst/>
-          <a:defRPr b="0" baseline="0" cap="none" i="0" spc="0" strike="noStrike" sz="1800" u="none" kumimoji="0" normalizeH="0">
+          <a:defRPr kumimoji="0" sz="1800" b="0" i="0" u="none" strike="noStrike" cap="none" spc="0" normalizeH="0" baseline="0">
             <a:ln>
               <a:noFill/>
             </a:ln>
@@ -11196,7 +11392,7 @@
           <a:buFontTx/>
           <a:buNone/>
           <a:tabLst/>
-          <a:defRPr b="0" baseline="0" cap="none" i="0" spc="0" strike="noStrike" sz="1800" u="none" kumimoji="0" normalizeH="0">
+          <a:defRPr kumimoji="0" sz="1800" b="0" i="0" u="none" strike="noStrike" cap="none" spc="0" normalizeH="0" baseline="0">
             <a:ln>
               <a:noFill/>
             </a:ln>
@@ -11222,7 +11418,7 @@
           <a:buFontTx/>
           <a:buNone/>
           <a:tabLst/>
-          <a:defRPr b="0" baseline="0" cap="none" i="0" spc="0" strike="noStrike" sz="1800" u="none" kumimoji="0" normalizeH="0">
+          <a:defRPr kumimoji="0" sz="1800" b="0" i="0" u="none" strike="noStrike" cap="none" spc="0" normalizeH="0" baseline="0">
             <a:ln>
               <a:noFill/>
             </a:ln>
@@ -11248,7 +11444,7 @@
           <a:buFontTx/>
           <a:buNone/>
           <a:tabLst/>
-          <a:defRPr b="0" baseline="0" cap="none" i="0" spc="0" strike="noStrike" sz="1800" u="none" kumimoji="0" normalizeH="0">
+          <a:defRPr kumimoji="0" sz="1800" b="0" i="0" u="none" strike="noStrike" cap="none" spc="0" normalizeH="0" baseline="0">
             <a:ln>
               <a:noFill/>
             </a:ln>
@@ -11274,7 +11470,7 @@
           <a:buFontTx/>
           <a:buNone/>
           <a:tabLst/>
-          <a:defRPr b="0" baseline="0" cap="none" i="0" spc="0" strike="noStrike" sz="1800" u="none" kumimoji="0" normalizeH="0">
+          <a:defRPr kumimoji="0" sz="1800" b="0" i="0" u="none" strike="noStrike" cap="none" spc="0" normalizeH="0" baseline="0">
             <a:ln>
               <a:noFill/>
             </a:ln>
@@ -11300,7 +11496,7 @@
           <a:buFontTx/>
           <a:buNone/>
           <a:tabLst/>
-          <a:defRPr b="0" baseline="0" cap="none" i="0" spc="0" strike="noStrike" sz="1800" u="none" kumimoji="0" normalizeH="0">
+          <a:defRPr kumimoji="0" sz="1800" b="0" i="0" u="none" strike="noStrike" cap="none" spc="0" normalizeH="0" baseline="0">
             <a:ln>
               <a:noFill/>
             </a:ln>
@@ -11313,9 +11509,15 @@
         </a:lvl9pPr>
       </a:lstStyle>
       <a:style>
-        <a:lnRef idx="0"/>
-        <a:fillRef idx="0"/>
-        <a:effectRef idx="0"/>
+        <a:lnRef idx="0">
+          <a:scrgbClr r="0" g="0" b="0"/>
+        </a:lnRef>
+        <a:fillRef idx="0">
+          <a:scrgbClr r="0" g="0" b="0"/>
+        </a:fillRef>
+        <a:effectRef idx="0">
+          <a:scrgbClr r="0" g="0" b="0"/>
+        </a:effectRef>
         <a:fontRef idx="none"/>
       </a:style>
     </a:spDef>
@@ -11332,7 +11534,7 @@
         <a:effectLst/>
         <a:sp3d/>
       </a:spPr>
-      <a:bodyPr rot="0" spcFirstLastPara="1" vertOverflow="overflow" horzOverflow="overflow" vert="horz" wrap="square" lIns="91439" tIns="45719" rIns="91439" bIns="45719" numCol="1" spcCol="38100" rtlCol="0" anchor="t" upright="0">
+      <a:bodyPr rot="0" spcFirstLastPara="1" vertOverflow="overflow" horzOverflow="overflow" vert="horz" wrap="square" lIns="91439" tIns="45719" rIns="91439" bIns="45719" numCol="1" spcCol="38100" rtlCol="0" anchor="t">
         <a:noAutofit/>
       </a:bodyPr>
       <a:lstStyle>
@@ -11351,7 +11553,7 @@
           <a:buFontTx/>
           <a:buNone/>
           <a:tabLst/>
-          <a:defRPr b="0" baseline="0" cap="none" i="0" spc="0" strike="noStrike" sz="1800" u="none" kumimoji="0" normalizeH="0">
+          <a:defRPr kumimoji="0" sz="1800" b="0" i="0" u="none" strike="noStrike" cap="none" spc="0" normalizeH="0" baseline="0">
             <a:ln>
               <a:noFill/>
             </a:ln>
@@ -11377,7 +11579,7 @@
           <a:buFontTx/>
           <a:buNone/>
           <a:tabLst/>
-          <a:defRPr b="0" baseline="0" cap="none" i="0" spc="0" strike="noStrike" sz="1800" u="none" kumimoji="0" normalizeH="0">
+          <a:defRPr kumimoji="0" sz="1800" b="0" i="0" u="none" strike="noStrike" cap="none" spc="0" normalizeH="0" baseline="0">
             <a:ln>
               <a:noFill/>
             </a:ln>
@@ -11403,7 +11605,7 @@
           <a:buFontTx/>
           <a:buNone/>
           <a:tabLst/>
-          <a:defRPr b="0" baseline="0" cap="none" i="0" spc="0" strike="noStrike" sz="1800" u="none" kumimoji="0" normalizeH="0">
+          <a:defRPr kumimoji="0" sz="1800" b="0" i="0" u="none" strike="noStrike" cap="none" spc="0" normalizeH="0" baseline="0">
             <a:ln>
               <a:noFill/>
             </a:ln>
@@ -11429,7 +11631,7 @@
           <a:buFontTx/>
           <a:buNone/>
           <a:tabLst/>
-          <a:defRPr b="0" baseline="0" cap="none" i="0" spc="0" strike="noStrike" sz="1800" u="none" kumimoji="0" normalizeH="0">
+          <a:defRPr kumimoji="0" sz="1800" b="0" i="0" u="none" strike="noStrike" cap="none" spc="0" normalizeH="0" baseline="0">
             <a:ln>
               <a:noFill/>
             </a:ln>
@@ -11455,7 +11657,7 @@
           <a:buFontTx/>
           <a:buNone/>
           <a:tabLst/>
-          <a:defRPr b="0" baseline="0" cap="none" i="0" spc="0" strike="noStrike" sz="1800" u="none" kumimoji="0" normalizeH="0">
+          <a:defRPr kumimoji="0" sz="1800" b="0" i="0" u="none" strike="noStrike" cap="none" spc="0" normalizeH="0" baseline="0">
             <a:ln>
               <a:noFill/>
             </a:ln>
@@ -11481,7 +11683,7 @@
           <a:buFontTx/>
           <a:buNone/>
           <a:tabLst/>
-          <a:defRPr b="0" baseline="0" cap="none" i="0" spc="0" strike="noStrike" sz="1800" u="none" kumimoji="0" normalizeH="0">
+          <a:defRPr kumimoji="0" sz="1800" b="0" i="0" u="none" strike="noStrike" cap="none" spc="0" normalizeH="0" baseline="0">
             <a:ln>
               <a:noFill/>
             </a:ln>
@@ -11507,7 +11709,7 @@
           <a:buFontTx/>
           <a:buNone/>
           <a:tabLst/>
-          <a:defRPr b="0" baseline="0" cap="none" i="0" spc="0" strike="noStrike" sz="1800" u="none" kumimoji="0" normalizeH="0">
+          <a:defRPr kumimoji="0" sz="1800" b="0" i="0" u="none" strike="noStrike" cap="none" spc="0" normalizeH="0" baseline="0">
             <a:ln>
               <a:noFill/>
             </a:ln>
@@ -11533,7 +11735,7 @@
           <a:buFontTx/>
           <a:buNone/>
           <a:tabLst/>
-          <a:defRPr b="0" baseline="0" cap="none" i="0" spc="0" strike="noStrike" sz="1800" u="none" kumimoji="0" normalizeH="0">
+          <a:defRPr kumimoji="0" sz="1800" b="0" i="0" u="none" strike="noStrike" cap="none" spc="0" normalizeH="0" baseline="0">
             <a:ln>
               <a:noFill/>
             </a:ln>
@@ -11559,7 +11761,7 @@
           <a:buFontTx/>
           <a:buNone/>
           <a:tabLst/>
-          <a:defRPr b="0" baseline="0" cap="none" i="0" spc="0" strike="noStrike" sz="1800" u="none" kumimoji="0" normalizeH="0">
+          <a:defRPr kumimoji="0" sz="1800" b="0" i="0" u="none" strike="noStrike" cap="none" spc="0" normalizeH="0" baseline="0">
             <a:ln>
               <a:noFill/>
             </a:ln>
@@ -11585,7 +11787,7 @@
           <a:buFontTx/>
           <a:buNone/>
           <a:tabLst/>
-          <a:defRPr b="0" baseline="0" cap="none" i="0" spc="0" strike="noStrike" sz="1800" u="none" kumimoji="0" normalizeH="0">
+          <a:defRPr kumimoji="0" sz="1800" b="0" i="0" u="none" strike="noStrike" cap="none" spc="0" normalizeH="0" baseline="0">
             <a:ln>
               <a:noFill/>
             </a:ln>
@@ -11598,9 +11800,15 @@
         </a:lvl9pPr>
       </a:lstStyle>
       <a:style>
-        <a:lnRef idx="0"/>
-        <a:fillRef idx="0"/>
-        <a:effectRef idx="0"/>
+        <a:lnRef idx="0">
+          <a:scrgbClr r="0" g="0" b="0"/>
+        </a:lnRef>
+        <a:fillRef idx="0">
+          <a:scrgbClr r="0" g="0" b="0"/>
+        </a:fillRef>
+        <a:effectRef idx="0">
+          <a:scrgbClr r="0" g="0" b="0"/>
+        </a:effectRef>
         <a:fontRef idx="none"/>
       </a:style>
     </a:lnDef>
@@ -11614,7 +11822,7 @@
         <a:effectLst/>
         <a:sp3d/>
       </a:spPr>
-      <a:bodyPr rot="0" spcFirstLastPara="1" vertOverflow="overflow" horzOverflow="overflow" vert="horz" wrap="square" lIns="45719" tIns="45719" rIns="45719" bIns="45719" numCol="1" spcCol="38100" rtlCol="0" anchor="t" upright="0">
+      <a:bodyPr rot="0" spcFirstLastPara="1" vertOverflow="overflow" horzOverflow="overflow" vert="horz" wrap="square" lIns="45719" tIns="45719" rIns="45719" bIns="45719" numCol="1" spcCol="38100" rtlCol="0" anchor="t">
         <a:spAutoFit/>
       </a:bodyPr>
       <a:lstStyle>
@@ -11633,7 +11841,7 @@
           <a:buFontTx/>
           <a:buNone/>
           <a:tabLst/>
-          <a:defRPr b="0" baseline="0" cap="none" i="0" spc="0" strike="noStrike" sz="1800" u="none" kumimoji="0" normalizeH="0">
+          <a:defRPr kumimoji="0" sz="1800" b="0" i="0" u="none" strike="noStrike" cap="none" spc="0" normalizeH="0" baseline="0">
             <a:ln>
               <a:noFill/>
             </a:ln>
@@ -11663,7 +11871,7 @@
           <a:buFontTx/>
           <a:buNone/>
           <a:tabLst/>
-          <a:defRPr b="0" baseline="0" cap="none" i="0" spc="0" strike="noStrike" sz="1800" u="none" kumimoji="0" normalizeH="0">
+          <a:defRPr kumimoji="0" sz="1800" b="0" i="0" u="none" strike="noStrike" cap="none" spc="0" normalizeH="0" baseline="0">
             <a:ln>
               <a:noFill/>
             </a:ln>
@@ -11689,7 +11897,7 @@
           <a:buFontTx/>
           <a:buNone/>
           <a:tabLst/>
-          <a:defRPr b="0" baseline="0" cap="none" i="0" spc="0" strike="noStrike" sz="1800" u="none" kumimoji="0" normalizeH="0">
+          <a:defRPr kumimoji="0" sz="1800" b="0" i="0" u="none" strike="noStrike" cap="none" spc="0" normalizeH="0" baseline="0">
             <a:ln>
               <a:noFill/>
             </a:ln>
@@ -11715,7 +11923,7 @@
           <a:buFontTx/>
           <a:buNone/>
           <a:tabLst/>
-          <a:defRPr b="0" baseline="0" cap="none" i="0" spc="0" strike="noStrike" sz="1800" u="none" kumimoji="0" normalizeH="0">
+          <a:defRPr kumimoji="0" sz="1800" b="0" i="0" u="none" strike="noStrike" cap="none" spc="0" normalizeH="0" baseline="0">
             <a:ln>
               <a:noFill/>
             </a:ln>
@@ -11741,7 +11949,7 @@
           <a:buFontTx/>
           <a:buNone/>
           <a:tabLst/>
-          <a:defRPr b="0" baseline="0" cap="none" i="0" spc="0" strike="noStrike" sz="1800" u="none" kumimoji="0" normalizeH="0">
+          <a:defRPr kumimoji="0" sz="1800" b="0" i="0" u="none" strike="noStrike" cap="none" spc="0" normalizeH="0" baseline="0">
             <a:ln>
               <a:noFill/>
             </a:ln>
@@ -11767,7 +11975,7 @@
           <a:buFontTx/>
           <a:buNone/>
           <a:tabLst/>
-          <a:defRPr b="0" baseline="0" cap="none" i="0" spc="0" strike="noStrike" sz="1800" u="none" kumimoji="0" normalizeH="0">
+          <a:defRPr kumimoji="0" sz="1800" b="0" i="0" u="none" strike="noStrike" cap="none" spc="0" normalizeH="0" baseline="0">
             <a:ln>
               <a:noFill/>
             </a:ln>
@@ -11793,7 +12001,7 @@
           <a:buFontTx/>
           <a:buNone/>
           <a:tabLst/>
-          <a:defRPr b="0" baseline="0" cap="none" i="0" spc="0" strike="noStrike" sz="1800" u="none" kumimoji="0" normalizeH="0">
+          <a:defRPr kumimoji="0" sz="1800" b="0" i="0" u="none" strike="noStrike" cap="none" spc="0" normalizeH="0" baseline="0">
             <a:ln>
               <a:noFill/>
             </a:ln>
@@ -11819,7 +12027,7 @@
           <a:buFontTx/>
           <a:buNone/>
           <a:tabLst/>
-          <a:defRPr b="0" baseline="0" cap="none" i="0" spc="0" strike="noStrike" sz="1800" u="none" kumimoji="0" normalizeH="0">
+          <a:defRPr kumimoji="0" sz="1800" b="0" i="0" u="none" strike="noStrike" cap="none" spc="0" normalizeH="0" baseline="0">
             <a:ln>
               <a:noFill/>
             </a:ln>
@@ -11845,7 +12053,7 @@
           <a:buFontTx/>
           <a:buNone/>
           <a:tabLst/>
-          <a:defRPr b="0" baseline="0" cap="none" i="0" spc="0" strike="noStrike" sz="1800" u="none" kumimoji="0" normalizeH="0">
+          <a:defRPr kumimoji="0" sz="1800" b="0" i="0" u="none" strike="noStrike" cap="none" spc="0" normalizeH="0" baseline="0">
             <a:ln>
               <a:noFill/>
             </a:ln>
@@ -11871,7 +12079,7 @@
           <a:buFontTx/>
           <a:buNone/>
           <a:tabLst/>
-          <a:defRPr b="0" baseline="0" cap="none" i="0" spc="0" strike="noStrike" sz="1800" u="none" kumimoji="0" normalizeH="0">
+          <a:defRPr kumimoji="0" sz="1800" b="0" i="0" u="none" strike="noStrike" cap="none" spc="0" normalizeH="0" baseline="0">
             <a:ln>
               <a:noFill/>
             </a:ln>
@@ -11884,18 +12092,25 @@
         </a:lvl9pPr>
       </a:lstStyle>
       <a:style>
-        <a:lnRef idx="0"/>
-        <a:fillRef idx="0"/>
-        <a:effectRef idx="0"/>
+        <a:lnRef idx="0">
+          <a:scrgbClr r="0" g="0" b="0"/>
+        </a:lnRef>
+        <a:fillRef idx="0">
+          <a:scrgbClr r="0" g="0" b="0"/>
+        </a:fillRef>
+        <a:effectRef idx="0">
+          <a:scrgbClr r="0" g="0" b="0"/>
+        </a:effectRef>
         <a:fontRef idx="none"/>
       </a:style>
     </a:txDef>
   </a:objectDefaults>
+  <a:extraClrSchemeLst/>
 </a:theme>
 </file>
 
 <file path=ppt/theme/theme2.xml><?xml version="1.0" encoding="utf-8"?>
-<a:theme xmlns:a="http://schemas.openxmlformats.org/drawingml/2006/main" xmlns:r="http://schemas.openxmlformats.org/officeDocument/2006/relationships" name="Office Theme">
+<a:theme xmlns:a="http://schemas.openxmlformats.org/drawingml/2006/main" name="Office Theme">
   <a:themeElements>
     <a:clrScheme name="Office Theme">
       <a:dk1>
@@ -12097,7 +12312,7 @@
         <a:effectLst/>
         <a:sp3d/>
       </a:spPr>
-      <a:bodyPr rot="0" spcFirstLastPara="1" vertOverflow="overflow" horzOverflow="overflow" vert="horz" wrap="square" lIns="45719" tIns="45719" rIns="45719" bIns="45719" numCol="1" spcCol="38100" rtlCol="0" anchor="ctr" upright="0">
+      <a:bodyPr rot="0" spcFirstLastPara="1" vertOverflow="overflow" horzOverflow="overflow" vert="horz" wrap="square" lIns="45719" tIns="45719" rIns="45719" bIns="45719" numCol="1" spcCol="38100" rtlCol="0" anchor="ctr">
         <a:spAutoFit/>
       </a:bodyPr>
       <a:lstStyle>
@@ -12116,7 +12331,7 @@
           <a:buFontTx/>
           <a:buNone/>
           <a:tabLst/>
-          <a:defRPr b="0" baseline="0" cap="none" i="0" spc="0" strike="noStrike" sz="1800" u="none" kumimoji="0" normalizeH="0">
+          <a:defRPr kumimoji="0" sz="1800" b="0" i="0" u="none" strike="noStrike" cap="none" spc="0" normalizeH="0" baseline="0">
             <a:ln>
               <a:noFill/>
             </a:ln>
@@ -12146,7 +12361,7 @@
           <a:buFontTx/>
           <a:buNone/>
           <a:tabLst/>
-          <a:defRPr b="0" baseline="0" cap="none" i="0" spc="0" strike="noStrike" sz="1800" u="none" kumimoji="0" normalizeH="0">
+          <a:defRPr kumimoji="0" sz="1800" b="0" i="0" u="none" strike="noStrike" cap="none" spc="0" normalizeH="0" baseline="0">
             <a:ln>
               <a:noFill/>
             </a:ln>
@@ -12172,7 +12387,7 @@
           <a:buFontTx/>
           <a:buNone/>
           <a:tabLst/>
-          <a:defRPr b="0" baseline="0" cap="none" i="0" spc="0" strike="noStrike" sz="1800" u="none" kumimoji="0" normalizeH="0">
+          <a:defRPr kumimoji="0" sz="1800" b="0" i="0" u="none" strike="noStrike" cap="none" spc="0" normalizeH="0" baseline="0">
             <a:ln>
               <a:noFill/>
             </a:ln>
@@ -12198,7 +12413,7 @@
           <a:buFontTx/>
           <a:buNone/>
           <a:tabLst/>
-          <a:defRPr b="0" baseline="0" cap="none" i="0" spc="0" strike="noStrike" sz="1800" u="none" kumimoji="0" normalizeH="0">
+          <a:defRPr kumimoji="0" sz="1800" b="0" i="0" u="none" strike="noStrike" cap="none" spc="0" normalizeH="0" baseline="0">
             <a:ln>
               <a:noFill/>
             </a:ln>
@@ -12224,7 +12439,7 @@
           <a:buFontTx/>
           <a:buNone/>
           <a:tabLst/>
-          <a:defRPr b="0" baseline="0" cap="none" i="0" spc="0" strike="noStrike" sz="1800" u="none" kumimoji="0" normalizeH="0">
+          <a:defRPr kumimoji="0" sz="1800" b="0" i="0" u="none" strike="noStrike" cap="none" spc="0" normalizeH="0" baseline="0">
             <a:ln>
               <a:noFill/>
             </a:ln>
@@ -12250,7 +12465,7 @@
           <a:buFontTx/>
           <a:buNone/>
           <a:tabLst/>
-          <a:defRPr b="0" baseline="0" cap="none" i="0" spc="0" strike="noStrike" sz="1800" u="none" kumimoji="0" normalizeH="0">
+          <a:defRPr kumimoji="0" sz="1800" b="0" i="0" u="none" strike="noStrike" cap="none" spc="0" normalizeH="0" baseline="0">
             <a:ln>
               <a:noFill/>
             </a:ln>
@@ -12276,7 +12491,7 @@
           <a:buFontTx/>
           <a:buNone/>
           <a:tabLst/>
-          <a:defRPr b="0" baseline="0" cap="none" i="0" spc="0" strike="noStrike" sz="1800" u="none" kumimoji="0" normalizeH="0">
+          <a:defRPr kumimoji="0" sz="1800" b="0" i="0" u="none" strike="noStrike" cap="none" spc="0" normalizeH="0" baseline="0">
             <a:ln>
               <a:noFill/>
             </a:ln>
@@ -12302,7 +12517,7 @@
           <a:buFontTx/>
           <a:buNone/>
           <a:tabLst/>
-          <a:defRPr b="0" baseline="0" cap="none" i="0" spc="0" strike="noStrike" sz="1800" u="none" kumimoji="0" normalizeH="0">
+          <a:defRPr kumimoji="0" sz="1800" b="0" i="0" u="none" strike="noStrike" cap="none" spc="0" normalizeH="0" baseline="0">
             <a:ln>
               <a:noFill/>
             </a:ln>
@@ -12328,7 +12543,7 @@
           <a:buFontTx/>
           <a:buNone/>
           <a:tabLst/>
-          <a:defRPr b="0" baseline="0" cap="none" i="0" spc="0" strike="noStrike" sz="1800" u="none" kumimoji="0" normalizeH="0">
+          <a:defRPr kumimoji="0" sz="1800" b="0" i="0" u="none" strike="noStrike" cap="none" spc="0" normalizeH="0" baseline="0">
             <a:ln>
               <a:noFill/>
             </a:ln>
@@ -12354,7 +12569,7 @@
           <a:buFontTx/>
           <a:buNone/>
           <a:tabLst/>
-          <a:defRPr b="0" baseline="0" cap="none" i="0" spc="0" strike="noStrike" sz="1800" u="none" kumimoji="0" normalizeH="0">
+          <a:defRPr kumimoji="0" sz="1800" b="0" i="0" u="none" strike="noStrike" cap="none" spc="0" normalizeH="0" baseline="0">
             <a:ln>
               <a:noFill/>
             </a:ln>
@@ -12367,9 +12582,15 @@
         </a:lvl9pPr>
       </a:lstStyle>
       <a:style>
-        <a:lnRef idx="0"/>
-        <a:fillRef idx="0"/>
-        <a:effectRef idx="0"/>
+        <a:lnRef idx="0">
+          <a:scrgbClr r="0" g="0" b="0"/>
+        </a:lnRef>
+        <a:fillRef idx="0">
+          <a:scrgbClr r="0" g="0" b="0"/>
+        </a:fillRef>
+        <a:effectRef idx="0">
+          <a:scrgbClr r="0" g="0" b="0"/>
+        </a:effectRef>
         <a:fontRef idx="none"/>
       </a:style>
     </a:spDef>
@@ -12386,7 +12607,7 @@
         <a:effectLst/>
         <a:sp3d/>
       </a:spPr>
-      <a:bodyPr rot="0" spcFirstLastPara="1" vertOverflow="overflow" horzOverflow="overflow" vert="horz" wrap="square" lIns="91439" tIns="45719" rIns="91439" bIns="45719" numCol="1" spcCol="38100" rtlCol="0" anchor="t" upright="0">
+      <a:bodyPr rot="0" spcFirstLastPara="1" vertOverflow="overflow" horzOverflow="overflow" vert="horz" wrap="square" lIns="91439" tIns="45719" rIns="91439" bIns="45719" numCol="1" spcCol="38100" rtlCol="0" anchor="t">
         <a:noAutofit/>
       </a:bodyPr>
       <a:lstStyle>
@@ -12405,7 +12626,7 @@
           <a:buFontTx/>
           <a:buNone/>
           <a:tabLst/>
-          <a:defRPr b="0" baseline="0" cap="none" i="0" spc="0" strike="noStrike" sz="1800" u="none" kumimoji="0" normalizeH="0">
+          <a:defRPr kumimoji="0" sz="1800" b="0" i="0" u="none" strike="noStrike" cap="none" spc="0" normalizeH="0" baseline="0">
             <a:ln>
               <a:noFill/>
             </a:ln>
@@ -12431,7 +12652,7 @@
           <a:buFontTx/>
           <a:buNone/>
           <a:tabLst/>
-          <a:defRPr b="0" baseline="0" cap="none" i="0" spc="0" strike="noStrike" sz="1800" u="none" kumimoji="0" normalizeH="0">
+          <a:defRPr kumimoji="0" sz="1800" b="0" i="0" u="none" strike="noStrike" cap="none" spc="0" normalizeH="0" baseline="0">
             <a:ln>
               <a:noFill/>
             </a:ln>
@@ -12457,7 +12678,7 @@
           <a:buFontTx/>
           <a:buNone/>
           <a:tabLst/>
-          <a:defRPr b="0" baseline="0" cap="none" i="0" spc="0" strike="noStrike" sz="1800" u="none" kumimoji="0" normalizeH="0">
+          <a:defRPr kumimoji="0" sz="1800" b="0" i="0" u="none" strike="noStrike" cap="none" spc="0" normalizeH="0" baseline="0">
             <a:ln>
               <a:noFill/>
             </a:ln>
@@ -12483,7 +12704,7 @@
           <a:buFontTx/>
           <a:buNone/>
           <a:tabLst/>
-          <a:defRPr b="0" baseline="0" cap="none" i="0" spc="0" strike="noStrike" sz="1800" u="none" kumimoji="0" normalizeH="0">
+          <a:defRPr kumimoji="0" sz="1800" b="0" i="0" u="none" strike="noStrike" cap="none" spc="0" normalizeH="0" baseline="0">
             <a:ln>
               <a:noFill/>
             </a:ln>
@@ -12509,7 +12730,7 @@
           <a:buFontTx/>
           <a:buNone/>
           <a:tabLst/>
-          <a:defRPr b="0" baseline="0" cap="none" i="0" spc="0" strike="noStrike" sz="1800" u="none" kumimoji="0" normalizeH="0">
+          <a:defRPr kumimoji="0" sz="1800" b="0" i="0" u="none" strike="noStrike" cap="none" spc="0" normalizeH="0" baseline="0">
             <a:ln>
               <a:noFill/>
             </a:ln>
@@ -12535,7 +12756,7 @@
           <a:buFontTx/>
           <a:buNone/>
           <a:tabLst/>
-          <a:defRPr b="0" baseline="0" cap="none" i="0" spc="0" strike="noStrike" sz="1800" u="none" kumimoji="0" normalizeH="0">
+          <a:defRPr kumimoji="0" sz="1800" b="0" i="0" u="none" strike="noStrike" cap="none" spc="0" normalizeH="0" baseline="0">
             <a:ln>
               <a:noFill/>
             </a:ln>
@@ -12561,7 +12782,7 @@
           <a:buFontTx/>
           <a:buNone/>
           <a:tabLst/>
-          <a:defRPr b="0" baseline="0" cap="none" i="0" spc="0" strike="noStrike" sz="1800" u="none" kumimoji="0" normalizeH="0">
+          <a:defRPr kumimoji="0" sz="1800" b="0" i="0" u="none" strike="noStrike" cap="none" spc="0" normalizeH="0" baseline="0">
             <a:ln>
               <a:noFill/>
             </a:ln>
@@ -12587,7 +12808,7 @@
           <a:buFontTx/>
           <a:buNone/>
           <a:tabLst/>
-          <a:defRPr b="0" baseline="0" cap="none" i="0" spc="0" strike="noStrike" sz="1800" u="none" kumimoji="0" normalizeH="0">
+          <a:defRPr kumimoji="0" sz="1800" b="0" i="0" u="none" strike="noStrike" cap="none" spc="0" normalizeH="0" baseline="0">
             <a:ln>
               <a:noFill/>
             </a:ln>
@@ -12613,7 +12834,7 @@
           <a:buFontTx/>
           <a:buNone/>
           <a:tabLst/>
-          <a:defRPr b="0" baseline="0" cap="none" i="0" spc="0" strike="noStrike" sz="1800" u="none" kumimoji="0" normalizeH="0">
+          <a:defRPr kumimoji="0" sz="1800" b="0" i="0" u="none" strike="noStrike" cap="none" spc="0" normalizeH="0" baseline="0">
             <a:ln>
               <a:noFill/>
             </a:ln>
@@ -12639,7 +12860,7 @@
           <a:buFontTx/>
           <a:buNone/>
           <a:tabLst/>
-          <a:defRPr b="0" baseline="0" cap="none" i="0" spc="0" strike="noStrike" sz="1800" u="none" kumimoji="0" normalizeH="0">
+          <a:defRPr kumimoji="0" sz="1800" b="0" i="0" u="none" strike="noStrike" cap="none" spc="0" normalizeH="0" baseline="0">
             <a:ln>
               <a:noFill/>
             </a:ln>
@@ -12652,9 +12873,15 @@
         </a:lvl9pPr>
       </a:lstStyle>
       <a:style>
-        <a:lnRef idx="0"/>
-        <a:fillRef idx="0"/>
-        <a:effectRef idx="0"/>
+        <a:lnRef idx="0">
+          <a:scrgbClr r="0" g="0" b="0"/>
+        </a:lnRef>
+        <a:fillRef idx="0">
+          <a:scrgbClr r="0" g="0" b="0"/>
+        </a:fillRef>
+        <a:effectRef idx="0">
+          <a:scrgbClr r="0" g="0" b="0"/>
+        </a:effectRef>
         <a:fontRef idx="none"/>
       </a:style>
     </a:lnDef>
@@ -12668,7 +12895,7 @@
         <a:effectLst/>
         <a:sp3d/>
       </a:spPr>
-      <a:bodyPr rot="0" spcFirstLastPara="1" vertOverflow="overflow" horzOverflow="overflow" vert="horz" wrap="square" lIns="45719" tIns="45719" rIns="45719" bIns="45719" numCol="1" spcCol="38100" rtlCol="0" anchor="t" upright="0">
+      <a:bodyPr rot="0" spcFirstLastPara="1" vertOverflow="overflow" horzOverflow="overflow" vert="horz" wrap="square" lIns="45719" tIns="45719" rIns="45719" bIns="45719" numCol="1" spcCol="38100" rtlCol="0" anchor="t">
         <a:spAutoFit/>
       </a:bodyPr>
       <a:lstStyle>
@@ -12687,7 +12914,7 @@
           <a:buFontTx/>
           <a:buNone/>
           <a:tabLst/>
-          <a:defRPr b="0" baseline="0" cap="none" i="0" spc="0" strike="noStrike" sz="1800" u="none" kumimoji="0" normalizeH="0">
+          <a:defRPr kumimoji="0" sz="1800" b="0" i="0" u="none" strike="noStrike" cap="none" spc="0" normalizeH="0" baseline="0">
             <a:ln>
               <a:noFill/>
             </a:ln>
@@ -12717,7 +12944,7 @@
           <a:buFontTx/>
           <a:buNone/>
           <a:tabLst/>
-          <a:defRPr b="0" baseline="0" cap="none" i="0" spc="0" strike="noStrike" sz="1800" u="none" kumimoji="0" normalizeH="0">
+          <a:defRPr kumimoji="0" sz="1800" b="0" i="0" u="none" strike="noStrike" cap="none" spc="0" normalizeH="0" baseline="0">
             <a:ln>
               <a:noFill/>
             </a:ln>
@@ -12743,7 +12970,7 @@
           <a:buFontTx/>
           <a:buNone/>
           <a:tabLst/>
-          <a:defRPr b="0" baseline="0" cap="none" i="0" spc="0" strike="noStrike" sz="1800" u="none" kumimoji="0" normalizeH="0">
+          <a:defRPr kumimoji="0" sz="1800" b="0" i="0" u="none" strike="noStrike" cap="none" spc="0" normalizeH="0" baseline="0">
             <a:ln>
               <a:noFill/>
             </a:ln>
@@ -12769,7 +12996,7 @@
           <a:buFontTx/>
           <a:buNone/>
           <a:tabLst/>
-          <a:defRPr b="0" baseline="0" cap="none" i="0" spc="0" strike="noStrike" sz="1800" u="none" kumimoji="0" normalizeH="0">
+          <a:defRPr kumimoji="0" sz="1800" b="0" i="0" u="none" strike="noStrike" cap="none" spc="0" normalizeH="0" baseline="0">
             <a:ln>
               <a:noFill/>
             </a:ln>
@@ -12795,7 +13022,7 @@
           <a:buFontTx/>
           <a:buNone/>
           <a:tabLst/>
-          <a:defRPr b="0" baseline="0" cap="none" i="0" spc="0" strike="noStrike" sz="1800" u="none" kumimoji="0" normalizeH="0">
+          <a:defRPr kumimoji="0" sz="1800" b="0" i="0" u="none" strike="noStrike" cap="none" spc="0" normalizeH="0" baseline="0">
             <a:ln>
               <a:noFill/>
             </a:ln>
@@ -12821,7 +13048,7 @@
           <a:buFontTx/>
           <a:buNone/>
           <a:tabLst/>
-          <a:defRPr b="0" baseline="0" cap="none" i="0" spc="0" strike="noStrike" sz="1800" u="none" kumimoji="0" normalizeH="0">
+          <a:defRPr kumimoji="0" sz="1800" b="0" i="0" u="none" strike="noStrike" cap="none" spc="0" normalizeH="0" baseline="0">
             <a:ln>
               <a:noFill/>
             </a:ln>
@@ -12847,7 +13074,7 @@
           <a:buFontTx/>
           <a:buNone/>
           <a:tabLst/>
-          <a:defRPr b="0" baseline="0" cap="none" i="0" spc="0" strike="noStrike" sz="1800" u="none" kumimoji="0" normalizeH="0">
+          <a:defRPr kumimoji="0" sz="1800" b="0" i="0" u="none" strike="noStrike" cap="none" spc="0" normalizeH="0" baseline="0">
             <a:ln>
               <a:noFill/>
             </a:ln>
@@ -12873,7 +13100,7 @@
           <a:buFontTx/>
           <a:buNone/>
           <a:tabLst/>
-          <a:defRPr b="0" baseline="0" cap="none" i="0" spc="0" strike="noStrike" sz="1800" u="none" kumimoji="0" normalizeH="0">
+          <a:defRPr kumimoji="0" sz="1800" b="0" i="0" u="none" strike="noStrike" cap="none" spc="0" normalizeH="0" baseline="0">
             <a:ln>
               <a:noFill/>
             </a:ln>
@@ -12899,7 +13126,7 @@
           <a:buFontTx/>
           <a:buNone/>
           <a:tabLst/>
-          <a:defRPr b="0" baseline="0" cap="none" i="0" spc="0" strike="noStrike" sz="1800" u="none" kumimoji="0" normalizeH="0">
+          <a:defRPr kumimoji="0" sz="1800" b="0" i="0" u="none" strike="noStrike" cap="none" spc="0" normalizeH="0" baseline="0">
             <a:ln>
               <a:noFill/>
             </a:ln>
@@ -12925,7 +13152,7 @@
           <a:buFontTx/>
           <a:buNone/>
           <a:tabLst/>
-          <a:defRPr b="0" baseline="0" cap="none" i="0" spc="0" strike="noStrike" sz="1800" u="none" kumimoji="0" normalizeH="0">
+          <a:defRPr kumimoji="0" sz="1800" b="0" i="0" u="none" strike="noStrike" cap="none" spc="0" normalizeH="0" baseline="0">
             <a:ln>
               <a:noFill/>
             </a:ln>
@@ -12938,12 +13165,19 @@
         </a:lvl9pPr>
       </a:lstStyle>
       <a:style>
-        <a:lnRef idx="0"/>
-        <a:fillRef idx="0"/>
-        <a:effectRef idx="0"/>
+        <a:lnRef idx="0">
+          <a:scrgbClr r="0" g="0" b="0"/>
+        </a:lnRef>
+        <a:fillRef idx="0">
+          <a:scrgbClr r="0" g="0" b="0"/>
+        </a:fillRef>
+        <a:effectRef idx="0">
+          <a:scrgbClr r="0" g="0" b="0"/>
+        </a:effectRef>
         <a:fontRef idx="none"/>
       </a:style>
     </a:txDef>
   </a:objectDefaults>
+  <a:extraClrSchemeLst/>
 </a:theme>
 </file>